--- a/学习笔记/Docker/Cgroups.pptx
+++ b/学习笔记/Docker/Cgroups.pptx
@@ -2,7 +2,7 @@
 <file path=ppt/presentation.xml><?xml version="1.0" encoding="utf-8"?>
 <p:presentation xmlns:a="http://schemas.openxmlformats.org/drawingml/2006/main" xmlns:r="http://schemas.openxmlformats.org/officeDocument/2006/relationships" xmlns:p="http://schemas.openxmlformats.org/presentationml/2006/main" saveSubsetFonts="1">
   <p:sldMasterIdLst>
-    <p:sldMasterId id="2147483648" r:id="rId1"/>
+    <p:sldMasterId id="2147483660" r:id="rId1"/>
   </p:sldMasterIdLst>
   <p:sldIdLst>
     <p:sldId id="256" r:id="rId2"/>
@@ -113,6 +113,11 @@
       </a:defRPr>
     </a:lvl9pPr>
   </p:defaultTextStyle>
+  <p:extLst>
+    <p:ext uri="{EFAFB233-063F-42B5-8137-9DF3F51BA10A}">
+      <p15:sldGuideLst xmlns:p15="http://schemas.microsoft.com/office/powerpoint/2012/main"/>
+    </p:ext>
+  </p:extLst>
 </p:presentation>
 </file>
 
@@ -135,13 +140,7 @@
       </p:grpSpPr>
       <p:sp>
         <p:nvSpPr>
-          <p:cNvPr id="2" name="标题 1">
-            <a:extLst>
-              <a:ext uri="{FF2B5EF4-FFF2-40B4-BE49-F238E27FC236}">
-                <a16:creationId xmlns:a16="http://schemas.microsoft.com/office/drawing/2014/main" id="{FD575C76-17C6-4D0B-ACF1-FA3B2D2FD288}"/>
-              </a:ext>
-            </a:extLst>
-          </p:cNvPr>
+          <p:cNvPr id="2" name="标题 1"/>
           <p:cNvSpPr>
             <a:spLocks noGrp="1"/>
           </p:cNvSpPr>
@@ -151,104 +150,106 @@
         </p:nvSpPr>
         <p:spPr>
           <a:xfrm>
-            <a:off x="1524000" y="1122363"/>
-            <a:ext cx="9144000" cy="2387600"/>
+            <a:off x="0" y="2052266"/>
+            <a:ext cx="12192000" cy="1562846"/>
+          </a:xfrm>
+          <a:prstGeom prst="rect">
+            <a:avLst/>
+          </a:prstGeom>
+          <a:solidFill>
+            <a:srgbClr val="02409A"/>
+          </a:solidFill>
+          <a:ln>
+            <a:noFill/>
+          </a:ln>
+          <a:effectLst>
+            <a:outerShdw blurRad="44450" dist="27940" dir="5400000" algn="ctr">
+              <a:srgbClr val="000000">
+                <a:alpha val="32000"/>
+              </a:srgbClr>
+            </a:outerShdw>
+          </a:effectLst>
+        </p:spPr>
+        <p:txBody>
+          <a:bodyPr tIns="0" bIns="0" anchor="ctr"/>
+          <a:lstStyle>
+            <a:lvl1pPr>
+              <a:defRPr lang="zh-CN" altLang="en-US" sz="2400" b="1" dirty="0">
+                <a:solidFill>
+                  <a:prstClr val="white"/>
+                </a:solidFill>
+                <a:effectLst>
+                  <a:outerShdw blurRad="38100" dist="38100" dir="2700000" algn="tl">
+                    <a:srgbClr val="000000">
+                      <a:alpha val="43137"/>
+                    </a:srgbClr>
+                  </a:outerShdw>
+                </a:effectLst>
+                <a:latin typeface="微软雅黑" panose="020B0503020204020204" pitchFamily="34" charset="-122"/>
+                <a:ea typeface="微软雅黑" panose="020B0503020204020204" pitchFamily="34" charset="-122"/>
+                <a:cs typeface="+mn-cs"/>
+              </a:defRPr>
+            </a:lvl1pPr>
+          </a:lstStyle>
+          <a:p>
+            <a:pPr marL="0" lvl="0"/>
+            <a:r>
+              <a:rPr lang="zh-CN" altLang="en-US"/>
+              <a:t>单击此处编辑母版标题样式</a:t>
+            </a:r>
+            <a:endParaRPr lang="zh-CN" altLang="en-US" dirty="0"/>
+          </a:p>
+        </p:txBody>
+      </p:sp>
+      <p:sp>
+        <p:nvSpPr>
+          <p:cNvPr id="3" name="副标题 2"/>
+          <p:cNvSpPr>
+            <a:spLocks noGrp="1"/>
+          </p:cNvSpPr>
+          <p:nvPr>
+            <p:ph type="subTitle" idx="1"/>
+          </p:nvPr>
+        </p:nvSpPr>
+        <p:spPr>
+          <a:xfrm>
+            <a:off x="1828800" y="3886200"/>
+            <a:ext cx="8534400" cy="1752600"/>
           </a:xfrm>
         </p:spPr>
         <p:txBody>
-          <a:bodyPr anchor="b"/>
+          <a:bodyPr vert="horz" lIns="91440" tIns="45720" rIns="91440" bIns="45720" rtlCol="0">
+            <a:normAutofit lnSpcReduction="10000"/>
+          </a:bodyPr>
           <a:lstStyle>
             <a:lvl1pPr algn="ctr">
-              <a:defRPr sz="6000"/>
+              <a:defRPr lang="zh-CN" altLang="en-US" b="1" dirty="0">
+                <a:solidFill>
+                  <a:srgbClr val="0033CC"/>
+                </a:solidFill>
+                <a:latin typeface="楷体" panose="02010609060101010101" pitchFamily="49" charset="-122"/>
+                <a:ea typeface="楷体" panose="02010609060101010101" pitchFamily="49" charset="-122"/>
+              </a:defRPr>
             </a:lvl1pPr>
           </a:lstStyle>
           <a:p>
-            <a:r>
-              <a:rPr lang="zh-CN" altLang="en-US"/>
-              <a:t>单击此处编辑母版标题样式</a:t>
-            </a:r>
-          </a:p>
-        </p:txBody>
-      </p:sp>
-      <p:sp>
-        <p:nvSpPr>
-          <p:cNvPr id="3" name="副标题 2">
-            <a:extLst>
-              <a:ext uri="{FF2B5EF4-FFF2-40B4-BE49-F238E27FC236}">
-                <a16:creationId xmlns:a16="http://schemas.microsoft.com/office/drawing/2014/main" id="{77C248AE-AA5C-44A4-8092-8FDCE7821354}"/>
-              </a:ext>
-            </a:extLst>
-          </p:cNvPr>
-          <p:cNvSpPr>
-            <a:spLocks noGrp="1"/>
-          </p:cNvSpPr>
-          <p:nvPr>
-            <p:ph type="subTitle" idx="1"/>
-          </p:nvPr>
-        </p:nvSpPr>
-        <p:spPr>
-          <a:xfrm>
-            <a:off x="1524000" y="3602038"/>
-            <a:ext cx="9144000" cy="1655762"/>
-          </a:xfrm>
-        </p:spPr>
-        <p:txBody>
-          <a:bodyPr/>
-          <a:lstStyle>
-            <a:lvl1pPr marL="0" indent="0" algn="ctr">
+            <a:pPr marL="0" lvl="0" indent="0" algn="ctr">
+              <a:spcAft>
+                <a:spcPts val="2400"/>
+              </a:spcAft>
               <a:buNone/>
-              <a:defRPr sz="2400"/>
-            </a:lvl1pPr>
-            <a:lvl2pPr marL="457200" indent="0" algn="ctr">
-              <a:buNone/>
-              <a:defRPr sz="2000"/>
-            </a:lvl2pPr>
-            <a:lvl3pPr marL="914400" indent="0" algn="ctr">
-              <a:buNone/>
-              <a:defRPr sz="1800"/>
-            </a:lvl3pPr>
-            <a:lvl4pPr marL="1371600" indent="0" algn="ctr">
-              <a:buNone/>
-              <a:defRPr sz="1600"/>
-            </a:lvl4pPr>
-            <a:lvl5pPr marL="1828800" indent="0" algn="ctr">
-              <a:buNone/>
-              <a:defRPr sz="1600"/>
-            </a:lvl5pPr>
-            <a:lvl6pPr marL="2286000" indent="0" algn="ctr">
-              <a:buNone/>
-              <a:defRPr sz="1600"/>
-            </a:lvl6pPr>
-            <a:lvl7pPr marL="2743200" indent="0" algn="ctr">
-              <a:buNone/>
-              <a:defRPr sz="1600"/>
-            </a:lvl7pPr>
-            <a:lvl8pPr marL="3200400" indent="0" algn="ctr">
-              <a:buNone/>
-              <a:defRPr sz="1600"/>
-            </a:lvl8pPr>
-            <a:lvl9pPr marL="3657600" indent="0" algn="ctr">
-              <a:buNone/>
-              <a:defRPr sz="1600"/>
-            </a:lvl9pPr>
-          </a:lstStyle>
-          <a:p>
+            </a:pPr>
             <a:r>
               <a:rPr lang="zh-CN" altLang="en-US"/>
               <a:t>单击此处编辑母版副标题样式</a:t>
             </a:r>
-          </a:p>
-        </p:txBody>
-      </p:sp>
-      <p:sp>
-        <p:nvSpPr>
-          <p:cNvPr id="4" name="日期占位符 3">
-            <a:extLst>
-              <a:ext uri="{FF2B5EF4-FFF2-40B4-BE49-F238E27FC236}">
-                <a16:creationId xmlns:a16="http://schemas.microsoft.com/office/drawing/2014/main" id="{8100A7E1-0DE5-4479-BE42-6B8C2F49CA65}"/>
-              </a:ext>
-            </a:extLst>
-          </p:cNvPr>
+            <a:endParaRPr lang="zh-CN" altLang="en-US" dirty="0"/>
+          </a:p>
+        </p:txBody>
+      </p:sp>
+      <p:sp>
+        <p:nvSpPr>
+          <p:cNvPr id="4" name="日期占位符 3"/>
           <p:cNvSpPr>
             <a:spLocks noGrp="1"/>
           </p:cNvSpPr>
@@ -263,7 +264,7 @@
           <a:p>
             <a:fld id="{E4140F44-E63C-4996-8BD5-D69FF40853B5}" type="datetimeFigureOut">
               <a:rPr lang="zh-CN" altLang="en-US" smtClean="0"/>
-              <a:t>2020/6/20</a:t>
+              <a:t>2020/7/11</a:t>
             </a:fld>
             <a:endParaRPr lang="zh-CN" altLang="en-US"/>
           </a:p>
@@ -271,13 +272,7 @@
       </p:sp>
       <p:sp>
         <p:nvSpPr>
-          <p:cNvPr id="5" name="页脚占位符 4">
-            <a:extLst>
-              <a:ext uri="{FF2B5EF4-FFF2-40B4-BE49-F238E27FC236}">
-                <a16:creationId xmlns:a16="http://schemas.microsoft.com/office/drawing/2014/main" id="{4F605F1A-33E3-4312-B5C7-E912395FEC30}"/>
-              </a:ext>
-            </a:extLst>
-          </p:cNvPr>
+          <p:cNvPr id="5" name="页脚占位符 4"/>
           <p:cNvSpPr>
             <a:spLocks noGrp="1"/>
           </p:cNvSpPr>
@@ -296,13 +291,7 @@
       </p:sp>
       <p:sp>
         <p:nvSpPr>
-          <p:cNvPr id="6" name="灯片编号占位符 5">
-            <a:extLst>
-              <a:ext uri="{FF2B5EF4-FFF2-40B4-BE49-F238E27FC236}">
-                <a16:creationId xmlns:a16="http://schemas.microsoft.com/office/drawing/2014/main" id="{F13042EE-AC3C-44A9-8117-6CB1C5031D83}"/>
-              </a:ext>
-            </a:extLst>
-          </p:cNvPr>
+          <p:cNvPr id="6" name="灯片编号占位符 5"/>
           <p:cNvSpPr>
             <a:spLocks noGrp="1"/>
           </p:cNvSpPr>
@@ -323,10 +312,70 @@
           </a:p>
         </p:txBody>
       </p:sp>
+      <p:pic>
+        <p:nvPicPr>
+          <p:cNvPr id="8" name="Picture 5">
+            <a:extLst>
+              <a:ext uri="{FF2B5EF4-FFF2-40B4-BE49-F238E27FC236}">
+                <a16:creationId xmlns:a16="http://schemas.microsoft.com/office/drawing/2014/main" id="{5C661FD0-60DD-459F-B399-FEA4B9CFB7A6}"/>
+              </a:ext>
+            </a:extLst>
+          </p:cNvPr>
+          <p:cNvPicPr>
+            <a:picLocks noChangeAspect="1" noChangeArrowheads="1"/>
+          </p:cNvPicPr>
+          <p:nvPr/>
+        </p:nvPicPr>
+        <p:blipFill>
+          <a:blip r:embed="rId2" cstate="print">
+            <a:extLst>
+              <a:ext uri="{28A0092B-C50C-407E-A947-70E740481C1C}">
+                <a14:useLocalDpi xmlns:a14="http://schemas.microsoft.com/office/drawing/2010/main" val="0"/>
+              </a:ext>
+            </a:extLst>
+          </a:blip>
+          <a:srcRect/>
+          <a:stretch>
+            <a:fillRect/>
+          </a:stretch>
+        </p:blipFill>
+        <p:spPr bwMode="auto">
+          <a:xfrm>
+            <a:off x="180306" y="355983"/>
+            <a:ext cx="2303462" cy="766762"/>
+          </a:xfrm>
+          <a:prstGeom prst="rect">
+            <a:avLst/>
+          </a:prstGeom>
+          <a:noFill/>
+          <a:ln>
+            <a:noFill/>
+          </a:ln>
+          <a:extLst>
+            <a:ext uri="{909E8E84-426E-40DD-AFC4-6F175D3DCCD1}">
+              <a14:hiddenFill xmlns:a14="http://schemas.microsoft.com/office/drawing/2010/main">
+                <a:solidFill>
+                  <a:srgbClr val="FFFFFF"/>
+                </a:solidFill>
+              </a14:hiddenFill>
+            </a:ext>
+            <a:ext uri="{91240B29-F687-4F45-9708-019B960494DF}">
+              <a14:hiddenLine xmlns:a14="http://schemas.microsoft.com/office/drawing/2010/main" w="9525">
+                <a:solidFill>
+                  <a:srgbClr val="000000"/>
+                </a:solidFill>
+                <a:miter lim="800000"/>
+                <a:headEnd/>
+                <a:tailEnd/>
+              </a14:hiddenLine>
+            </a:ext>
+          </a:extLst>
+        </p:spPr>
+      </p:pic>
     </p:spTree>
     <p:extLst>
       <p:ext uri="{BB962C8B-B14F-4D97-AF65-F5344CB8AC3E}">
-        <p14:creationId xmlns:p14="http://schemas.microsoft.com/office/powerpoint/2010/main" val="34682648"/>
+        <p14:creationId xmlns:p14="http://schemas.microsoft.com/office/powerpoint/2010/main" val="496891606"/>
       </p:ext>
     </p:extLst>
   </p:cSld>
@@ -337,6 +386,264 @@
 </file>
 
 <file path=ppt/slideLayouts/slideLayout10.xml><?xml version="1.0" encoding="utf-8"?>
+<p:sldLayout xmlns:a="http://schemas.openxmlformats.org/drawingml/2006/main" xmlns:r="http://schemas.openxmlformats.org/officeDocument/2006/relationships" xmlns:p="http://schemas.openxmlformats.org/presentationml/2006/main" type="picTx" preserve="1">
+  <p:cSld name="图片与标题">
+    <p:spTree>
+      <p:nvGrpSpPr>
+        <p:cNvPr id="1" name=""/>
+        <p:cNvGrpSpPr/>
+        <p:nvPr/>
+      </p:nvGrpSpPr>
+      <p:grpSpPr>
+        <a:xfrm>
+          <a:off x="0" y="0"/>
+          <a:ext cx="0" cy="0"/>
+          <a:chOff x="0" y="0"/>
+          <a:chExt cx="0" cy="0"/>
+        </a:xfrm>
+      </p:grpSpPr>
+      <p:sp>
+        <p:nvSpPr>
+          <p:cNvPr id="2" name="标题 1"/>
+          <p:cNvSpPr>
+            <a:spLocks noGrp="1"/>
+          </p:cNvSpPr>
+          <p:nvPr>
+            <p:ph type="title"/>
+          </p:nvPr>
+        </p:nvSpPr>
+        <p:spPr>
+          <a:xfrm>
+            <a:off x="2389717" y="4800600"/>
+            <a:ext cx="7315200" cy="566738"/>
+          </a:xfrm>
+          <a:prstGeom prst="rect">
+            <a:avLst/>
+          </a:prstGeom>
+        </p:spPr>
+        <p:txBody>
+          <a:bodyPr anchor="b"/>
+          <a:lstStyle>
+            <a:lvl1pPr algn="l">
+              <a:defRPr sz="2000" b="1"/>
+            </a:lvl1pPr>
+          </a:lstStyle>
+          <a:p>
+            <a:r>
+              <a:rPr lang="zh-CN" altLang="en-US"/>
+              <a:t>单击此处编辑母版标题样式</a:t>
+            </a:r>
+          </a:p>
+        </p:txBody>
+      </p:sp>
+      <p:sp>
+        <p:nvSpPr>
+          <p:cNvPr id="3" name="图片占位符 2"/>
+          <p:cNvSpPr>
+            <a:spLocks noGrp="1"/>
+          </p:cNvSpPr>
+          <p:nvPr>
+            <p:ph type="pic" idx="1"/>
+          </p:nvPr>
+        </p:nvSpPr>
+        <p:spPr>
+          <a:xfrm>
+            <a:off x="2389717" y="612775"/>
+            <a:ext cx="7315200" cy="4114800"/>
+          </a:xfrm>
+        </p:spPr>
+        <p:txBody>
+          <a:bodyPr/>
+          <a:lstStyle>
+            <a:lvl1pPr marL="0" indent="0">
+              <a:buNone/>
+              <a:defRPr sz="3200"/>
+            </a:lvl1pPr>
+            <a:lvl2pPr marL="457200" indent="0">
+              <a:buNone/>
+              <a:defRPr sz="2800"/>
+            </a:lvl2pPr>
+            <a:lvl3pPr marL="914400" indent="0">
+              <a:buNone/>
+              <a:defRPr sz="2400"/>
+            </a:lvl3pPr>
+            <a:lvl4pPr marL="1371600" indent="0">
+              <a:buNone/>
+              <a:defRPr sz="2000"/>
+            </a:lvl4pPr>
+            <a:lvl5pPr marL="1828800" indent="0">
+              <a:buNone/>
+              <a:defRPr sz="2000"/>
+            </a:lvl5pPr>
+            <a:lvl6pPr marL="2286000" indent="0">
+              <a:buNone/>
+              <a:defRPr sz="2000"/>
+            </a:lvl6pPr>
+            <a:lvl7pPr marL="2743200" indent="0">
+              <a:buNone/>
+              <a:defRPr sz="2000"/>
+            </a:lvl7pPr>
+            <a:lvl8pPr marL="3200400" indent="0">
+              <a:buNone/>
+              <a:defRPr sz="2000"/>
+            </a:lvl8pPr>
+            <a:lvl9pPr marL="3657600" indent="0">
+              <a:buNone/>
+              <a:defRPr sz="2000"/>
+            </a:lvl9pPr>
+          </a:lstStyle>
+          <a:p>
+            <a:r>
+              <a:rPr lang="zh-CN" altLang="en-US"/>
+              <a:t>单击图标添加图片</a:t>
+            </a:r>
+          </a:p>
+        </p:txBody>
+      </p:sp>
+      <p:sp>
+        <p:nvSpPr>
+          <p:cNvPr id="4" name="文本占位符 3"/>
+          <p:cNvSpPr>
+            <a:spLocks noGrp="1"/>
+          </p:cNvSpPr>
+          <p:nvPr>
+            <p:ph type="body" sz="half" idx="2"/>
+          </p:nvPr>
+        </p:nvSpPr>
+        <p:spPr>
+          <a:xfrm>
+            <a:off x="2389717" y="5367338"/>
+            <a:ext cx="7315200" cy="804862"/>
+          </a:xfrm>
+        </p:spPr>
+        <p:txBody>
+          <a:bodyPr/>
+          <a:lstStyle>
+            <a:lvl1pPr marL="0" indent="0">
+              <a:buNone/>
+              <a:defRPr sz="1400"/>
+            </a:lvl1pPr>
+            <a:lvl2pPr marL="457200" indent="0">
+              <a:buNone/>
+              <a:defRPr sz="1200"/>
+            </a:lvl2pPr>
+            <a:lvl3pPr marL="914400" indent="0">
+              <a:buNone/>
+              <a:defRPr sz="1000"/>
+            </a:lvl3pPr>
+            <a:lvl4pPr marL="1371600" indent="0">
+              <a:buNone/>
+              <a:defRPr sz="900"/>
+            </a:lvl4pPr>
+            <a:lvl5pPr marL="1828800" indent="0">
+              <a:buNone/>
+              <a:defRPr sz="900"/>
+            </a:lvl5pPr>
+            <a:lvl6pPr marL="2286000" indent="0">
+              <a:buNone/>
+              <a:defRPr sz="900"/>
+            </a:lvl6pPr>
+            <a:lvl7pPr marL="2743200" indent="0">
+              <a:buNone/>
+              <a:defRPr sz="900"/>
+            </a:lvl7pPr>
+            <a:lvl8pPr marL="3200400" indent="0">
+              <a:buNone/>
+              <a:defRPr sz="900"/>
+            </a:lvl8pPr>
+            <a:lvl9pPr marL="3657600" indent="0">
+              <a:buNone/>
+              <a:defRPr sz="900"/>
+            </a:lvl9pPr>
+          </a:lstStyle>
+          <a:p>
+            <a:pPr lvl="0"/>
+            <a:r>
+              <a:rPr lang="zh-CN" altLang="en-US"/>
+              <a:t>单击此处编辑母版文本样式</a:t>
+            </a:r>
+          </a:p>
+        </p:txBody>
+      </p:sp>
+      <p:sp>
+        <p:nvSpPr>
+          <p:cNvPr id="5" name="日期占位符 4"/>
+          <p:cNvSpPr>
+            <a:spLocks noGrp="1"/>
+          </p:cNvSpPr>
+          <p:nvPr>
+            <p:ph type="dt" sz="half" idx="10"/>
+          </p:nvPr>
+        </p:nvSpPr>
+        <p:spPr/>
+        <p:txBody>
+          <a:bodyPr/>
+          <a:lstStyle/>
+          <a:p>
+            <a:fld id="{E4140F44-E63C-4996-8BD5-D69FF40853B5}" type="datetimeFigureOut">
+              <a:rPr lang="zh-CN" altLang="en-US" smtClean="0"/>
+              <a:t>2020/7/11</a:t>
+            </a:fld>
+            <a:endParaRPr lang="zh-CN" altLang="en-US"/>
+          </a:p>
+        </p:txBody>
+      </p:sp>
+      <p:sp>
+        <p:nvSpPr>
+          <p:cNvPr id="6" name="页脚占位符 5"/>
+          <p:cNvSpPr>
+            <a:spLocks noGrp="1"/>
+          </p:cNvSpPr>
+          <p:nvPr>
+            <p:ph type="ftr" sz="quarter" idx="11"/>
+          </p:nvPr>
+        </p:nvSpPr>
+        <p:spPr/>
+        <p:txBody>
+          <a:bodyPr/>
+          <a:lstStyle/>
+          <a:p>
+            <a:endParaRPr lang="zh-CN" altLang="en-US"/>
+          </a:p>
+        </p:txBody>
+      </p:sp>
+      <p:sp>
+        <p:nvSpPr>
+          <p:cNvPr id="7" name="灯片编号占位符 6"/>
+          <p:cNvSpPr>
+            <a:spLocks noGrp="1"/>
+          </p:cNvSpPr>
+          <p:nvPr>
+            <p:ph type="sldNum" sz="quarter" idx="12"/>
+          </p:nvPr>
+        </p:nvSpPr>
+        <p:spPr/>
+        <p:txBody>
+          <a:bodyPr/>
+          <a:lstStyle/>
+          <a:p>
+            <a:fld id="{663165EE-DD66-4923-B28B-FD2CB543D439}" type="slidenum">
+              <a:rPr lang="zh-CN" altLang="en-US" smtClean="0"/>
+              <a:t>‹#›</a:t>
+            </a:fld>
+            <a:endParaRPr lang="zh-CN" altLang="en-US"/>
+          </a:p>
+        </p:txBody>
+      </p:sp>
+    </p:spTree>
+    <p:extLst>
+      <p:ext uri="{BB962C8B-B14F-4D97-AF65-F5344CB8AC3E}">
+        <p14:creationId xmlns:p14="http://schemas.microsoft.com/office/powerpoint/2010/main" val="1646661480"/>
+      </p:ext>
+    </p:extLst>
+  </p:cSld>
+  <p:clrMapOvr>
+    <a:masterClrMapping/>
+  </p:clrMapOvr>
+</p:sldLayout>
+</file>
+
+<file path=ppt/slideLayouts/slideLayout11.xml><?xml version="1.0" encoding="utf-8"?>
 <p:sldLayout xmlns:a="http://schemas.openxmlformats.org/drawingml/2006/main" xmlns:r="http://schemas.openxmlformats.org/officeDocument/2006/relationships" xmlns:p="http://schemas.openxmlformats.org/presentationml/2006/main" type="vertTx" preserve="1">
   <p:cSld name="标题和竖排文字">
     <p:spTree>
@@ -353,20 +660,325 @@
           <a:chExt cx="0" cy="0"/>
         </a:xfrm>
       </p:grpSpPr>
-      <p:sp>
-        <p:nvSpPr>
-          <p:cNvPr id="2" name="标题 1">
+      <p:grpSp>
+        <p:nvGrpSpPr>
+          <p:cNvPr id="7" name="组合 6">
             <a:extLst>
               <a:ext uri="{FF2B5EF4-FFF2-40B4-BE49-F238E27FC236}">
-                <a16:creationId xmlns:a16="http://schemas.microsoft.com/office/drawing/2014/main" id="{DE9974DE-EDC0-4577-8EE1-F9842813C94D}"/>
+                <a16:creationId xmlns:a16="http://schemas.microsoft.com/office/drawing/2014/main" id="{F4ED3AB4-93C4-4985-9727-B5715F6DCF1B}"/>
               </a:ext>
             </a:extLst>
           </p:cNvPr>
+          <p:cNvGrpSpPr/>
+          <p:nvPr/>
+        </p:nvGrpSpPr>
+        <p:grpSpPr>
+          <a:xfrm>
+            <a:off x="0" y="-24"/>
+            <a:ext cx="12192000" cy="863601"/>
+            <a:chOff x="0" y="-26988"/>
+            <a:chExt cx="9144000" cy="863601"/>
+          </a:xfrm>
+        </p:grpSpPr>
+        <p:sp>
+          <p:nvSpPr>
+            <p:cNvPr id="8" name="标题 3">
+              <a:extLst>
+                <a:ext uri="{FF2B5EF4-FFF2-40B4-BE49-F238E27FC236}">
+                  <a16:creationId xmlns:a16="http://schemas.microsoft.com/office/drawing/2014/main" id="{E5772554-358F-47C0-96CC-C9A515D842CA}"/>
+                </a:ext>
+              </a:extLst>
+            </p:cNvPr>
+            <p:cNvSpPr txBox="1">
+              <a:spLocks/>
+            </p:cNvSpPr>
+            <p:nvPr/>
+          </p:nvSpPr>
+          <p:spPr>
+            <a:xfrm>
+              <a:off x="0" y="-26988"/>
+              <a:ext cx="9144000" cy="863601"/>
+            </a:xfrm>
+            <a:prstGeom prst="rect">
+              <a:avLst/>
+            </a:prstGeom>
+            <a:solidFill>
+              <a:srgbClr val="02409A"/>
+            </a:solidFill>
+            <a:ln>
+              <a:noFill/>
+            </a:ln>
+            <a:effectLst/>
+          </p:spPr>
+          <p:txBody>
+            <a:bodyPr tIns="0" bIns="0" anchor="ctr"/>
+            <a:lstStyle/>
+            <a:p>
+              <a:pPr algn="ctr">
+                <a:spcBef>
+                  <a:spcPct val="0"/>
+                </a:spcBef>
+                <a:defRPr/>
+              </a:pPr>
+              <a:endParaRPr lang="zh-CN" altLang="en-US" sz="4800" b="1" dirty="0">
+                <a:solidFill>
+                  <a:prstClr val="white"/>
+                </a:solidFill>
+                <a:latin typeface="微软雅黑" pitchFamily="34" charset="-122"/>
+                <a:ea typeface="微软雅黑" pitchFamily="34" charset="-122"/>
+              </a:endParaRPr>
+            </a:p>
+          </p:txBody>
+        </p:sp>
+        <p:cxnSp>
+          <p:nvCxnSpPr>
+            <p:cNvPr id="9" name="直接连接符 19">
+              <a:extLst>
+                <a:ext uri="{FF2B5EF4-FFF2-40B4-BE49-F238E27FC236}">
+                  <a16:creationId xmlns:a16="http://schemas.microsoft.com/office/drawing/2014/main" id="{952489E2-6397-44CE-8691-C678D691008E}"/>
+                </a:ext>
+              </a:extLst>
+            </p:cNvPr>
+            <p:cNvCxnSpPr>
+              <a:cxnSpLocks/>
+            </p:cNvCxnSpPr>
+            <p:nvPr/>
+          </p:nvCxnSpPr>
+          <p:spPr bwMode="auto">
+            <a:xfrm flipH="1">
+              <a:off x="449263" y="-25400"/>
+              <a:ext cx="1587" cy="841375"/>
+            </a:xfrm>
+            <a:prstGeom prst="line">
+              <a:avLst/>
+            </a:prstGeom>
+            <a:noFill/>
+            <a:ln w="28575" algn="ctr">
+              <a:solidFill>
+                <a:schemeClr val="bg1"/>
+              </a:solidFill>
+              <a:round/>
+              <a:headEnd/>
+              <a:tailEnd/>
+            </a:ln>
+            <a:effectLst/>
+            <a:extLst>
+              <a:ext uri="{909E8E84-426E-40DD-AFC4-6F175D3DCCD1}">
+                <a14:hiddenFill xmlns:a14="http://schemas.microsoft.com/office/drawing/2010/main">
+                  <a:noFill/>
+                </a14:hiddenFill>
+              </a:ext>
+            </a:extLst>
+          </p:spPr>
+        </p:cxnSp>
+        <p:cxnSp>
+          <p:nvCxnSpPr>
+            <p:cNvPr id="10" name="直接连接符 20">
+              <a:extLst>
+                <a:ext uri="{FF2B5EF4-FFF2-40B4-BE49-F238E27FC236}">
+                  <a16:creationId xmlns:a16="http://schemas.microsoft.com/office/drawing/2014/main" id="{448BAFAA-2692-4D2E-8630-5C30F4E8521F}"/>
+                </a:ext>
+              </a:extLst>
+            </p:cNvPr>
+            <p:cNvCxnSpPr>
+              <a:cxnSpLocks/>
+            </p:cNvCxnSpPr>
+            <p:nvPr/>
+          </p:nvCxnSpPr>
+          <p:spPr bwMode="auto">
+            <a:xfrm flipH="1">
+              <a:off x="511175" y="-26988"/>
+              <a:ext cx="1588" cy="554038"/>
+            </a:xfrm>
+            <a:prstGeom prst="line">
+              <a:avLst/>
+            </a:prstGeom>
+            <a:noFill/>
+            <a:ln w="28575" algn="ctr">
+              <a:solidFill>
+                <a:schemeClr val="bg1"/>
+              </a:solidFill>
+              <a:round/>
+              <a:headEnd/>
+              <a:tailEnd/>
+            </a:ln>
+            <a:effectLst/>
+            <a:extLst>
+              <a:ext uri="{909E8E84-426E-40DD-AFC4-6F175D3DCCD1}">
+                <a14:hiddenFill xmlns:a14="http://schemas.microsoft.com/office/drawing/2010/main">
+                  <a:noFill/>
+                </a14:hiddenFill>
+              </a:ext>
+            </a:extLst>
+          </p:spPr>
+        </p:cxnSp>
+        <p:cxnSp>
+          <p:nvCxnSpPr>
+            <p:cNvPr id="11" name="直接连接符 30">
+              <a:extLst>
+                <a:ext uri="{FF2B5EF4-FFF2-40B4-BE49-F238E27FC236}">
+                  <a16:creationId xmlns:a16="http://schemas.microsoft.com/office/drawing/2014/main" id="{25D89B58-495A-43A7-92C0-BF27541BD2AB}"/>
+                </a:ext>
+              </a:extLst>
+            </p:cNvPr>
+            <p:cNvCxnSpPr>
+              <a:cxnSpLocks/>
+            </p:cNvCxnSpPr>
+            <p:nvPr/>
+          </p:nvCxnSpPr>
+          <p:spPr bwMode="auto">
+            <a:xfrm>
+              <a:off x="576263" y="-26988"/>
+              <a:ext cx="0" cy="298451"/>
+            </a:xfrm>
+            <a:prstGeom prst="line">
+              <a:avLst/>
+            </a:prstGeom>
+            <a:noFill/>
+            <a:ln w="28575" algn="ctr">
+              <a:solidFill>
+                <a:schemeClr val="bg1"/>
+              </a:solidFill>
+              <a:round/>
+              <a:headEnd/>
+              <a:tailEnd/>
+            </a:ln>
+            <a:effectLst/>
+            <a:extLst>
+              <a:ext uri="{909E8E84-426E-40DD-AFC4-6F175D3DCCD1}">
+                <a14:hiddenFill xmlns:a14="http://schemas.microsoft.com/office/drawing/2010/main">
+                  <a:noFill/>
+                </a14:hiddenFill>
+              </a:ext>
+            </a:extLst>
+          </p:spPr>
+        </p:cxnSp>
+      </p:grpSp>
+      <p:sp>
+        <p:nvSpPr>
+          <p:cNvPr id="2" name="标题 1"/>
           <p:cNvSpPr>
             <a:spLocks noGrp="1"/>
           </p:cNvSpPr>
           <p:nvPr>
             <p:ph type="title"/>
+          </p:nvPr>
+        </p:nvSpPr>
+        <p:spPr>
+          <a:xfrm>
+            <a:off x="829733" y="169838"/>
+            <a:ext cx="11118683" cy="554038"/>
+          </a:xfrm>
+          <a:prstGeom prst="rect">
+            <a:avLst/>
+          </a:prstGeom>
+        </p:spPr>
+        <p:txBody>
+          <a:bodyPr vert="horz" lIns="91440" tIns="45720" rIns="91440" bIns="45720" rtlCol="0" anchor="ctr">
+            <a:normAutofit/>
+          </a:bodyPr>
+          <a:lstStyle>
+            <a:lvl1pPr>
+              <a:defRPr lang="zh-CN" altLang="en-US" sz="3000" b="1" dirty="0">
+                <a:solidFill>
+                  <a:prstClr val="white"/>
+                </a:solidFill>
+                <a:latin typeface="微软雅黑" panose="020B0503020204020204" pitchFamily="34" charset="-122"/>
+                <a:ea typeface="微软雅黑" panose="020B0503020204020204" pitchFamily="34" charset="-122"/>
+                <a:cs typeface="Arial" pitchFamily="34" charset="0"/>
+              </a:defRPr>
+            </a:lvl1pPr>
+          </a:lstStyle>
+          <a:p>
+            <a:pPr marL="0" lvl="0" algn="l" fontAlgn="base">
+              <a:spcAft>
+                <a:spcPct val="0"/>
+              </a:spcAft>
+            </a:pPr>
+            <a:r>
+              <a:rPr lang="zh-CN" altLang="en-US"/>
+              <a:t>单击此处编辑母版标题样式</a:t>
+            </a:r>
+            <a:endParaRPr lang="zh-CN" altLang="en-US" dirty="0"/>
+          </a:p>
+        </p:txBody>
+      </p:sp>
+      <p:sp>
+        <p:nvSpPr>
+          <p:cNvPr id="3" name="竖排文字占位符 2"/>
+          <p:cNvSpPr>
+            <a:spLocks noGrp="1"/>
+          </p:cNvSpPr>
+          <p:nvPr>
+            <p:ph type="body" orient="vert" idx="1"/>
+          </p:nvPr>
+        </p:nvSpPr>
+        <p:spPr>
+          <a:xfrm>
+            <a:off x="609600" y="1033440"/>
+            <a:ext cx="10972800" cy="5092724"/>
+          </a:xfrm>
+        </p:spPr>
+        <p:txBody>
+          <a:bodyPr vert="eaVert"/>
+          <a:lstStyle>
+            <a:lvl1pPr marL="342900" indent="-342900">
+              <a:buFont typeface="Wingdings" panose="05000000000000000000" pitchFamily="2" charset="2"/>
+              <a:buChar char="Ø"/>
+              <a:defRPr/>
+            </a:lvl1pPr>
+            <a:lvl2pPr marL="742950" indent="-285750">
+              <a:buFont typeface="Wingdings" panose="05000000000000000000" pitchFamily="2" charset="2"/>
+              <a:buChar char="n"/>
+              <a:defRPr/>
+            </a:lvl2pPr>
+          </a:lstStyle>
+          <a:p>
+            <a:pPr lvl="0"/>
+            <a:r>
+              <a:rPr lang="zh-CN" altLang="en-US"/>
+              <a:t>单击此处编辑母版文本样式</a:t>
+            </a:r>
+          </a:p>
+          <a:p>
+            <a:pPr lvl="1"/>
+            <a:r>
+              <a:rPr lang="zh-CN" altLang="en-US"/>
+              <a:t>二级</a:t>
+            </a:r>
+          </a:p>
+          <a:p>
+            <a:pPr lvl="2"/>
+            <a:r>
+              <a:rPr lang="zh-CN" altLang="en-US"/>
+              <a:t>三级</a:t>
+            </a:r>
+          </a:p>
+          <a:p>
+            <a:pPr lvl="3"/>
+            <a:r>
+              <a:rPr lang="zh-CN" altLang="en-US"/>
+              <a:t>四级</a:t>
+            </a:r>
+          </a:p>
+          <a:p>
+            <a:pPr lvl="4"/>
+            <a:r>
+              <a:rPr lang="zh-CN" altLang="en-US"/>
+              <a:t>五级</a:t>
+            </a:r>
+            <a:endParaRPr lang="zh-CN" altLang="en-US" dirty="0"/>
+          </a:p>
+        </p:txBody>
+      </p:sp>
+      <p:sp>
+        <p:nvSpPr>
+          <p:cNvPr id="4" name="日期占位符 3"/>
+          <p:cNvSpPr>
+            <a:spLocks noGrp="1"/>
+          </p:cNvSpPr>
+          <p:nvPr>
+            <p:ph type="dt" sz="half" idx="10"/>
           </p:nvPr>
         </p:nvSpPr>
         <p:spPr/>
@@ -374,84 +986,22 @@
           <a:bodyPr/>
           <a:lstStyle/>
           <a:p>
-            <a:r>
-              <a:rPr lang="zh-CN" altLang="en-US"/>
-              <a:t>单击此处编辑母版标题样式</a:t>
-            </a:r>
-          </a:p>
-        </p:txBody>
-      </p:sp>
-      <p:sp>
-        <p:nvSpPr>
-          <p:cNvPr id="3" name="竖排文字占位符 2">
-            <a:extLst>
-              <a:ext uri="{FF2B5EF4-FFF2-40B4-BE49-F238E27FC236}">
-                <a16:creationId xmlns:a16="http://schemas.microsoft.com/office/drawing/2014/main" id="{897AF706-E67B-4265-B44E-CF846586DFAE}"/>
-              </a:ext>
-            </a:extLst>
-          </p:cNvPr>
-          <p:cNvSpPr>
-            <a:spLocks noGrp="1"/>
-          </p:cNvSpPr>
-          <p:nvPr>
-            <p:ph type="body" orient="vert" idx="1"/>
-          </p:nvPr>
-        </p:nvSpPr>
-        <p:spPr/>
-        <p:txBody>
-          <a:bodyPr vert="eaVert"/>
-          <a:lstStyle/>
-          <a:p>
-            <a:pPr lvl="0"/>
-            <a:r>
-              <a:rPr lang="zh-CN" altLang="en-US"/>
-              <a:t>单击此处编辑母版文本样式</a:t>
-            </a:r>
-          </a:p>
-          <a:p>
-            <a:pPr lvl="1"/>
-            <a:r>
-              <a:rPr lang="zh-CN" altLang="en-US"/>
-              <a:t>二级</a:t>
-            </a:r>
-          </a:p>
-          <a:p>
-            <a:pPr lvl="2"/>
-            <a:r>
-              <a:rPr lang="zh-CN" altLang="en-US"/>
-              <a:t>三级</a:t>
-            </a:r>
-          </a:p>
-          <a:p>
-            <a:pPr lvl="3"/>
-            <a:r>
-              <a:rPr lang="zh-CN" altLang="en-US"/>
-              <a:t>四级</a:t>
-            </a:r>
-          </a:p>
-          <a:p>
-            <a:pPr lvl="4"/>
-            <a:r>
-              <a:rPr lang="zh-CN" altLang="en-US"/>
-              <a:t>五级</a:t>
-            </a:r>
-          </a:p>
-        </p:txBody>
-      </p:sp>
-      <p:sp>
-        <p:nvSpPr>
-          <p:cNvPr id="4" name="日期占位符 3">
-            <a:extLst>
-              <a:ext uri="{FF2B5EF4-FFF2-40B4-BE49-F238E27FC236}">
-                <a16:creationId xmlns:a16="http://schemas.microsoft.com/office/drawing/2014/main" id="{8B16922E-8002-4AE8-AE6B-B1E513114372}"/>
-              </a:ext>
-            </a:extLst>
-          </p:cNvPr>
-          <p:cNvSpPr>
-            <a:spLocks noGrp="1"/>
-          </p:cNvSpPr>
-          <p:nvPr>
-            <p:ph type="dt" sz="half" idx="10"/>
+            <a:fld id="{E4140F44-E63C-4996-8BD5-D69FF40853B5}" type="datetimeFigureOut">
+              <a:rPr lang="zh-CN" altLang="en-US" smtClean="0"/>
+              <a:t>2020/7/11</a:t>
+            </a:fld>
+            <a:endParaRPr lang="zh-CN" altLang="en-US"/>
+          </a:p>
+        </p:txBody>
+      </p:sp>
+      <p:sp>
+        <p:nvSpPr>
+          <p:cNvPr id="5" name="页脚占位符 4"/>
+          <p:cNvSpPr>
+            <a:spLocks noGrp="1"/>
+          </p:cNvSpPr>
+          <p:nvPr>
+            <p:ph type="ftr" sz="quarter" idx="11"/>
           </p:nvPr>
         </p:nvSpPr>
         <p:spPr/>
@@ -459,48 +1009,13 @@
           <a:bodyPr/>
           <a:lstStyle/>
           <a:p>
-            <a:fld id="{E4140F44-E63C-4996-8BD5-D69FF40853B5}" type="datetimeFigureOut">
-              <a:rPr lang="zh-CN" altLang="en-US" smtClean="0"/>
-              <a:t>2020/6/20</a:t>
-            </a:fld>
             <a:endParaRPr lang="zh-CN" altLang="en-US"/>
           </a:p>
         </p:txBody>
       </p:sp>
       <p:sp>
         <p:nvSpPr>
-          <p:cNvPr id="5" name="页脚占位符 4">
-            <a:extLst>
-              <a:ext uri="{FF2B5EF4-FFF2-40B4-BE49-F238E27FC236}">
-                <a16:creationId xmlns:a16="http://schemas.microsoft.com/office/drawing/2014/main" id="{EB42A1FA-494A-4806-83AA-242ED427274F}"/>
-              </a:ext>
-            </a:extLst>
-          </p:cNvPr>
-          <p:cNvSpPr>
-            <a:spLocks noGrp="1"/>
-          </p:cNvSpPr>
-          <p:nvPr>
-            <p:ph type="ftr" sz="quarter" idx="11"/>
-          </p:nvPr>
-        </p:nvSpPr>
-        <p:spPr/>
-        <p:txBody>
-          <a:bodyPr/>
-          <a:lstStyle/>
-          <a:p>
-            <a:endParaRPr lang="zh-CN" altLang="en-US"/>
-          </a:p>
-        </p:txBody>
-      </p:sp>
-      <p:sp>
-        <p:nvSpPr>
-          <p:cNvPr id="6" name="灯片编号占位符 5">
-            <a:extLst>
-              <a:ext uri="{FF2B5EF4-FFF2-40B4-BE49-F238E27FC236}">
-                <a16:creationId xmlns:a16="http://schemas.microsoft.com/office/drawing/2014/main" id="{21220C41-3739-404C-AB08-F3B7D40967A1}"/>
-              </a:ext>
-            </a:extLst>
-          </p:cNvPr>
+          <p:cNvPr id="6" name="灯片编号占位符 5"/>
           <p:cNvSpPr>
             <a:spLocks noGrp="1"/>
           </p:cNvSpPr>
@@ -524,7 +1039,7 @@
     </p:spTree>
     <p:extLst>
       <p:ext uri="{BB962C8B-B14F-4D97-AF65-F5344CB8AC3E}">
-        <p14:creationId xmlns:p14="http://schemas.microsoft.com/office/powerpoint/2010/main" val="2241033409"/>
+        <p14:creationId xmlns:p14="http://schemas.microsoft.com/office/powerpoint/2010/main" val="598319609"/>
       </p:ext>
     </p:extLst>
   </p:cSld>
@@ -534,9 +1049,9 @@
 </p:sldLayout>
 </file>
 
-<file path=ppt/slideLayouts/slideLayout11.xml><?xml version="1.0" encoding="utf-8"?>
+<file path=ppt/slideLayouts/slideLayout12.xml><?xml version="1.0" encoding="utf-8"?>
 <p:sldLayout xmlns:a="http://schemas.openxmlformats.org/drawingml/2006/main" xmlns:r="http://schemas.openxmlformats.org/officeDocument/2006/relationships" xmlns:p="http://schemas.openxmlformats.org/presentationml/2006/main" type="vertTitleAndTx" preserve="1">
-  <p:cSld name="竖排标题与文本">
+  <p:cSld name="垂直排列标题与文本">
     <p:spTree>
       <p:nvGrpSpPr>
         <p:cNvPr id="1" name=""/>
@@ -551,15 +1066,203 @@
           <a:chExt cx="0" cy="0"/>
         </a:xfrm>
       </p:grpSpPr>
-      <p:sp>
-        <p:nvSpPr>
-          <p:cNvPr id="2" name="竖排标题 1">
+      <p:grpSp>
+        <p:nvGrpSpPr>
+          <p:cNvPr id="12" name="组合 11">
             <a:extLst>
               <a:ext uri="{FF2B5EF4-FFF2-40B4-BE49-F238E27FC236}">
-                <a16:creationId xmlns:a16="http://schemas.microsoft.com/office/drawing/2014/main" id="{7666E7D5-314A-47DA-AFF5-D56AF1CC08ED}"/>
+                <a16:creationId xmlns:a16="http://schemas.microsoft.com/office/drawing/2014/main" id="{1DFD6234-749D-4F0C-9C2C-F3E5A01C882A}"/>
               </a:ext>
             </a:extLst>
           </p:cNvPr>
+          <p:cNvGrpSpPr/>
+          <p:nvPr/>
+        </p:nvGrpSpPr>
+        <p:grpSpPr>
+          <a:xfrm rot="5400000">
+            <a:off x="8187268" y="2853269"/>
+            <a:ext cx="6858001" cy="1151468"/>
+            <a:chOff x="1" y="-26988"/>
+            <a:chExt cx="6858001" cy="863601"/>
+          </a:xfrm>
+        </p:grpSpPr>
+        <p:sp>
+          <p:nvSpPr>
+            <p:cNvPr id="13" name="标题 3">
+              <a:extLst>
+                <a:ext uri="{FF2B5EF4-FFF2-40B4-BE49-F238E27FC236}">
+                  <a16:creationId xmlns:a16="http://schemas.microsoft.com/office/drawing/2014/main" id="{574037EC-6187-49F8-9EE1-3DD7CCA0BB04}"/>
+                </a:ext>
+              </a:extLst>
+            </p:cNvPr>
+            <p:cNvSpPr txBox="1">
+              <a:spLocks/>
+            </p:cNvSpPr>
+            <p:nvPr/>
+          </p:nvSpPr>
+          <p:spPr>
+            <a:xfrm>
+              <a:off x="1" y="-26988"/>
+              <a:ext cx="6858001" cy="863601"/>
+            </a:xfrm>
+            <a:prstGeom prst="rect">
+              <a:avLst/>
+            </a:prstGeom>
+            <a:solidFill>
+              <a:srgbClr val="02409A"/>
+            </a:solidFill>
+            <a:ln>
+              <a:noFill/>
+            </a:ln>
+            <a:effectLst/>
+          </p:spPr>
+          <p:txBody>
+            <a:bodyPr tIns="0" bIns="0" anchor="ctr"/>
+            <a:lstStyle/>
+            <a:p>
+              <a:pPr algn="ctr">
+                <a:spcBef>
+                  <a:spcPct val="0"/>
+                </a:spcBef>
+                <a:defRPr/>
+              </a:pPr>
+              <a:endParaRPr lang="zh-CN" altLang="en-US" sz="4800" b="1" dirty="0">
+                <a:solidFill>
+                  <a:prstClr val="white"/>
+                </a:solidFill>
+                <a:latin typeface="微软雅黑" pitchFamily="34" charset="-122"/>
+                <a:ea typeface="微软雅黑" pitchFamily="34" charset="-122"/>
+              </a:endParaRPr>
+            </a:p>
+          </p:txBody>
+        </p:sp>
+        <p:cxnSp>
+          <p:nvCxnSpPr>
+            <p:cNvPr id="14" name="直接连接符 19">
+              <a:extLst>
+                <a:ext uri="{FF2B5EF4-FFF2-40B4-BE49-F238E27FC236}">
+                  <a16:creationId xmlns:a16="http://schemas.microsoft.com/office/drawing/2014/main" id="{9017F2ED-EF73-4A0D-B8D3-D9B77AA1798B}"/>
+                </a:ext>
+              </a:extLst>
+            </p:cNvPr>
+            <p:cNvCxnSpPr>
+              <a:cxnSpLocks/>
+            </p:cNvCxnSpPr>
+            <p:nvPr/>
+          </p:nvCxnSpPr>
+          <p:spPr bwMode="auto">
+            <a:xfrm flipH="1">
+              <a:off x="449263" y="-25400"/>
+              <a:ext cx="1587" cy="841375"/>
+            </a:xfrm>
+            <a:prstGeom prst="line">
+              <a:avLst/>
+            </a:prstGeom>
+            <a:noFill/>
+            <a:ln w="28575" algn="ctr">
+              <a:solidFill>
+                <a:schemeClr val="bg1"/>
+              </a:solidFill>
+              <a:round/>
+              <a:headEnd/>
+              <a:tailEnd/>
+            </a:ln>
+            <a:effectLst/>
+            <a:extLst>
+              <a:ext uri="{909E8E84-426E-40DD-AFC4-6F175D3DCCD1}">
+                <a14:hiddenFill xmlns:a14="http://schemas.microsoft.com/office/drawing/2010/main">
+                  <a:noFill/>
+                </a14:hiddenFill>
+              </a:ext>
+            </a:extLst>
+          </p:spPr>
+        </p:cxnSp>
+        <p:cxnSp>
+          <p:nvCxnSpPr>
+            <p:cNvPr id="15" name="直接连接符 20">
+              <a:extLst>
+                <a:ext uri="{FF2B5EF4-FFF2-40B4-BE49-F238E27FC236}">
+                  <a16:creationId xmlns:a16="http://schemas.microsoft.com/office/drawing/2014/main" id="{45E0181A-AEEC-41B7-980F-4C1E8F2CEA01}"/>
+                </a:ext>
+              </a:extLst>
+            </p:cNvPr>
+            <p:cNvCxnSpPr>
+              <a:cxnSpLocks/>
+            </p:cNvCxnSpPr>
+            <p:nvPr/>
+          </p:nvCxnSpPr>
+          <p:spPr bwMode="auto">
+            <a:xfrm flipH="1">
+              <a:off x="511175" y="-26988"/>
+              <a:ext cx="1588" cy="554038"/>
+            </a:xfrm>
+            <a:prstGeom prst="line">
+              <a:avLst/>
+            </a:prstGeom>
+            <a:noFill/>
+            <a:ln w="28575" algn="ctr">
+              <a:solidFill>
+                <a:schemeClr val="bg1"/>
+              </a:solidFill>
+              <a:round/>
+              <a:headEnd/>
+              <a:tailEnd/>
+            </a:ln>
+            <a:effectLst/>
+            <a:extLst>
+              <a:ext uri="{909E8E84-426E-40DD-AFC4-6F175D3DCCD1}">
+                <a14:hiddenFill xmlns:a14="http://schemas.microsoft.com/office/drawing/2010/main">
+                  <a:noFill/>
+                </a14:hiddenFill>
+              </a:ext>
+            </a:extLst>
+          </p:spPr>
+        </p:cxnSp>
+        <p:cxnSp>
+          <p:nvCxnSpPr>
+            <p:cNvPr id="16" name="直接连接符 30">
+              <a:extLst>
+                <a:ext uri="{FF2B5EF4-FFF2-40B4-BE49-F238E27FC236}">
+                  <a16:creationId xmlns:a16="http://schemas.microsoft.com/office/drawing/2014/main" id="{385AB42A-FEB5-4E5C-A393-4C51D819CE7E}"/>
+                </a:ext>
+              </a:extLst>
+            </p:cNvPr>
+            <p:cNvCxnSpPr>
+              <a:cxnSpLocks/>
+            </p:cNvCxnSpPr>
+            <p:nvPr/>
+          </p:nvCxnSpPr>
+          <p:spPr bwMode="auto">
+            <a:xfrm>
+              <a:off x="576263" y="-26988"/>
+              <a:ext cx="0" cy="298451"/>
+            </a:xfrm>
+            <a:prstGeom prst="line">
+              <a:avLst/>
+            </a:prstGeom>
+            <a:noFill/>
+            <a:ln w="28575" algn="ctr">
+              <a:solidFill>
+                <a:schemeClr val="bg1"/>
+              </a:solidFill>
+              <a:round/>
+              <a:headEnd/>
+              <a:tailEnd/>
+            </a:ln>
+            <a:effectLst/>
+            <a:extLst>
+              <a:ext uri="{909E8E84-426E-40DD-AFC4-6F175D3DCCD1}">
+                <a14:hiddenFill xmlns:a14="http://schemas.microsoft.com/office/drawing/2010/main">
+                  <a:noFill/>
+                </a14:hiddenFill>
+              </a:ext>
+            </a:extLst>
+          </p:spPr>
+        </p:cxnSp>
+      </p:grpSp>
+      <p:sp>
+        <p:nvSpPr>
+          <p:cNvPr id="2" name="竖排标题 1"/>
           <p:cNvSpPr>
             <a:spLocks noGrp="1"/>
           </p:cNvSpPr>
@@ -569,46 +1272,73 @@
         </p:nvSpPr>
         <p:spPr>
           <a:xfrm>
-            <a:off x="8724900" y="365125"/>
-            <a:ext cx="2628900" cy="5811838"/>
+            <a:off x="11226803" y="622301"/>
+            <a:ext cx="738717" cy="5499098"/>
+          </a:xfrm>
+          <a:prstGeom prst="rect">
+            <a:avLst/>
+          </a:prstGeom>
+        </p:spPr>
+        <p:txBody>
+          <a:bodyPr vert="horz" lIns="91440" tIns="45720" rIns="91440" bIns="45720" rtlCol="0" anchor="ctr">
+            <a:normAutofit/>
+          </a:bodyPr>
+          <a:lstStyle>
+            <a:lvl1pPr>
+              <a:defRPr lang="zh-CN" altLang="en-US" sz="3000" b="1">
+                <a:solidFill>
+                  <a:prstClr val="white"/>
+                </a:solidFill>
+                <a:latin typeface="微软雅黑" panose="020B0503020204020204" pitchFamily="34" charset="-122"/>
+                <a:ea typeface="微软雅黑" panose="020B0503020204020204" pitchFamily="34" charset="-122"/>
+                <a:cs typeface="Arial" pitchFamily="34" charset="0"/>
+              </a:defRPr>
+            </a:lvl1pPr>
+          </a:lstStyle>
+          <a:p>
+            <a:pPr marL="0" lvl="0" algn="l" fontAlgn="base">
+              <a:spcAft>
+                <a:spcPct val="0"/>
+              </a:spcAft>
+            </a:pPr>
+            <a:r>
+              <a:rPr lang="zh-CN" altLang="en-US"/>
+              <a:t>单击此处编辑母版标题样式</a:t>
+            </a:r>
+            <a:endParaRPr lang="zh-CN" altLang="en-US" dirty="0"/>
+          </a:p>
+        </p:txBody>
+      </p:sp>
+      <p:sp>
+        <p:nvSpPr>
+          <p:cNvPr id="3" name="竖排文字占位符 2"/>
+          <p:cNvSpPr>
+            <a:spLocks noGrp="1"/>
+          </p:cNvSpPr>
+          <p:nvPr>
+            <p:ph type="body" orient="vert" idx="1"/>
+          </p:nvPr>
+        </p:nvSpPr>
+        <p:spPr>
+          <a:xfrm>
+            <a:off x="609599" y="274639"/>
+            <a:ext cx="10231971" cy="5851525"/>
           </a:xfrm>
         </p:spPr>
         <p:txBody>
           <a:bodyPr vert="eaVert"/>
-          <a:lstStyle/>
-          <a:p>
-            <a:r>
-              <a:rPr lang="zh-CN" altLang="en-US"/>
-              <a:t>单击此处编辑母版标题样式</a:t>
-            </a:r>
-          </a:p>
-        </p:txBody>
-      </p:sp>
-      <p:sp>
-        <p:nvSpPr>
-          <p:cNvPr id="3" name="竖排文字占位符 2">
-            <a:extLst>
-              <a:ext uri="{FF2B5EF4-FFF2-40B4-BE49-F238E27FC236}">
-                <a16:creationId xmlns:a16="http://schemas.microsoft.com/office/drawing/2014/main" id="{2A5D0682-AAEA-4C12-BF9A-8823A240910C}"/>
-              </a:ext>
-            </a:extLst>
-          </p:cNvPr>
-          <p:cNvSpPr>
-            <a:spLocks noGrp="1"/>
-          </p:cNvSpPr>
-          <p:nvPr>
-            <p:ph type="body" orient="vert" idx="1"/>
-          </p:nvPr>
-        </p:nvSpPr>
-        <p:spPr>
-          <a:xfrm>
-            <a:off x="838200" y="365125"/>
-            <a:ext cx="7734300" cy="5811838"/>
-          </a:xfrm>
-        </p:spPr>
-        <p:txBody>
-          <a:bodyPr vert="eaVert"/>
-          <a:lstStyle/>
+          <a:lstStyle>
+            <a:lvl1pPr marL="342900" indent="-342900">
+              <a:buFont typeface="Wingdings" panose="05000000000000000000" pitchFamily="2" charset="2"/>
+              <a:buChar char="Ø"/>
+              <a:defRPr/>
+            </a:lvl1pPr>
+            <a:lvl2pPr marL="742950" indent="-285750">
+              <a:buFont typeface="Wingdings" panose="05000000000000000000" pitchFamily="2" charset="2"/>
+              <a:buChar char="n"/>
+              <a:defRPr/>
+            </a:lvl2pPr>
+          </a:lstStyle>
           <a:p>
             <a:pPr lvl="0"/>
             <a:r>
@@ -643,18 +1373,13 @@
               <a:rPr lang="zh-CN" altLang="en-US"/>
               <a:t>五级</a:t>
             </a:r>
-          </a:p>
-        </p:txBody>
-      </p:sp>
-      <p:sp>
-        <p:nvSpPr>
-          <p:cNvPr id="4" name="日期占位符 3">
-            <a:extLst>
-              <a:ext uri="{FF2B5EF4-FFF2-40B4-BE49-F238E27FC236}">
-                <a16:creationId xmlns:a16="http://schemas.microsoft.com/office/drawing/2014/main" id="{70516739-7F32-4363-92C7-3BADA0B05A7A}"/>
-              </a:ext>
-            </a:extLst>
-          </p:cNvPr>
+            <a:endParaRPr lang="zh-CN" altLang="en-US" dirty="0"/>
+          </a:p>
+        </p:txBody>
+      </p:sp>
+      <p:sp>
+        <p:nvSpPr>
+          <p:cNvPr id="4" name="日期占位符 3"/>
           <p:cNvSpPr>
             <a:spLocks noGrp="1"/>
           </p:cNvSpPr>
@@ -669,7 +1394,7 @@
           <a:p>
             <a:fld id="{E4140F44-E63C-4996-8BD5-D69FF40853B5}" type="datetimeFigureOut">
               <a:rPr lang="zh-CN" altLang="en-US" smtClean="0"/>
-              <a:t>2020/6/20</a:t>
+              <a:t>2020/7/11</a:t>
             </a:fld>
             <a:endParaRPr lang="zh-CN" altLang="en-US"/>
           </a:p>
@@ -677,13 +1402,7 @@
       </p:sp>
       <p:sp>
         <p:nvSpPr>
-          <p:cNvPr id="5" name="页脚占位符 4">
-            <a:extLst>
-              <a:ext uri="{FF2B5EF4-FFF2-40B4-BE49-F238E27FC236}">
-                <a16:creationId xmlns:a16="http://schemas.microsoft.com/office/drawing/2014/main" id="{C270BBFA-DC61-4708-8670-5FEC499C2DE5}"/>
-              </a:ext>
-            </a:extLst>
-          </p:cNvPr>
+          <p:cNvPr id="5" name="页脚占位符 4"/>
           <p:cNvSpPr>
             <a:spLocks noGrp="1"/>
           </p:cNvSpPr>
@@ -702,13 +1421,7 @@
       </p:sp>
       <p:sp>
         <p:nvSpPr>
-          <p:cNvPr id="6" name="灯片编号占位符 5">
-            <a:extLst>
-              <a:ext uri="{FF2B5EF4-FFF2-40B4-BE49-F238E27FC236}">
-                <a16:creationId xmlns:a16="http://schemas.microsoft.com/office/drawing/2014/main" id="{F4C48BDD-9EB1-49F9-841F-5104619BDBF2}"/>
-              </a:ext>
-            </a:extLst>
-          </p:cNvPr>
+          <p:cNvPr id="6" name="灯片编号占位符 5"/>
           <p:cNvSpPr>
             <a:spLocks noGrp="1"/>
           </p:cNvSpPr>
@@ -732,7 +1445,7 @@
     </p:spTree>
     <p:extLst>
       <p:ext uri="{BB962C8B-B14F-4D97-AF65-F5344CB8AC3E}">
-        <p14:creationId xmlns:p14="http://schemas.microsoft.com/office/powerpoint/2010/main" val="2369248613"/>
+        <p14:creationId xmlns:p14="http://schemas.microsoft.com/office/powerpoint/2010/main" val="2756000439"/>
       </p:ext>
     </p:extLst>
   </p:cSld>
@@ -759,20 +1472,326 @@
           <a:chExt cx="0" cy="0"/>
         </a:xfrm>
       </p:grpSpPr>
-      <p:sp>
-        <p:nvSpPr>
-          <p:cNvPr id="2" name="标题 1">
+      <p:grpSp>
+        <p:nvGrpSpPr>
+          <p:cNvPr id="7" name="组合 6">
             <a:extLst>
               <a:ext uri="{FF2B5EF4-FFF2-40B4-BE49-F238E27FC236}">
-                <a16:creationId xmlns:a16="http://schemas.microsoft.com/office/drawing/2014/main" id="{8682A241-8C2B-4807-B8AE-652DBCCA092E}"/>
+                <a16:creationId xmlns:a16="http://schemas.microsoft.com/office/drawing/2014/main" id="{226DC398-675C-4A24-84B3-5404C11AC76E}"/>
               </a:ext>
             </a:extLst>
           </p:cNvPr>
+          <p:cNvGrpSpPr/>
+          <p:nvPr/>
+        </p:nvGrpSpPr>
+        <p:grpSpPr>
+          <a:xfrm>
+            <a:off x="0" y="-24"/>
+            <a:ext cx="12192000" cy="863601"/>
+            <a:chOff x="0" y="-26988"/>
+            <a:chExt cx="9144000" cy="863601"/>
+          </a:xfrm>
+        </p:grpSpPr>
+        <p:sp>
+          <p:nvSpPr>
+            <p:cNvPr id="8" name="标题 3">
+              <a:extLst>
+                <a:ext uri="{FF2B5EF4-FFF2-40B4-BE49-F238E27FC236}">
+                  <a16:creationId xmlns:a16="http://schemas.microsoft.com/office/drawing/2014/main" id="{1E0D3804-A6F0-4CDE-BDE3-E630549CBA6F}"/>
+                </a:ext>
+              </a:extLst>
+            </p:cNvPr>
+            <p:cNvSpPr txBox="1">
+              <a:spLocks/>
+            </p:cNvSpPr>
+            <p:nvPr/>
+          </p:nvSpPr>
+          <p:spPr>
+            <a:xfrm>
+              <a:off x="0" y="-26988"/>
+              <a:ext cx="9144000" cy="863601"/>
+            </a:xfrm>
+            <a:prstGeom prst="rect">
+              <a:avLst/>
+            </a:prstGeom>
+            <a:solidFill>
+              <a:srgbClr val="02409A"/>
+            </a:solidFill>
+            <a:ln>
+              <a:noFill/>
+            </a:ln>
+            <a:effectLst/>
+          </p:spPr>
+          <p:txBody>
+            <a:bodyPr tIns="0" bIns="0" anchor="ctr"/>
+            <a:lstStyle/>
+            <a:p>
+              <a:pPr algn="ctr">
+                <a:spcBef>
+                  <a:spcPct val="0"/>
+                </a:spcBef>
+                <a:defRPr/>
+              </a:pPr>
+              <a:endParaRPr lang="zh-CN" altLang="en-US" sz="4800" b="1" dirty="0">
+                <a:solidFill>
+                  <a:prstClr val="white"/>
+                </a:solidFill>
+                <a:latin typeface="微软雅黑" pitchFamily="34" charset="-122"/>
+                <a:ea typeface="微软雅黑" pitchFamily="34" charset="-122"/>
+              </a:endParaRPr>
+            </a:p>
+          </p:txBody>
+        </p:sp>
+        <p:cxnSp>
+          <p:nvCxnSpPr>
+            <p:cNvPr id="9" name="直接连接符 19">
+              <a:extLst>
+                <a:ext uri="{FF2B5EF4-FFF2-40B4-BE49-F238E27FC236}">
+                  <a16:creationId xmlns:a16="http://schemas.microsoft.com/office/drawing/2014/main" id="{B446B7E4-78F0-4194-B08A-1AC2C39958AA}"/>
+                </a:ext>
+              </a:extLst>
+            </p:cNvPr>
+            <p:cNvCxnSpPr>
+              <a:cxnSpLocks/>
+            </p:cNvCxnSpPr>
+            <p:nvPr/>
+          </p:nvCxnSpPr>
+          <p:spPr bwMode="auto">
+            <a:xfrm flipH="1">
+              <a:off x="449263" y="-25400"/>
+              <a:ext cx="1587" cy="841375"/>
+            </a:xfrm>
+            <a:prstGeom prst="line">
+              <a:avLst/>
+            </a:prstGeom>
+            <a:noFill/>
+            <a:ln w="28575" algn="ctr">
+              <a:solidFill>
+                <a:schemeClr val="bg1"/>
+              </a:solidFill>
+              <a:round/>
+              <a:headEnd/>
+              <a:tailEnd/>
+            </a:ln>
+            <a:effectLst/>
+            <a:extLst>
+              <a:ext uri="{909E8E84-426E-40DD-AFC4-6F175D3DCCD1}">
+                <a14:hiddenFill xmlns:a14="http://schemas.microsoft.com/office/drawing/2010/main">
+                  <a:noFill/>
+                </a14:hiddenFill>
+              </a:ext>
+            </a:extLst>
+          </p:spPr>
+        </p:cxnSp>
+        <p:cxnSp>
+          <p:nvCxnSpPr>
+            <p:cNvPr id="10" name="直接连接符 20">
+              <a:extLst>
+                <a:ext uri="{FF2B5EF4-FFF2-40B4-BE49-F238E27FC236}">
+                  <a16:creationId xmlns:a16="http://schemas.microsoft.com/office/drawing/2014/main" id="{B7C0A3E6-F1FF-427D-8DB1-E9791B891181}"/>
+                </a:ext>
+              </a:extLst>
+            </p:cNvPr>
+            <p:cNvCxnSpPr>
+              <a:cxnSpLocks/>
+            </p:cNvCxnSpPr>
+            <p:nvPr/>
+          </p:nvCxnSpPr>
+          <p:spPr bwMode="auto">
+            <a:xfrm flipH="1">
+              <a:off x="511175" y="-26988"/>
+              <a:ext cx="1588" cy="554038"/>
+            </a:xfrm>
+            <a:prstGeom prst="line">
+              <a:avLst/>
+            </a:prstGeom>
+            <a:noFill/>
+            <a:ln w="28575" algn="ctr">
+              <a:solidFill>
+                <a:schemeClr val="bg1"/>
+              </a:solidFill>
+              <a:round/>
+              <a:headEnd/>
+              <a:tailEnd/>
+            </a:ln>
+            <a:effectLst/>
+            <a:extLst>
+              <a:ext uri="{909E8E84-426E-40DD-AFC4-6F175D3DCCD1}">
+                <a14:hiddenFill xmlns:a14="http://schemas.microsoft.com/office/drawing/2010/main">
+                  <a:noFill/>
+                </a14:hiddenFill>
+              </a:ext>
+            </a:extLst>
+          </p:spPr>
+        </p:cxnSp>
+        <p:cxnSp>
+          <p:nvCxnSpPr>
+            <p:cNvPr id="11" name="直接连接符 30">
+              <a:extLst>
+                <a:ext uri="{FF2B5EF4-FFF2-40B4-BE49-F238E27FC236}">
+                  <a16:creationId xmlns:a16="http://schemas.microsoft.com/office/drawing/2014/main" id="{440505F1-F975-4EFE-9258-4A1E718E6358}"/>
+                </a:ext>
+              </a:extLst>
+            </p:cNvPr>
+            <p:cNvCxnSpPr>
+              <a:cxnSpLocks/>
+            </p:cNvCxnSpPr>
+            <p:nvPr/>
+          </p:nvCxnSpPr>
+          <p:spPr bwMode="auto">
+            <a:xfrm>
+              <a:off x="576263" y="-26988"/>
+              <a:ext cx="0" cy="298451"/>
+            </a:xfrm>
+            <a:prstGeom prst="line">
+              <a:avLst/>
+            </a:prstGeom>
+            <a:noFill/>
+            <a:ln w="28575" algn="ctr">
+              <a:solidFill>
+                <a:schemeClr val="bg1"/>
+              </a:solidFill>
+              <a:round/>
+              <a:headEnd/>
+              <a:tailEnd/>
+            </a:ln>
+            <a:effectLst/>
+            <a:extLst>
+              <a:ext uri="{909E8E84-426E-40DD-AFC4-6F175D3DCCD1}">
+                <a14:hiddenFill xmlns:a14="http://schemas.microsoft.com/office/drawing/2010/main">
+                  <a:noFill/>
+                </a14:hiddenFill>
+              </a:ext>
+            </a:extLst>
+          </p:spPr>
+        </p:cxnSp>
+      </p:grpSp>
+      <p:sp>
+        <p:nvSpPr>
+          <p:cNvPr id="2" name="标题 1"/>
           <p:cNvSpPr>
             <a:spLocks noGrp="1"/>
           </p:cNvSpPr>
           <p:nvPr>
             <p:ph type="title"/>
+          </p:nvPr>
+        </p:nvSpPr>
+        <p:spPr>
+          <a:xfrm>
+            <a:off x="829733" y="169838"/>
+            <a:ext cx="11120800" cy="553998"/>
+          </a:xfrm>
+          <a:prstGeom prst="rect">
+            <a:avLst/>
+          </a:prstGeom>
+        </p:spPr>
+        <p:txBody>
+          <a:bodyPr>
+            <a:normAutofit/>
+          </a:bodyPr>
+          <a:lstStyle>
+            <a:lvl1pPr marL="0" algn="l" defTabSz="914400" rtl="0" eaLnBrk="1" fontAlgn="base" latinLnBrk="0" hangingPunct="1">
+              <a:spcBef>
+                <a:spcPct val="0"/>
+              </a:spcBef>
+              <a:spcAft>
+                <a:spcPct val="0"/>
+              </a:spcAft>
+              <a:defRPr lang="zh-CN" altLang="en-US" sz="3000" b="1" kern="1200" dirty="0">
+                <a:solidFill>
+                  <a:prstClr val="white"/>
+                </a:solidFill>
+                <a:latin typeface="微软雅黑" panose="020B0503020204020204" pitchFamily="34" charset="-122"/>
+                <a:ea typeface="微软雅黑" panose="020B0503020204020204" pitchFamily="34" charset="-122"/>
+                <a:cs typeface="Arial" pitchFamily="34" charset="0"/>
+              </a:defRPr>
+            </a:lvl1pPr>
+          </a:lstStyle>
+          <a:p>
+            <a:r>
+              <a:rPr lang="zh-CN" altLang="en-US"/>
+              <a:t>单击此处编辑母版标题样式</a:t>
+            </a:r>
+            <a:endParaRPr lang="zh-CN" altLang="en-US" dirty="0"/>
+          </a:p>
+        </p:txBody>
+      </p:sp>
+      <p:sp>
+        <p:nvSpPr>
+          <p:cNvPr id="3" name="内容占位符 2"/>
+          <p:cNvSpPr>
+            <a:spLocks noGrp="1"/>
+          </p:cNvSpPr>
+          <p:nvPr>
+            <p:ph idx="1"/>
+          </p:nvPr>
+        </p:nvSpPr>
+        <p:spPr>
+          <a:xfrm>
+            <a:off x="609600" y="1033440"/>
+            <a:ext cx="10972800" cy="5092724"/>
+          </a:xfrm>
+        </p:spPr>
+        <p:txBody>
+          <a:bodyPr/>
+          <a:lstStyle>
+            <a:lvl1pPr marL="342900" indent="-342900">
+              <a:buFont typeface="Wingdings" panose="05000000000000000000" pitchFamily="2" charset="2"/>
+              <a:buChar char="Ø"/>
+              <a:defRPr/>
+            </a:lvl1pPr>
+            <a:lvl2pPr marL="742950" indent="-285750">
+              <a:buFont typeface="Wingdings" panose="05000000000000000000" pitchFamily="2" charset="2"/>
+              <a:buChar char="n"/>
+              <a:defRPr/>
+            </a:lvl2pPr>
+          </a:lstStyle>
+          <a:p>
+            <a:pPr lvl="0"/>
+            <a:r>
+              <a:rPr lang="zh-CN" altLang="en-US"/>
+              <a:t>单击此处编辑母版文本样式</a:t>
+            </a:r>
+          </a:p>
+          <a:p>
+            <a:pPr lvl="1"/>
+            <a:r>
+              <a:rPr lang="zh-CN" altLang="en-US"/>
+              <a:t>二级</a:t>
+            </a:r>
+          </a:p>
+          <a:p>
+            <a:pPr lvl="2"/>
+            <a:r>
+              <a:rPr lang="zh-CN" altLang="en-US"/>
+              <a:t>三级</a:t>
+            </a:r>
+          </a:p>
+          <a:p>
+            <a:pPr lvl="3"/>
+            <a:r>
+              <a:rPr lang="zh-CN" altLang="en-US"/>
+              <a:t>四级</a:t>
+            </a:r>
+          </a:p>
+          <a:p>
+            <a:pPr lvl="4"/>
+            <a:r>
+              <a:rPr lang="zh-CN" altLang="en-US"/>
+              <a:t>五级</a:t>
+            </a:r>
+            <a:endParaRPr lang="zh-CN" altLang="en-US" dirty="0"/>
+          </a:p>
+        </p:txBody>
+      </p:sp>
+      <p:sp>
+        <p:nvSpPr>
+          <p:cNvPr id="4" name="日期占位符 3"/>
+          <p:cNvSpPr>
+            <a:spLocks noGrp="1"/>
+          </p:cNvSpPr>
+          <p:nvPr>
+            <p:ph type="dt" sz="half" idx="10"/>
           </p:nvPr>
         </p:nvSpPr>
         <p:spPr/>
@@ -780,27 +1799,22 @@
           <a:bodyPr/>
           <a:lstStyle/>
           <a:p>
-            <a:r>
-              <a:rPr lang="zh-CN" altLang="en-US"/>
-              <a:t>单击此处编辑母版标题样式</a:t>
-            </a:r>
-          </a:p>
-        </p:txBody>
-      </p:sp>
-      <p:sp>
-        <p:nvSpPr>
-          <p:cNvPr id="3" name="内容占位符 2">
-            <a:extLst>
-              <a:ext uri="{FF2B5EF4-FFF2-40B4-BE49-F238E27FC236}">
-                <a16:creationId xmlns:a16="http://schemas.microsoft.com/office/drawing/2014/main" id="{BC02A7B4-17C7-49EA-91A0-F2C53255336C}"/>
-              </a:ext>
-            </a:extLst>
-          </p:cNvPr>
-          <p:cNvSpPr>
-            <a:spLocks noGrp="1"/>
-          </p:cNvSpPr>
-          <p:nvPr>
-            <p:ph idx="1"/>
+            <a:fld id="{E4140F44-E63C-4996-8BD5-D69FF40853B5}" type="datetimeFigureOut">
+              <a:rPr lang="zh-CN" altLang="en-US" smtClean="0"/>
+              <a:t>2020/7/11</a:t>
+            </a:fld>
+            <a:endParaRPr lang="zh-CN" altLang="en-US"/>
+          </a:p>
+        </p:txBody>
+      </p:sp>
+      <p:sp>
+        <p:nvSpPr>
+          <p:cNvPr id="5" name="页脚占位符 4"/>
+          <p:cNvSpPr>
+            <a:spLocks noGrp="1"/>
+          </p:cNvSpPr>
+          <p:nvPr>
+            <p:ph type="ftr" sz="quarter" idx="11"/>
           </p:nvPr>
         </p:nvSpPr>
         <p:spPr/>
@@ -808,105 +1822,13 @@
           <a:bodyPr/>
           <a:lstStyle/>
           <a:p>
-            <a:pPr lvl="0"/>
-            <a:r>
-              <a:rPr lang="zh-CN" altLang="en-US"/>
-              <a:t>单击此处编辑母版文本样式</a:t>
-            </a:r>
-          </a:p>
-          <a:p>
-            <a:pPr lvl="1"/>
-            <a:r>
-              <a:rPr lang="zh-CN" altLang="en-US"/>
-              <a:t>二级</a:t>
-            </a:r>
-          </a:p>
-          <a:p>
-            <a:pPr lvl="2"/>
-            <a:r>
-              <a:rPr lang="zh-CN" altLang="en-US"/>
-              <a:t>三级</a:t>
-            </a:r>
-          </a:p>
-          <a:p>
-            <a:pPr lvl="3"/>
-            <a:r>
-              <a:rPr lang="zh-CN" altLang="en-US"/>
-              <a:t>四级</a:t>
-            </a:r>
-          </a:p>
-          <a:p>
-            <a:pPr lvl="4"/>
-            <a:r>
-              <a:rPr lang="zh-CN" altLang="en-US"/>
-              <a:t>五级</a:t>
-            </a:r>
-          </a:p>
-        </p:txBody>
-      </p:sp>
-      <p:sp>
-        <p:nvSpPr>
-          <p:cNvPr id="4" name="日期占位符 3">
-            <a:extLst>
-              <a:ext uri="{FF2B5EF4-FFF2-40B4-BE49-F238E27FC236}">
-                <a16:creationId xmlns:a16="http://schemas.microsoft.com/office/drawing/2014/main" id="{3B964B6A-32A0-4D86-ABAE-666B92A125AE}"/>
-              </a:ext>
-            </a:extLst>
-          </p:cNvPr>
-          <p:cNvSpPr>
-            <a:spLocks noGrp="1"/>
-          </p:cNvSpPr>
-          <p:nvPr>
-            <p:ph type="dt" sz="half" idx="10"/>
-          </p:nvPr>
-        </p:nvSpPr>
-        <p:spPr/>
-        <p:txBody>
-          <a:bodyPr/>
-          <a:lstStyle/>
-          <a:p>
-            <a:fld id="{E4140F44-E63C-4996-8BD5-D69FF40853B5}" type="datetimeFigureOut">
-              <a:rPr lang="zh-CN" altLang="en-US" smtClean="0"/>
-              <a:t>2020/6/20</a:t>
-            </a:fld>
             <a:endParaRPr lang="zh-CN" altLang="en-US"/>
           </a:p>
         </p:txBody>
       </p:sp>
       <p:sp>
         <p:nvSpPr>
-          <p:cNvPr id="5" name="页脚占位符 4">
-            <a:extLst>
-              <a:ext uri="{FF2B5EF4-FFF2-40B4-BE49-F238E27FC236}">
-                <a16:creationId xmlns:a16="http://schemas.microsoft.com/office/drawing/2014/main" id="{318B4812-6C36-4828-8292-1BDCAF030EAE}"/>
-              </a:ext>
-            </a:extLst>
-          </p:cNvPr>
-          <p:cNvSpPr>
-            <a:spLocks noGrp="1"/>
-          </p:cNvSpPr>
-          <p:nvPr>
-            <p:ph type="ftr" sz="quarter" idx="11"/>
-          </p:nvPr>
-        </p:nvSpPr>
-        <p:spPr/>
-        <p:txBody>
-          <a:bodyPr/>
-          <a:lstStyle/>
-          <a:p>
-            <a:endParaRPr lang="zh-CN" altLang="en-US"/>
-          </a:p>
-        </p:txBody>
-      </p:sp>
-      <p:sp>
-        <p:nvSpPr>
-          <p:cNvPr id="6" name="灯片编号占位符 5">
-            <a:extLst>
-              <a:ext uri="{FF2B5EF4-FFF2-40B4-BE49-F238E27FC236}">
-                <a16:creationId xmlns:a16="http://schemas.microsoft.com/office/drawing/2014/main" id="{59CBB544-D329-4F79-A459-BA7816E03A74}"/>
-              </a:ext>
-            </a:extLst>
-          </p:cNvPr>
+          <p:cNvPr id="6" name="灯片编号占位符 5"/>
           <p:cNvSpPr>
             <a:spLocks noGrp="1"/>
           </p:cNvSpPr>
@@ -930,7 +1852,7 @@
     </p:spTree>
     <p:extLst>
       <p:ext uri="{BB962C8B-B14F-4D97-AF65-F5344CB8AC3E}">
-        <p14:creationId xmlns:p14="http://schemas.microsoft.com/office/powerpoint/2010/main" val="1000796771"/>
+        <p14:creationId xmlns:p14="http://schemas.microsoft.com/office/powerpoint/2010/main" val="2239250019"/>
       </p:ext>
     </p:extLst>
   </p:cSld>
@@ -941,7 +1863,7 @@
 </file>
 
 <file path=ppt/slideLayouts/slideLayout3.xml><?xml version="1.0" encoding="utf-8"?>
-<p:sldLayout xmlns:a="http://schemas.openxmlformats.org/drawingml/2006/main" xmlns:r="http://schemas.openxmlformats.org/officeDocument/2006/relationships" xmlns:p="http://schemas.openxmlformats.org/presentationml/2006/main" type="secHead" preserve="1">
+<p:sldLayout xmlns:a="http://schemas.openxmlformats.org/drawingml/2006/main" xmlns:r="http://schemas.openxmlformats.org/officeDocument/2006/relationships" xmlns:p="http://schemas.openxmlformats.org/presentationml/2006/main" preserve="1">
   <p:cSld name="节标题">
     <p:spTree>
       <p:nvGrpSpPr>
@@ -959,13 +1881,7 @@
       </p:grpSpPr>
       <p:sp>
         <p:nvSpPr>
-          <p:cNvPr id="2" name="标题 1">
-            <a:extLst>
-              <a:ext uri="{FF2B5EF4-FFF2-40B4-BE49-F238E27FC236}">
-                <a16:creationId xmlns:a16="http://schemas.microsoft.com/office/drawing/2014/main" id="{D6610870-4D35-494D-AC8D-FFCE834DE3D8}"/>
-              </a:ext>
-            </a:extLst>
-          </p:cNvPr>
+          <p:cNvPr id="2" name="标题 1"/>
           <p:cNvSpPr>
             <a:spLocks noGrp="1"/>
           </p:cNvSpPr>
@@ -975,53 +1891,50 @@
         </p:nvSpPr>
         <p:spPr>
           <a:xfrm>
-            <a:off x="831850" y="1709738"/>
-            <a:ext cx="10515600" cy="2852737"/>
+            <a:off x="963084" y="4406901"/>
+            <a:ext cx="10363200" cy="1362075"/>
+          </a:xfrm>
+          <a:prstGeom prst="rect">
+            <a:avLst/>
+          </a:prstGeom>
+        </p:spPr>
+        <p:txBody>
+          <a:bodyPr anchor="t"/>
+          <a:lstStyle>
+            <a:lvl1pPr algn="l">
+              <a:defRPr sz="4000" b="1" cap="all"/>
+            </a:lvl1pPr>
+          </a:lstStyle>
+          <a:p>
+            <a:r>
+              <a:rPr lang="zh-CN" altLang="en-US"/>
+              <a:t>单击此处编辑母版标题样式</a:t>
+            </a:r>
+          </a:p>
+        </p:txBody>
+      </p:sp>
+      <p:sp>
+        <p:nvSpPr>
+          <p:cNvPr id="3" name="文本占位符 2"/>
+          <p:cNvSpPr>
+            <a:spLocks noGrp="1"/>
+          </p:cNvSpPr>
+          <p:nvPr>
+            <p:ph type="body" idx="1"/>
+          </p:nvPr>
+        </p:nvSpPr>
+        <p:spPr>
+          <a:xfrm>
+            <a:off x="963084" y="2906713"/>
+            <a:ext cx="10363200" cy="1500187"/>
           </a:xfrm>
         </p:spPr>
         <p:txBody>
           <a:bodyPr anchor="b"/>
-          <a:lstStyle>
-            <a:lvl1pPr>
-              <a:defRPr sz="6000"/>
-            </a:lvl1pPr>
-          </a:lstStyle>
-          <a:p>
-            <a:r>
-              <a:rPr lang="zh-CN" altLang="en-US"/>
-              <a:t>单击此处编辑母版标题样式</a:t>
-            </a:r>
-          </a:p>
-        </p:txBody>
-      </p:sp>
-      <p:sp>
-        <p:nvSpPr>
-          <p:cNvPr id="3" name="文本占位符 2">
-            <a:extLst>
-              <a:ext uri="{FF2B5EF4-FFF2-40B4-BE49-F238E27FC236}">
-                <a16:creationId xmlns:a16="http://schemas.microsoft.com/office/drawing/2014/main" id="{5ABC702A-EC29-4123-B471-E3B093535A67}"/>
-              </a:ext>
-            </a:extLst>
-          </p:cNvPr>
-          <p:cNvSpPr>
-            <a:spLocks noGrp="1"/>
-          </p:cNvSpPr>
-          <p:nvPr>
-            <p:ph type="body" idx="1"/>
-          </p:nvPr>
-        </p:nvSpPr>
-        <p:spPr>
-          <a:xfrm>
-            <a:off x="831850" y="4589463"/>
-            <a:ext cx="10515600" cy="1500187"/>
-          </a:xfrm>
-        </p:spPr>
-        <p:txBody>
-          <a:bodyPr/>
           <a:lstStyle>
             <a:lvl1pPr marL="0" indent="0">
               <a:buNone/>
-              <a:defRPr sz="2400">
+              <a:defRPr sz="2000">
                 <a:solidFill>
                   <a:schemeClr val="tx1">
                     <a:tint val="75000"/>
@@ -1031,7 +1944,7 @@
             </a:lvl1pPr>
             <a:lvl2pPr marL="457200" indent="0">
               <a:buNone/>
-              <a:defRPr sz="2000">
+              <a:defRPr sz="1800">
                 <a:solidFill>
                   <a:schemeClr val="tx1">
                     <a:tint val="75000"/>
@@ -1041,7 +1954,7 @@
             </a:lvl2pPr>
             <a:lvl3pPr marL="914400" indent="0">
               <a:buNone/>
-              <a:defRPr sz="1800">
+              <a:defRPr sz="1600">
                 <a:solidFill>
                   <a:schemeClr val="tx1">
                     <a:tint val="75000"/>
@@ -1051,7 +1964,7 @@
             </a:lvl3pPr>
             <a:lvl4pPr marL="1371600" indent="0">
               <a:buNone/>
-              <a:defRPr sz="1600">
+              <a:defRPr sz="1400">
                 <a:solidFill>
                   <a:schemeClr val="tx1">
                     <a:tint val="75000"/>
@@ -1061,7 +1974,7 @@
             </a:lvl4pPr>
             <a:lvl5pPr marL="1828800" indent="0">
               <a:buNone/>
-              <a:defRPr sz="1600">
+              <a:defRPr sz="1400">
                 <a:solidFill>
                   <a:schemeClr val="tx1">
                     <a:tint val="75000"/>
@@ -1071,7 +1984,7 @@
             </a:lvl5pPr>
             <a:lvl6pPr marL="2286000" indent="0">
               <a:buNone/>
-              <a:defRPr sz="1600">
+              <a:defRPr sz="1400">
                 <a:solidFill>
                   <a:schemeClr val="tx1">
                     <a:tint val="75000"/>
@@ -1081,7 +1994,7 @@
             </a:lvl6pPr>
             <a:lvl7pPr marL="2743200" indent="0">
               <a:buNone/>
-              <a:defRPr sz="1600">
+              <a:defRPr sz="1400">
                 <a:solidFill>
                   <a:schemeClr val="tx1">
                     <a:tint val="75000"/>
@@ -1091,7 +2004,7 @@
             </a:lvl7pPr>
             <a:lvl8pPr marL="3200400" indent="0">
               <a:buNone/>
-              <a:defRPr sz="1600">
+              <a:defRPr sz="1400">
                 <a:solidFill>
                   <a:schemeClr val="tx1">
                     <a:tint val="75000"/>
@@ -1101,7 +2014,7 @@
             </a:lvl8pPr>
             <a:lvl9pPr marL="3657600" indent="0">
               <a:buNone/>
-              <a:defRPr sz="1600">
+              <a:defRPr sz="1400">
                 <a:solidFill>
                   <a:schemeClr val="tx1">
                     <a:tint val="75000"/>
@@ -1121,13 +2034,7 @@
       </p:sp>
       <p:sp>
         <p:nvSpPr>
-          <p:cNvPr id="4" name="日期占位符 3">
-            <a:extLst>
-              <a:ext uri="{FF2B5EF4-FFF2-40B4-BE49-F238E27FC236}">
-                <a16:creationId xmlns:a16="http://schemas.microsoft.com/office/drawing/2014/main" id="{51173979-626D-4644-838D-06E40E69C9F7}"/>
-              </a:ext>
-            </a:extLst>
-          </p:cNvPr>
+          <p:cNvPr id="4" name="日期占位符 3"/>
           <p:cNvSpPr>
             <a:spLocks noGrp="1"/>
           </p:cNvSpPr>
@@ -1142,7 +2049,7 @@
           <a:p>
             <a:fld id="{E4140F44-E63C-4996-8BD5-D69FF40853B5}" type="datetimeFigureOut">
               <a:rPr lang="zh-CN" altLang="en-US" smtClean="0"/>
-              <a:t>2020/6/20</a:t>
+              <a:t>2020/7/11</a:t>
             </a:fld>
             <a:endParaRPr lang="zh-CN" altLang="en-US"/>
           </a:p>
@@ -1150,13 +2057,7 @@
       </p:sp>
       <p:sp>
         <p:nvSpPr>
-          <p:cNvPr id="5" name="页脚占位符 4">
-            <a:extLst>
-              <a:ext uri="{FF2B5EF4-FFF2-40B4-BE49-F238E27FC236}">
-                <a16:creationId xmlns:a16="http://schemas.microsoft.com/office/drawing/2014/main" id="{201FC307-9DD6-4AAB-85B8-2F4B01B4C57D}"/>
-              </a:ext>
-            </a:extLst>
-          </p:cNvPr>
+          <p:cNvPr id="5" name="页脚占位符 4"/>
           <p:cNvSpPr>
             <a:spLocks noGrp="1"/>
           </p:cNvSpPr>
@@ -1175,13 +2076,7 @@
       </p:sp>
       <p:sp>
         <p:nvSpPr>
-          <p:cNvPr id="6" name="灯片编号占位符 5">
-            <a:extLst>
-              <a:ext uri="{FF2B5EF4-FFF2-40B4-BE49-F238E27FC236}">
-                <a16:creationId xmlns:a16="http://schemas.microsoft.com/office/drawing/2014/main" id="{F7F4EA15-A788-4445-B37E-053DC0338A1F}"/>
-              </a:ext>
-            </a:extLst>
-          </p:cNvPr>
+          <p:cNvPr id="6" name="灯片编号占位符 5"/>
           <p:cNvSpPr>
             <a:spLocks noGrp="1"/>
           </p:cNvSpPr>
@@ -1202,10 +2097,364 @@
           </a:p>
         </p:txBody>
       </p:sp>
+      <p:sp>
+        <p:nvSpPr>
+          <p:cNvPr id="7" name="标题 3">
+            <a:extLst>
+              <a:ext uri="{FF2B5EF4-FFF2-40B4-BE49-F238E27FC236}">
+                <a16:creationId xmlns:a16="http://schemas.microsoft.com/office/drawing/2014/main" id="{1EE7B386-338B-4764-85F1-67C3D55680EC}"/>
+              </a:ext>
+            </a:extLst>
+          </p:cNvPr>
+          <p:cNvSpPr txBox="1">
+            <a:spLocks/>
+          </p:cNvSpPr>
+          <p:nvPr/>
+        </p:nvSpPr>
+        <p:spPr>
+          <a:xfrm>
+            <a:off x="0" y="-24"/>
+            <a:ext cx="12192000" cy="863601"/>
+          </a:xfrm>
+          <a:prstGeom prst="rect">
+            <a:avLst/>
+          </a:prstGeom>
+          <a:solidFill>
+            <a:srgbClr val="02409A"/>
+          </a:solidFill>
+          <a:ln>
+            <a:noFill/>
+          </a:ln>
+          <a:effectLst/>
+        </p:spPr>
+        <p:txBody>
+          <a:bodyPr tIns="0" bIns="0" anchor="ctr"/>
+          <a:lstStyle/>
+          <a:p>
+            <a:pPr algn="ctr">
+              <a:spcBef>
+                <a:spcPct val="0"/>
+              </a:spcBef>
+              <a:defRPr/>
+            </a:pPr>
+            <a:endParaRPr lang="zh-CN" altLang="en-US" sz="4800" b="1" dirty="0">
+              <a:solidFill>
+                <a:prstClr val="white"/>
+              </a:solidFill>
+              <a:latin typeface="微软雅黑" pitchFamily="34" charset="-122"/>
+              <a:ea typeface="微软雅黑" pitchFamily="34" charset="-122"/>
+            </a:endParaRPr>
+          </a:p>
+        </p:txBody>
+      </p:sp>
+      <p:cxnSp>
+        <p:nvCxnSpPr>
+          <p:cNvPr id="8" name="直接连接符 19">
+            <a:extLst>
+              <a:ext uri="{FF2B5EF4-FFF2-40B4-BE49-F238E27FC236}">
+                <a16:creationId xmlns:a16="http://schemas.microsoft.com/office/drawing/2014/main" id="{5EDB0516-F82E-4E09-BCC6-78628E7E2022}"/>
+              </a:ext>
+            </a:extLst>
+          </p:cNvPr>
+          <p:cNvCxnSpPr>
+            <a:cxnSpLocks/>
+          </p:cNvCxnSpPr>
+          <p:nvPr/>
+        </p:nvCxnSpPr>
+        <p:spPr bwMode="auto">
+          <a:xfrm flipH="1">
+            <a:off x="599018" y="1565"/>
+            <a:ext cx="2116" cy="841375"/>
+          </a:xfrm>
+          <a:prstGeom prst="line">
+            <a:avLst/>
+          </a:prstGeom>
+          <a:noFill/>
+          <a:ln w="28575" algn="ctr">
+            <a:solidFill>
+              <a:schemeClr val="bg1"/>
+            </a:solidFill>
+            <a:round/>
+            <a:headEnd/>
+            <a:tailEnd/>
+          </a:ln>
+          <a:effectLst/>
+          <a:extLst>
+            <a:ext uri="{909E8E84-426E-40DD-AFC4-6F175D3DCCD1}">
+              <a14:hiddenFill xmlns:a14="http://schemas.microsoft.com/office/drawing/2010/main">
+                <a:noFill/>
+              </a14:hiddenFill>
+            </a:ext>
+          </a:extLst>
+        </p:spPr>
+      </p:cxnSp>
+      <p:cxnSp>
+        <p:nvCxnSpPr>
+          <p:cNvPr id="9" name="直接连接符 20">
+            <a:extLst>
+              <a:ext uri="{FF2B5EF4-FFF2-40B4-BE49-F238E27FC236}">
+                <a16:creationId xmlns:a16="http://schemas.microsoft.com/office/drawing/2014/main" id="{740BB1FC-B3C6-4721-92D6-BF1F1FA3F6A5}"/>
+              </a:ext>
+            </a:extLst>
+          </p:cNvPr>
+          <p:cNvCxnSpPr>
+            <a:cxnSpLocks/>
+          </p:cNvCxnSpPr>
+          <p:nvPr/>
+        </p:nvCxnSpPr>
+        <p:spPr bwMode="auto">
+          <a:xfrm flipH="1">
+            <a:off x="681567" y="-24"/>
+            <a:ext cx="2117" cy="554038"/>
+          </a:xfrm>
+          <a:prstGeom prst="line">
+            <a:avLst/>
+          </a:prstGeom>
+          <a:noFill/>
+          <a:ln w="28575" algn="ctr">
+            <a:solidFill>
+              <a:schemeClr val="bg1"/>
+            </a:solidFill>
+            <a:round/>
+            <a:headEnd/>
+            <a:tailEnd/>
+          </a:ln>
+          <a:effectLst/>
+          <a:extLst>
+            <a:ext uri="{909E8E84-426E-40DD-AFC4-6F175D3DCCD1}">
+              <a14:hiddenFill xmlns:a14="http://schemas.microsoft.com/office/drawing/2010/main">
+                <a:noFill/>
+              </a14:hiddenFill>
+            </a:ext>
+          </a:extLst>
+        </p:spPr>
+      </p:cxnSp>
+      <p:cxnSp>
+        <p:nvCxnSpPr>
+          <p:cNvPr id="10" name="直接连接符 30">
+            <a:extLst>
+              <a:ext uri="{FF2B5EF4-FFF2-40B4-BE49-F238E27FC236}">
+                <a16:creationId xmlns:a16="http://schemas.microsoft.com/office/drawing/2014/main" id="{28A6E5BF-2A0D-4294-9AFE-058CFD22D566}"/>
+              </a:ext>
+            </a:extLst>
+          </p:cNvPr>
+          <p:cNvCxnSpPr>
+            <a:cxnSpLocks/>
+          </p:cNvCxnSpPr>
+          <p:nvPr/>
+        </p:nvCxnSpPr>
+        <p:spPr bwMode="auto">
+          <a:xfrm>
+            <a:off x="768351" y="-24"/>
+            <a:ext cx="0" cy="298451"/>
+          </a:xfrm>
+          <a:prstGeom prst="line">
+            <a:avLst/>
+          </a:prstGeom>
+          <a:noFill/>
+          <a:ln w="28575" algn="ctr">
+            <a:solidFill>
+              <a:schemeClr val="bg1"/>
+            </a:solidFill>
+            <a:round/>
+            <a:headEnd/>
+            <a:tailEnd/>
+          </a:ln>
+          <a:effectLst/>
+          <a:extLst>
+            <a:ext uri="{909E8E84-426E-40DD-AFC4-6F175D3DCCD1}">
+              <a14:hiddenFill xmlns:a14="http://schemas.microsoft.com/office/drawing/2010/main">
+                <a:noFill/>
+              </a14:hiddenFill>
+            </a:ext>
+          </a:extLst>
+        </p:spPr>
+      </p:cxnSp>
+      <p:sp>
+        <p:nvSpPr>
+          <p:cNvPr id="11" name="TextBox 19">
+            <a:extLst>
+              <a:ext uri="{FF2B5EF4-FFF2-40B4-BE49-F238E27FC236}">
+                <a16:creationId xmlns:a16="http://schemas.microsoft.com/office/drawing/2014/main" id="{6EE42B8E-637A-44E6-A66B-3C85DDBB85EA}"/>
+              </a:ext>
+            </a:extLst>
+          </p:cNvPr>
+          <p:cNvSpPr txBox="1">
+            <a:spLocks noChangeArrowheads="1"/>
+          </p:cNvSpPr>
+          <p:nvPr/>
+        </p:nvSpPr>
+        <p:spPr bwMode="auto">
+          <a:xfrm>
+            <a:off x="829734" y="169838"/>
+            <a:ext cx="11122917" cy="553998"/>
+          </a:xfrm>
+          <a:prstGeom prst="rect">
+            <a:avLst/>
+          </a:prstGeom>
+          <a:noFill/>
+          <a:ln>
+            <a:noFill/>
+          </a:ln>
+          <a:effectLst/>
+          <a:extLst>
+            <a:ext uri="{909E8E84-426E-40DD-AFC4-6F175D3DCCD1}">
+              <a14:hiddenFill xmlns:a14="http://schemas.microsoft.com/office/drawing/2010/main">
+                <a:solidFill>
+                  <a:srgbClr val="FFFFFF"/>
+                </a:solidFill>
+              </a14:hiddenFill>
+            </a:ext>
+            <a:ext uri="{91240B29-F687-4F45-9708-019B960494DF}">
+              <a14:hiddenLine xmlns:a14="http://schemas.microsoft.com/office/drawing/2010/main" w="9525">
+                <a:solidFill>
+                  <a:srgbClr val="000000"/>
+                </a:solidFill>
+                <a:miter lim="800000"/>
+                <a:headEnd/>
+                <a:tailEnd/>
+              </a14:hiddenLine>
+            </a:ext>
+          </a:extLst>
+        </p:spPr>
+        <p:txBody>
+          <a:bodyPr wrap="square">
+            <a:spAutoFit/>
+          </a:bodyPr>
+          <a:lstStyle>
+            <a:lvl1pPr eaLnBrk="0" hangingPunct="0">
+              <a:defRPr>
+                <a:solidFill>
+                  <a:schemeClr val="tx1"/>
+                </a:solidFill>
+                <a:latin typeface="Calibri" pitchFamily="34" charset="0"/>
+                <a:ea typeface="宋体" pitchFamily="2" charset="-122"/>
+              </a:defRPr>
+            </a:lvl1pPr>
+            <a:lvl2pPr marL="742950" indent="-285750" eaLnBrk="0" hangingPunct="0">
+              <a:defRPr>
+                <a:solidFill>
+                  <a:schemeClr val="tx1"/>
+                </a:solidFill>
+                <a:latin typeface="Calibri" pitchFamily="34" charset="0"/>
+                <a:ea typeface="宋体" pitchFamily="2" charset="-122"/>
+              </a:defRPr>
+            </a:lvl2pPr>
+            <a:lvl3pPr marL="1143000" indent="-228600" eaLnBrk="0" hangingPunct="0">
+              <a:defRPr>
+                <a:solidFill>
+                  <a:schemeClr val="tx1"/>
+                </a:solidFill>
+                <a:latin typeface="Calibri" pitchFamily="34" charset="0"/>
+                <a:ea typeface="宋体" pitchFamily="2" charset="-122"/>
+              </a:defRPr>
+            </a:lvl3pPr>
+            <a:lvl4pPr marL="1600200" indent="-228600" eaLnBrk="0" hangingPunct="0">
+              <a:defRPr>
+                <a:solidFill>
+                  <a:schemeClr val="tx1"/>
+                </a:solidFill>
+                <a:latin typeface="Calibri" pitchFamily="34" charset="0"/>
+                <a:ea typeface="宋体" pitchFamily="2" charset="-122"/>
+              </a:defRPr>
+            </a:lvl4pPr>
+            <a:lvl5pPr marL="2057400" indent="-228600" eaLnBrk="0" hangingPunct="0">
+              <a:defRPr>
+                <a:solidFill>
+                  <a:schemeClr val="tx1"/>
+                </a:solidFill>
+                <a:latin typeface="Calibri" pitchFamily="34" charset="0"/>
+                <a:ea typeface="宋体" pitchFamily="2" charset="-122"/>
+              </a:defRPr>
+            </a:lvl5pPr>
+            <a:lvl6pPr marL="2514600" indent="-228600" eaLnBrk="0" fontAlgn="base" hangingPunct="0">
+              <a:spcBef>
+                <a:spcPct val="0"/>
+              </a:spcBef>
+              <a:spcAft>
+                <a:spcPct val="0"/>
+              </a:spcAft>
+              <a:defRPr>
+                <a:solidFill>
+                  <a:schemeClr val="tx1"/>
+                </a:solidFill>
+                <a:latin typeface="Calibri" pitchFamily="34" charset="0"/>
+                <a:ea typeface="宋体" pitchFamily="2" charset="-122"/>
+              </a:defRPr>
+            </a:lvl6pPr>
+            <a:lvl7pPr marL="2971800" indent="-228600" eaLnBrk="0" fontAlgn="base" hangingPunct="0">
+              <a:spcBef>
+                <a:spcPct val="0"/>
+              </a:spcBef>
+              <a:spcAft>
+                <a:spcPct val="0"/>
+              </a:spcAft>
+              <a:defRPr>
+                <a:solidFill>
+                  <a:schemeClr val="tx1"/>
+                </a:solidFill>
+                <a:latin typeface="Calibri" pitchFamily="34" charset="0"/>
+                <a:ea typeface="宋体" pitchFamily="2" charset="-122"/>
+              </a:defRPr>
+            </a:lvl7pPr>
+            <a:lvl8pPr marL="3429000" indent="-228600" eaLnBrk="0" fontAlgn="base" hangingPunct="0">
+              <a:spcBef>
+                <a:spcPct val="0"/>
+              </a:spcBef>
+              <a:spcAft>
+                <a:spcPct val="0"/>
+              </a:spcAft>
+              <a:defRPr>
+                <a:solidFill>
+                  <a:schemeClr val="tx1"/>
+                </a:solidFill>
+                <a:latin typeface="Calibri" pitchFamily="34" charset="0"/>
+                <a:ea typeface="宋体" pitchFamily="2" charset="-122"/>
+              </a:defRPr>
+            </a:lvl8pPr>
+            <a:lvl9pPr marL="3886200" indent="-228600" eaLnBrk="0" fontAlgn="base" hangingPunct="0">
+              <a:spcBef>
+                <a:spcPct val="0"/>
+              </a:spcBef>
+              <a:spcAft>
+                <a:spcPct val="0"/>
+              </a:spcAft>
+              <a:defRPr>
+                <a:solidFill>
+                  <a:schemeClr val="tx1"/>
+                </a:solidFill>
+                <a:latin typeface="Calibri" pitchFamily="34" charset="0"/>
+                <a:ea typeface="宋体" pitchFamily="2" charset="-122"/>
+              </a:defRPr>
+            </a:lvl9pPr>
+          </a:lstStyle>
+          <a:p>
+            <a:pPr eaLnBrk="1" fontAlgn="base" hangingPunct="1">
+              <a:spcBef>
+                <a:spcPct val="0"/>
+              </a:spcBef>
+              <a:spcAft>
+                <a:spcPct val="0"/>
+              </a:spcAft>
+            </a:pPr>
+            <a:r>
+              <a:rPr lang="zh-CN" altLang="en-US" sz="3000" b="1" dirty="0">
+                <a:solidFill>
+                  <a:prstClr val="white"/>
+                </a:solidFill>
+                <a:latin typeface="微软雅黑" panose="020B0503020204020204" pitchFamily="34" charset="-122"/>
+                <a:ea typeface="微软雅黑" panose="020B0503020204020204" pitchFamily="34" charset="-122"/>
+                <a:cs typeface="Arial" pitchFamily="34" charset="0"/>
+              </a:rPr>
+              <a:t>提纲</a:t>
+            </a:r>
+          </a:p>
+        </p:txBody>
+      </p:sp>
     </p:spTree>
     <p:extLst>
       <p:ext uri="{BB962C8B-B14F-4D97-AF65-F5344CB8AC3E}">
-        <p14:creationId xmlns:p14="http://schemas.microsoft.com/office/powerpoint/2010/main" val="2556165829"/>
+        <p14:creationId xmlns:p14="http://schemas.microsoft.com/office/powerpoint/2010/main" val="4294832265"/>
       </p:ext>
     </p:extLst>
   </p:cSld>
@@ -1232,20 +2481,435 @@
           <a:chExt cx="0" cy="0"/>
         </a:xfrm>
       </p:grpSpPr>
-      <p:sp>
-        <p:nvSpPr>
-          <p:cNvPr id="2" name="标题 1">
+      <p:grpSp>
+        <p:nvGrpSpPr>
+          <p:cNvPr id="8" name="组合 7">
             <a:extLst>
               <a:ext uri="{FF2B5EF4-FFF2-40B4-BE49-F238E27FC236}">
-                <a16:creationId xmlns:a16="http://schemas.microsoft.com/office/drawing/2014/main" id="{191F02FE-03CC-4630-8029-3E5C78138E70}"/>
+                <a16:creationId xmlns:a16="http://schemas.microsoft.com/office/drawing/2014/main" id="{1B9BF0A4-17AA-4116-B463-360E9B871E6B}"/>
               </a:ext>
             </a:extLst>
           </p:cNvPr>
+          <p:cNvGrpSpPr/>
+          <p:nvPr/>
+        </p:nvGrpSpPr>
+        <p:grpSpPr>
+          <a:xfrm>
+            <a:off x="0" y="-24"/>
+            <a:ext cx="12192000" cy="863601"/>
+            <a:chOff x="0" y="-26988"/>
+            <a:chExt cx="9144000" cy="863601"/>
+          </a:xfrm>
+        </p:grpSpPr>
+        <p:sp>
+          <p:nvSpPr>
+            <p:cNvPr id="9" name="标题 3">
+              <a:extLst>
+                <a:ext uri="{FF2B5EF4-FFF2-40B4-BE49-F238E27FC236}">
+                  <a16:creationId xmlns:a16="http://schemas.microsoft.com/office/drawing/2014/main" id="{4CD6A6AB-DF25-4447-AA31-6C2F889D5FB2}"/>
+                </a:ext>
+              </a:extLst>
+            </p:cNvPr>
+            <p:cNvSpPr txBox="1">
+              <a:spLocks/>
+            </p:cNvSpPr>
+            <p:nvPr/>
+          </p:nvSpPr>
+          <p:spPr>
+            <a:xfrm>
+              <a:off x="0" y="-26988"/>
+              <a:ext cx="9144000" cy="863601"/>
+            </a:xfrm>
+            <a:prstGeom prst="rect">
+              <a:avLst/>
+            </a:prstGeom>
+            <a:solidFill>
+              <a:srgbClr val="02409A"/>
+            </a:solidFill>
+            <a:ln>
+              <a:noFill/>
+            </a:ln>
+            <a:effectLst/>
+          </p:spPr>
+          <p:txBody>
+            <a:bodyPr tIns="0" bIns="0" anchor="ctr"/>
+            <a:lstStyle/>
+            <a:p>
+              <a:pPr algn="ctr">
+                <a:spcBef>
+                  <a:spcPct val="0"/>
+                </a:spcBef>
+                <a:defRPr/>
+              </a:pPr>
+              <a:endParaRPr lang="zh-CN" altLang="en-US" sz="4800" b="1" dirty="0">
+                <a:solidFill>
+                  <a:prstClr val="white"/>
+                </a:solidFill>
+                <a:latin typeface="微软雅黑" pitchFamily="34" charset="-122"/>
+                <a:ea typeface="微软雅黑" pitchFamily="34" charset="-122"/>
+              </a:endParaRPr>
+            </a:p>
+          </p:txBody>
+        </p:sp>
+        <p:cxnSp>
+          <p:nvCxnSpPr>
+            <p:cNvPr id="10" name="直接连接符 19">
+              <a:extLst>
+                <a:ext uri="{FF2B5EF4-FFF2-40B4-BE49-F238E27FC236}">
+                  <a16:creationId xmlns:a16="http://schemas.microsoft.com/office/drawing/2014/main" id="{3A276ED9-4D9E-440A-A84A-84AE621A77BA}"/>
+                </a:ext>
+              </a:extLst>
+            </p:cNvPr>
+            <p:cNvCxnSpPr>
+              <a:cxnSpLocks/>
+            </p:cNvCxnSpPr>
+            <p:nvPr/>
+          </p:nvCxnSpPr>
+          <p:spPr bwMode="auto">
+            <a:xfrm flipH="1">
+              <a:off x="449263" y="-25400"/>
+              <a:ext cx="1587" cy="841375"/>
+            </a:xfrm>
+            <a:prstGeom prst="line">
+              <a:avLst/>
+            </a:prstGeom>
+            <a:noFill/>
+            <a:ln w="28575" algn="ctr">
+              <a:solidFill>
+                <a:schemeClr val="bg1"/>
+              </a:solidFill>
+              <a:round/>
+              <a:headEnd/>
+              <a:tailEnd/>
+            </a:ln>
+            <a:effectLst/>
+            <a:extLst>
+              <a:ext uri="{909E8E84-426E-40DD-AFC4-6F175D3DCCD1}">
+                <a14:hiddenFill xmlns:a14="http://schemas.microsoft.com/office/drawing/2010/main">
+                  <a:noFill/>
+                </a14:hiddenFill>
+              </a:ext>
+            </a:extLst>
+          </p:spPr>
+        </p:cxnSp>
+        <p:cxnSp>
+          <p:nvCxnSpPr>
+            <p:cNvPr id="11" name="直接连接符 20">
+              <a:extLst>
+                <a:ext uri="{FF2B5EF4-FFF2-40B4-BE49-F238E27FC236}">
+                  <a16:creationId xmlns:a16="http://schemas.microsoft.com/office/drawing/2014/main" id="{8DC851E0-C218-4FEF-871A-3065C46D640F}"/>
+                </a:ext>
+              </a:extLst>
+            </p:cNvPr>
+            <p:cNvCxnSpPr>
+              <a:cxnSpLocks/>
+            </p:cNvCxnSpPr>
+            <p:nvPr/>
+          </p:nvCxnSpPr>
+          <p:spPr bwMode="auto">
+            <a:xfrm flipH="1">
+              <a:off x="511175" y="-26988"/>
+              <a:ext cx="1588" cy="554038"/>
+            </a:xfrm>
+            <a:prstGeom prst="line">
+              <a:avLst/>
+            </a:prstGeom>
+            <a:noFill/>
+            <a:ln w="28575" algn="ctr">
+              <a:solidFill>
+                <a:schemeClr val="bg1"/>
+              </a:solidFill>
+              <a:round/>
+              <a:headEnd/>
+              <a:tailEnd/>
+            </a:ln>
+            <a:effectLst/>
+            <a:extLst>
+              <a:ext uri="{909E8E84-426E-40DD-AFC4-6F175D3DCCD1}">
+                <a14:hiddenFill xmlns:a14="http://schemas.microsoft.com/office/drawing/2010/main">
+                  <a:noFill/>
+                </a14:hiddenFill>
+              </a:ext>
+            </a:extLst>
+          </p:spPr>
+        </p:cxnSp>
+        <p:cxnSp>
+          <p:nvCxnSpPr>
+            <p:cNvPr id="12" name="直接连接符 30">
+              <a:extLst>
+                <a:ext uri="{FF2B5EF4-FFF2-40B4-BE49-F238E27FC236}">
+                  <a16:creationId xmlns:a16="http://schemas.microsoft.com/office/drawing/2014/main" id="{C400D821-542D-4941-BD6A-B493542CA5AB}"/>
+                </a:ext>
+              </a:extLst>
+            </p:cNvPr>
+            <p:cNvCxnSpPr>
+              <a:cxnSpLocks/>
+            </p:cNvCxnSpPr>
+            <p:nvPr/>
+          </p:nvCxnSpPr>
+          <p:spPr bwMode="auto">
+            <a:xfrm>
+              <a:off x="576263" y="-26988"/>
+              <a:ext cx="0" cy="298451"/>
+            </a:xfrm>
+            <a:prstGeom prst="line">
+              <a:avLst/>
+            </a:prstGeom>
+            <a:noFill/>
+            <a:ln w="28575" algn="ctr">
+              <a:solidFill>
+                <a:schemeClr val="bg1"/>
+              </a:solidFill>
+              <a:round/>
+              <a:headEnd/>
+              <a:tailEnd/>
+            </a:ln>
+            <a:effectLst/>
+            <a:extLst>
+              <a:ext uri="{909E8E84-426E-40DD-AFC4-6F175D3DCCD1}">
+                <a14:hiddenFill xmlns:a14="http://schemas.microsoft.com/office/drawing/2010/main">
+                  <a:noFill/>
+                </a14:hiddenFill>
+              </a:ext>
+            </a:extLst>
+          </p:spPr>
+        </p:cxnSp>
+      </p:grpSp>
+      <p:sp>
+        <p:nvSpPr>
+          <p:cNvPr id="2" name="标题 1"/>
           <p:cNvSpPr>
             <a:spLocks noGrp="1"/>
           </p:cNvSpPr>
           <p:nvPr>
             <p:ph type="title"/>
+          </p:nvPr>
+        </p:nvSpPr>
+        <p:spPr>
+          <a:xfrm>
+            <a:off x="829733" y="169838"/>
+            <a:ext cx="11118683" cy="553998"/>
+          </a:xfrm>
+          <a:prstGeom prst="rect">
+            <a:avLst/>
+          </a:prstGeom>
+        </p:spPr>
+        <p:txBody>
+          <a:bodyPr vert="horz" lIns="91440" tIns="45720" rIns="91440" bIns="45720" rtlCol="0" anchor="ctr">
+            <a:normAutofit/>
+          </a:bodyPr>
+          <a:lstStyle>
+            <a:lvl1pPr algn="l">
+              <a:defRPr lang="zh-CN" altLang="en-US" sz="3000" b="1" dirty="0">
+                <a:solidFill>
+                  <a:prstClr val="white"/>
+                </a:solidFill>
+                <a:latin typeface="微软雅黑" panose="020B0503020204020204" pitchFamily="34" charset="-122"/>
+                <a:ea typeface="微软雅黑" panose="020B0503020204020204" pitchFamily="34" charset="-122"/>
+                <a:cs typeface="Arial" pitchFamily="34" charset="0"/>
+              </a:defRPr>
+            </a:lvl1pPr>
+          </a:lstStyle>
+          <a:p>
+            <a:pPr marL="0" lvl="0" algn="l" fontAlgn="base">
+              <a:spcAft>
+                <a:spcPct val="0"/>
+              </a:spcAft>
+            </a:pPr>
+            <a:r>
+              <a:rPr lang="zh-CN" altLang="en-US"/>
+              <a:t>单击此处编辑母版标题样式</a:t>
+            </a:r>
+            <a:endParaRPr lang="zh-CN" altLang="en-US" dirty="0"/>
+          </a:p>
+        </p:txBody>
+      </p:sp>
+      <p:sp>
+        <p:nvSpPr>
+          <p:cNvPr id="3" name="内容占位符 2"/>
+          <p:cNvSpPr>
+            <a:spLocks noGrp="1"/>
+          </p:cNvSpPr>
+          <p:nvPr>
+            <p:ph sz="half" idx="1"/>
+          </p:nvPr>
+        </p:nvSpPr>
+        <p:spPr>
+          <a:xfrm>
+            <a:off x="609600" y="1033440"/>
+            <a:ext cx="5384800" cy="5092724"/>
+          </a:xfrm>
+        </p:spPr>
+        <p:txBody>
+          <a:bodyPr/>
+          <a:lstStyle>
+            <a:lvl1pPr marL="342900" indent="-342900">
+              <a:buFont typeface="Wingdings" panose="05000000000000000000" pitchFamily="2" charset="2"/>
+              <a:buChar char="Ø"/>
+              <a:defRPr sz="2800"/>
+            </a:lvl1pPr>
+            <a:lvl2pPr marL="742950" indent="-285750">
+              <a:buFont typeface="Wingdings" panose="05000000000000000000" pitchFamily="2" charset="2"/>
+              <a:buChar char="n"/>
+              <a:defRPr sz="2400"/>
+            </a:lvl2pPr>
+            <a:lvl3pPr>
+              <a:defRPr sz="2000"/>
+            </a:lvl3pPr>
+            <a:lvl4pPr>
+              <a:defRPr sz="1800"/>
+            </a:lvl4pPr>
+            <a:lvl5pPr>
+              <a:defRPr sz="1800"/>
+            </a:lvl5pPr>
+            <a:lvl6pPr>
+              <a:defRPr sz="1800"/>
+            </a:lvl6pPr>
+            <a:lvl7pPr>
+              <a:defRPr sz="1800"/>
+            </a:lvl7pPr>
+            <a:lvl8pPr>
+              <a:defRPr sz="1800"/>
+            </a:lvl8pPr>
+            <a:lvl9pPr>
+              <a:defRPr sz="1800"/>
+            </a:lvl9pPr>
+          </a:lstStyle>
+          <a:p>
+            <a:pPr lvl="0"/>
+            <a:r>
+              <a:rPr lang="zh-CN" altLang="en-US"/>
+              <a:t>单击此处编辑母版文本样式</a:t>
+            </a:r>
+          </a:p>
+          <a:p>
+            <a:pPr lvl="1"/>
+            <a:r>
+              <a:rPr lang="zh-CN" altLang="en-US"/>
+              <a:t>二级</a:t>
+            </a:r>
+          </a:p>
+          <a:p>
+            <a:pPr lvl="2"/>
+            <a:r>
+              <a:rPr lang="zh-CN" altLang="en-US"/>
+              <a:t>三级</a:t>
+            </a:r>
+          </a:p>
+          <a:p>
+            <a:pPr lvl="3"/>
+            <a:r>
+              <a:rPr lang="zh-CN" altLang="en-US"/>
+              <a:t>四级</a:t>
+            </a:r>
+          </a:p>
+          <a:p>
+            <a:pPr lvl="4"/>
+            <a:r>
+              <a:rPr lang="zh-CN" altLang="en-US"/>
+              <a:t>五级</a:t>
+            </a:r>
+            <a:endParaRPr lang="zh-CN" altLang="en-US" dirty="0"/>
+          </a:p>
+        </p:txBody>
+      </p:sp>
+      <p:sp>
+        <p:nvSpPr>
+          <p:cNvPr id="4" name="内容占位符 3"/>
+          <p:cNvSpPr>
+            <a:spLocks noGrp="1"/>
+          </p:cNvSpPr>
+          <p:nvPr>
+            <p:ph sz="half" idx="2"/>
+          </p:nvPr>
+        </p:nvSpPr>
+        <p:spPr>
+          <a:xfrm>
+            <a:off x="6197600" y="1033440"/>
+            <a:ext cx="5384800" cy="5092724"/>
+          </a:xfrm>
+        </p:spPr>
+        <p:txBody>
+          <a:bodyPr/>
+          <a:lstStyle>
+            <a:lvl1pPr marL="342900" indent="-342900">
+              <a:buFont typeface="Wingdings" panose="05000000000000000000" pitchFamily="2" charset="2"/>
+              <a:buChar char="Ø"/>
+              <a:defRPr sz="2800"/>
+            </a:lvl1pPr>
+            <a:lvl2pPr marL="742950" indent="-285750">
+              <a:buFont typeface="Wingdings" panose="05000000000000000000" pitchFamily="2" charset="2"/>
+              <a:buChar char="n"/>
+              <a:defRPr sz="2400"/>
+            </a:lvl2pPr>
+            <a:lvl3pPr>
+              <a:defRPr sz="2000"/>
+            </a:lvl3pPr>
+            <a:lvl4pPr>
+              <a:defRPr sz="1800"/>
+            </a:lvl4pPr>
+            <a:lvl5pPr>
+              <a:defRPr sz="1800"/>
+            </a:lvl5pPr>
+            <a:lvl6pPr>
+              <a:defRPr sz="1800"/>
+            </a:lvl6pPr>
+            <a:lvl7pPr>
+              <a:defRPr sz="1800"/>
+            </a:lvl7pPr>
+            <a:lvl8pPr>
+              <a:defRPr sz="1800"/>
+            </a:lvl8pPr>
+            <a:lvl9pPr>
+              <a:defRPr sz="1800"/>
+            </a:lvl9pPr>
+          </a:lstStyle>
+          <a:p>
+            <a:pPr lvl="0"/>
+            <a:r>
+              <a:rPr lang="zh-CN" altLang="en-US"/>
+              <a:t>单击此处编辑母版文本样式</a:t>
+            </a:r>
+          </a:p>
+          <a:p>
+            <a:pPr lvl="1"/>
+            <a:r>
+              <a:rPr lang="zh-CN" altLang="en-US"/>
+              <a:t>二级</a:t>
+            </a:r>
+          </a:p>
+          <a:p>
+            <a:pPr lvl="2"/>
+            <a:r>
+              <a:rPr lang="zh-CN" altLang="en-US"/>
+              <a:t>三级</a:t>
+            </a:r>
+          </a:p>
+          <a:p>
+            <a:pPr lvl="3"/>
+            <a:r>
+              <a:rPr lang="zh-CN" altLang="en-US"/>
+              <a:t>四级</a:t>
+            </a:r>
+          </a:p>
+          <a:p>
+            <a:pPr lvl="4"/>
+            <a:r>
+              <a:rPr lang="zh-CN" altLang="en-US"/>
+              <a:t>五级</a:t>
+            </a:r>
+            <a:endParaRPr lang="zh-CN" altLang="en-US" dirty="0"/>
+          </a:p>
+        </p:txBody>
+      </p:sp>
+      <p:sp>
+        <p:nvSpPr>
+          <p:cNvPr id="5" name="日期占位符 4"/>
+          <p:cNvSpPr>
+            <a:spLocks noGrp="1"/>
+          </p:cNvSpPr>
+          <p:nvPr>
+            <p:ph type="dt" sz="half" idx="10"/>
           </p:nvPr>
         </p:nvSpPr>
         <p:spPr/>
@@ -1253,200 +2917,36 @@
           <a:bodyPr/>
           <a:lstStyle/>
           <a:p>
-            <a:r>
-              <a:rPr lang="zh-CN" altLang="en-US"/>
-              <a:t>单击此处编辑母版标题样式</a:t>
-            </a:r>
-          </a:p>
-        </p:txBody>
-      </p:sp>
-      <p:sp>
-        <p:nvSpPr>
-          <p:cNvPr id="3" name="内容占位符 2">
-            <a:extLst>
-              <a:ext uri="{FF2B5EF4-FFF2-40B4-BE49-F238E27FC236}">
-                <a16:creationId xmlns:a16="http://schemas.microsoft.com/office/drawing/2014/main" id="{B5B97B19-658F-4E09-881C-1BB2A104FDD6}"/>
-              </a:ext>
-            </a:extLst>
-          </p:cNvPr>
-          <p:cNvSpPr>
-            <a:spLocks noGrp="1"/>
-          </p:cNvSpPr>
-          <p:nvPr>
-            <p:ph sz="half" idx="1"/>
-          </p:nvPr>
-        </p:nvSpPr>
-        <p:spPr>
-          <a:xfrm>
-            <a:off x="838200" y="1825625"/>
-            <a:ext cx="5181600" cy="4351338"/>
-          </a:xfrm>
-        </p:spPr>
+            <a:fld id="{E4140F44-E63C-4996-8BD5-D69FF40853B5}" type="datetimeFigureOut">
+              <a:rPr lang="zh-CN" altLang="en-US" smtClean="0"/>
+              <a:t>2020/7/11</a:t>
+            </a:fld>
+            <a:endParaRPr lang="zh-CN" altLang="en-US"/>
+          </a:p>
+        </p:txBody>
+      </p:sp>
+      <p:sp>
+        <p:nvSpPr>
+          <p:cNvPr id="6" name="页脚占位符 5"/>
+          <p:cNvSpPr>
+            <a:spLocks noGrp="1"/>
+          </p:cNvSpPr>
+          <p:nvPr>
+            <p:ph type="ftr" sz="quarter" idx="11"/>
+          </p:nvPr>
+        </p:nvSpPr>
+        <p:spPr/>
         <p:txBody>
           <a:bodyPr/>
           <a:lstStyle/>
           <a:p>
-            <a:pPr lvl="0"/>
-            <a:r>
-              <a:rPr lang="zh-CN" altLang="en-US"/>
-              <a:t>单击此处编辑母版文本样式</a:t>
-            </a:r>
-          </a:p>
-          <a:p>
-            <a:pPr lvl="1"/>
-            <a:r>
-              <a:rPr lang="zh-CN" altLang="en-US"/>
-              <a:t>二级</a:t>
-            </a:r>
-          </a:p>
-          <a:p>
-            <a:pPr lvl="2"/>
-            <a:r>
-              <a:rPr lang="zh-CN" altLang="en-US"/>
-              <a:t>三级</a:t>
-            </a:r>
-          </a:p>
-          <a:p>
-            <a:pPr lvl="3"/>
-            <a:r>
-              <a:rPr lang="zh-CN" altLang="en-US"/>
-              <a:t>四级</a:t>
-            </a:r>
-          </a:p>
-          <a:p>
-            <a:pPr lvl="4"/>
-            <a:r>
-              <a:rPr lang="zh-CN" altLang="en-US"/>
-              <a:t>五级</a:t>
-            </a:r>
-          </a:p>
-        </p:txBody>
-      </p:sp>
-      <p:sp>
-        <p:nvSpPr>
-          <p:cNvPr id="4" name="内容占位符 3">
-            <a:extLst>
-              <a:ext uri="{FF2B5EF4-FFF2-40B4-BE49-F238E27FC236}">
-                <a16:creationId xmlns:a16="http://schemas.microsoft.com/office/drawing/2014/main" id="{B3343510-C001-4C7B-A6C4-1D6087B0818D}"/>
-              </a:ext>
-            </a:extLst>
-          </p:cNvPr>
-          <p:cNvSpPr>
-            <a:spLocks noGrp="1"/>
-          </p:cNvSpPr>
-          <p:nvPr>
-            <p:ph sz="half" idx="2"/>
-          </p:nvPr>
-        </p:nvSpPr>
-        <p:spPr>
-          <a:xfrm>
-            <a:off x="6172200" y="1825625"/>
-            <a:ext cx="5181600" cy="4351338"/>
-          </a:xfrm>
-        </p:spPr>
-        <p:txBody>
-          <a:bodyPr/>
-          <a:lstStyle/>
-          <a:p>
-            <a:pPr lvl="0"/>
-            <a:r>
-              <a:rPr lang="zh-CN" altLang="en-US"/>
-              <a:t>单击此处编辑母版文本样式</a:t>
-            </a:r>
-          </a:p>
-          <a:p>
-            <a:pPr lvl="1"/>
-            <a:r>
-              <a:rPr lang="zh-CN" altLang="en-US"/>
-              <a:t>二级</a:t>
-            </a:r>
-          </a:p>
-          <a:p>
-            <a:pPr lvl="2"/>
-            <a:r>
-              <a:rPr lang="zh-CN" altLang="en-US"/>
-              <a:t>三级</a:t>
-            </a:r>
-          </a:p>
-          <a:p>
-            <a:pPr lvl="3"/>
-            <a:r>
-              <a:rPr lang="zh-CN" altLang="en-US"/>
-              <a:t>四级</a:t>
-            </a:r>
-          </a:p>
-          <a:p>
-            <a:pPr lvl="4"/>
-            <a:r>
-              <a:rPr lang="zh-CN" altLang="en-US"/>
-              <a:t>五级</a:t>
-            </a:r>
-          </a:p>
-        </p:txBody>
-      </p:sp>
-      <p:sp>
-        <p:nvSpPr>
-          <p:cNvPr id="5" name="日期占位符 4">
-            <a:extLst>
-              <a:ext uri="{FF2B5EF4-FFF2-40B4-BE49-F238E27FC236}">
-                <a16:creationId xmlns:a16="http://schemas.microsoft.com/office/drawing/2014/main" id="{E954682C-85B5-49E5-B1E3-B1B9FE39FE5F}"/>
-              </a:ext>
-            </a:extLst>
-          </p:cNvPr>
-          <p:cNvSpPr>
-            <a:spLocks noGrp="1"/>
-          </p:cNvSpPr>
-          <p:nvPr>
-            <p:ph type="dt" sz="half" idx="10"/>
-          </p:nvPr>
-        </p:nvSpPr>
-        <p:spPr/>
-        <p:txBody>
-          <a:bodyPr/>
-          <a:lstStyle/>
-          <a:p>
-            <a:fld id="{E4140F44-E63C-4996-8BD5-D69FF40853B5}" type="datetimeFigureOut">
-              <a:rPr lang="zh-CN" altLang="en-US" smtClean="0"/>
-              <a:t>2020/6/20</a:t>
-            </a:fld>
             <a:endParaRPr lang="zh-CN" altLang="en-US"/>
           </a:p>
         </p:txBody>
       </p:sp>
       <p:sp>
         <p:nvSpPr>
-          <p:cNvPr id="6" name="页脚占位符 5">
-            <a:extLst>
-              <a:ext uri="{FF2B5EF4-FFF2-40B4-BE49-F238E27FC236}">
-                <a16:creationId xmlns:a16="http://schemas.microsoft.com/office/drawing/2014/main" id="{CB1BFE89-27A7-4B9C-A7D9-20475E138EBE}"/>
-              </a:ext>
-            </a:extLst>
-          </p:cNvPr>
-          <p:cNvSpPr>
-            <a:spLocks noGrp="1"/>
-          </p:cNvSpPr>
-          <p:nvPr>
-            <p:ph type="ftr" sz="quarter" idx="11"/>
-          </p:nvPr>
-        </p:nvSpPr>
-        <p:spPr/>
-        <p:txBody>
-          <a:bodyPr/>
-          <a:lstStyle/>
-          <a:p>
-            <a:endParaRPr lang="zh-CN" altLang="en-US"/>
-          </a:p>
-        </p:txBody>
-      </p:sp>
-      <p:sp>
-        <p:nvSpPr>
-          <p:cNvPr id="7" name="灯片编号占位符 6">
-            <a:extLst>
-              <a:ext uri="{FF2B5EF4-FFF2-40B4-BE49-F238E27FC236}">
-                <a16:creationId xmlns:a16="http://schemas.microsoft.com/office/drawing/2014/main" id="{C1294D3F-4674-4D6A-AFBE-2C9258D1CD13}"/>
-              </a:ext>
-            </a:extLst>
-          </p:cNvPr>
+          <p:cNvPr id="7" name="灯片编号占位符 6"/>
           <p:cNvSpPr>
             <a:spLocks noGrp="1"/>
           </p:cNvSpPr>
@@ -1470,7 +2970,7 @@
     </p:spTree>
     <p:extLst>
       <p:ext uri="{BB962C8B-B14F-4D97-AF65-F5344CB8AC3E}">
-        <p14:creationId xmlns:p14="http://schemas.microsoft.com/office/powerpoint/2010/main" val="411991202"/>
+        <p14:creationId xmlns:p14="http://schemas.microsoft.com/office/powerpoint/2010/main" val="1821528734"/>
       </p:ext>
     </p:extLst>
   </p:cSld>
@@ -1497,15 +2997,203 @@
           <a:chExt cx="0" cy="0"/>
         </a:xfrm>
       </p:grpSpPr>
-      <p:sp>
-        <p:nvSpPr>
-          <p:cNvPr id="2" name="标题 1">
+      <p:grpSp>
+        <p:nvGrpSpPr>
+          <p:cNvPr id="10" name="组合 9">
             <a:extLst>
               <a:ext uri="{FF2B5EF4-FFF2-40B4-BE49-F238E27FC236}">
-                <a16:creationId xmlns:a16="http://schemas.microsoft.com/office/drawing/2014/main" id="{2D4D4E6A-ACDC-48AF-8530-2EF0F0370F2E}"/>
+                <a16:creationId xmlns:a16="http://schemas.microsoft.com/office/drawing/2014/main" id="{0F997A75-5537-440A-81DD-40FE6869741F}"/>
               </a:ext>
             </a:extLst>
           </p:cNvPr>
+          <p:cNvGrpSpPr/>
+          <p:nvPr/>
+        </p:nvGrpSpPr>
+        <p:grpSpPr>
+          <a:xfrm>
+            <a:off x="0" y="-24"/>
+            <a:ext cx="12192000" cy="863601"/>
+            <a:chOff x="0" y="-26988"/>
+            <a:chExt cx="9144000" cy="863601"/>
+          </a:xfrm>
+        </p:grpSpPr>
+        <p:sp>
+          <p:nvSpPr>
+            <p:cNvPr id="11" name="标题 3">
+              <a:extLst>
+                <a:ext uri="{FF2B5EF4-FFF2-40B4-BE49-F238E27FC236}">
+                  <a16:creationId xmlns:a16="http://schemas.microsoft.com/office/drawing/2014/main" id="{7CE531F4-6090-42D3-A92F-67A519F6D078}"/>
+                </a:ext>
+              </a:extLst>
+            </p:cNvPr>
+            <p:cNvSpPr txBox="1">
+              <a:spLocks/>
+            </p:cNvSpPr>
+            <p:nvPr/>
+          </p:nvSpPr>
+          <p:spPr>
+            <a:xfrm>
+              <a:off x="0" y="-26988"/>
+              <a:ext cx="9144000" cy="863601"/>
+            </a:xfrm>
+            <a:prstGeom prst="rect">
+              <a:avLst/>
+            </a:prstGeom>
+            <a:solidFill>
+              <a:srgbClr val="02409A"/>
+            </a:solidFill>
+            <a:ln>
+              <a:noFill/>
+            </a:ln>
+            <a:effectLst/>
+          </p:spPr>
+          <p:txBody>
+            <a:bodyPr tIns="0" bIns="0" anchor="ctr"/>
+            <a:lstStyle/>
+            <a:p>
+              <a:pPr algn="ctr">
+                <a:spcBef>
+                  <a:spcPct val="0"/>
+                </a:spcBef>
+                <a:defRPr/>
+              </a:pPr>
+              <a:endParaRPr lang="zh-CN" altLang="en-US" sz="4800" b="1" dirty="0">
+                <a:solidFill>
+                  <a:prstClr val="white"/>
+                </a:solidFill>
+                <a:latin typeface="微软雅黑" pitchFamily="34" charset="-122"/>
+                <a:ea typeface="微软雅黑" pitchFamily="34" charset="-122"/>
+              </a:endParaRPr>
+            </a:p>
+          </p:txBody>
+        </p:sp>
+        <p:cxnSp>
+          <p:nvCxnSpPr>
+            <p:cNvPr id="12" name="直接连接符 19">
+              <a:extLst>
+                <a:ext uri="{FF2B5EF4-FFF2-40B4-BE49-F238E27FC236}">
+                  <a16:creationId xmlns:a16="http://schemas.microsoft.com/office/drawing/2014/main" id="{0C3A453E-A72A-4D5D-A50D-04D166C5F790}"/>
+                </a:ext>
+              </a:extLst>
+            </p:cNvPr>
+            <p:cNvCxnSpPr>
+              <a:cxnSpLocks/>
+            </p:cNvCxnSpPr>
+            <p:nvPr/>
+          </p:nvCxnSpPr>
+          <p:spPr bwMode="auto">
+            <a:xfrm flipH="1">
+              <a:off x="449263" y="-25400"/>
+              <a:ext cx="1587" cy="841375"/>
+            </a:xfrm>
+            <a:prstGeom prst="line">
+              <a:avLst/>
+            </a:prstGeom>
+            <a:noFill/>
+            <a:ln w="28575" algn="ctr">
+              <a:solidFill>
+                <a:schemeClr val="bg1"/>
+              </a:solidFill>
+              <a:round/>
+              <a:headEnd/>
+              <a:tailEnd/>
+            </a:ln>
+            <a:effectLst/>
+            <a:extLst>
+              <a:ext uri="{909E8E84-426E-40DD-AFC4-6F175D3DCCD1}">
+                <a14:hiddenFill xmlns:a14="http://schemas.microsoft.com/office/drawing/2010/main">
+                  <a:noFill/>
+                </a14:hiddenFill>
+              </a:ext>
+            </a:extLst>
+          </p:spPr>
+        </p:cxnSp>
+        <p:cxnSp>
+          <p:nvCxnSpPr>
+            <p:cNvPr id="13" name="直接连接符 20">
+              <a:extLst>
+                <a:ext uri="{FF2B5EF4-FFF2-40B4-BE49-F238E27FC236}">
+                  <a16:creationId xmlns:a16="http://schemas.microsoft.com/office/drawing/2014/main" id="{7AB50A70-8E93-4820-AAE5-F7D6D8ED343D}"/>
+                </a:ext>
+              </a:extLst>
+            </p:cNvPr>
+            <p:cNvCxnSpPr>
+              <a:cxnSpLocks/>
+            </p:cNvCxnSpPr>
+            <p:nvPr/>
+          </p:nvCxnSpPr>
+          <p:spPr bwMode="auto">
+            <a:xfrm flipH="1">
+              <a:off x="511175" y="-26988"/>
+              <a:ext cx="1588" cy="554038"/>
+            </a:xfrm>
+            <a:prstGeom prst="line">
+              <a:avLst/>
+            </a:prstGeom>
+            <a:noFill/>
+            <a:ln w="28575" algn="ctr">
+              <a:solidFill>
+                <a:schemeClr val="bg1"/>
+              </a:solidFill>
+              <a:round/>
+              <a:headEnd/>
+              <a:tailEnd/>
+            </a:ln>
+            <a:effectLst/>
+            <a:extLst>
+              <a:ext uri="{909E8E84-426E-40DD-AFC4-6F175D3DCCD1}">
+                <a14:hiddenFill xmlns:a14="http://schemas.microsoft.com/office/drawing/2010/main">
+                  <a:noFill/>
+                </a14:hiddenFill>
+              </a:ext>
+            </a:extLst>
+          </p:spPr>
+        </p:cxnSp>
+        <p:cxnSp>
+          <p:nvCxnSpPr>
+            <p:cNvPr id="14" name="直接连接符 30">
+              <a:extLst>
+                <a:ext uri="{FF2B5EF4-FFF2-40B4-BE49-F238E27FC236}">
+                  <a16:creationId xmlns:a16="http://schemas.microsoft.com/office/drawing/2014/main" id="{BC8A1772-E37A-4276-BC13-2F9DFCB9E34A}"/>
+                </a:ext>
+              </a:extLst>
+            </p:cNvPr>
+            <p:cNvCxnSpPr>
+              <a:cxnSpLocks/>
+            </p:cNvCxnSpPr>
+            <p:nvPr/>
+          </p:nvCxnSpPr>
+          <p:spPr bwMode="auto">
+            <a:xfrm>
+              <a:off x="576263" y="-26988"/>
+              <a:ext cx="0" cy="298451"/>
+            </a:xfrm>
+            <a:prstGeom prst="line">
+              <a:avLst/>
+            </a:prstGeom>
+            <a:noFill/>
+            <a:ln w="28575" algn="ctr">
+              <a:solidFill>
+                <a:schemeClr val="bg1"/>
+              </a:solidFill>
+              <a:round/>
+              <a:headEnd/>
+              <a:tailEnd/>
+            </a:ln>
+            <a:effectLst/>
+            <a:extLst>
+              <a:ext uri="{909E8E84-426E-40DD-AFC4-6F175D3DCCD1}">
+                <a14:hiddenFill xmlns:a14="http://schemas.microsoft.com/office/drawing/2010/main">
+                  <a:noFill/>
+                </a14:hiddenFill>
+              </a:ext>
+            </a:extLst>
+          </p:spPr>
+        </p:cxnSp>
+      </p:grpSp>
+      <p:sp>
+        <p:nvSpPr>
+          <p:cNvPr id="2" name="标题 1"/>
           <p:cNvSpPr>
             <a:spLocks noGrp="1"/>
           </p:cNvSpPr>
@@ -1515,30 +3203,46 @@
         </p:nvSpPr>
         <p:spPr>
           <a:xfrm>
-            <a:off x="839788" y="365125"/>
-            <a:ext cx="10515600" cy="1325563"/>
+            <a:off x="829733" y="169838"/>
+            <a:ext cx="11118683" cy="561999"/>
           </a:xfrm>
+          <a:prstGeom prst="rect">
+            <a:avLst/>
+          </a:prstGeom>
         </p:spPr>
         <p:txBody>
-          <a:bodyPr/>
-          <a:lstStyle/>
-          <a:p>
+          <a:bodyPr vert="horz" lIns="91440" tIns="45720" rIns="91440" bIns="45720" rtlCol="0" anchor="ctr">
+            <a:normAutofit/>
+          </a:bodyPr>
+          <a:lstStyle>
+            <a:lvl1pPr algn="l">
+              <a:defRPr lang="zh-CN" altLang="en-US" sz="3000" b="1" dirty="0">
+                <a:solidFill>
+                  <a:prstClr val="white"/>
+                </a:solidFill>
+                <a:latin typeface="微软雅黑" panose="020B0503020204020204" pitchFamily="34" charset="-122"/>
+                <a:ea typeface="微软雅黑" panose="020B0503020204020204" pitchFamily="34" charset="-122"/>
+                <a:cs typeface="Arial" pitchFamily="34" charset="0"/>
+              </a:defRPr>
+            </a:lvl1pPr>
+          </a:lstStyle>
+          <a:p>
+            <a:pPr marL="0" lvl="0" algn="l" fontAlgn="base">
+              <a:spcAft>
+                <a:spcPct val="0"/>
+              </a:spcAft>
+            </a:pPr>
             <a:r>
               <a:rPr lang="zh-CN" altLang="en-US"/>
               <a:t>单击此处编辑母版标题样式</a:t>
             </a:r>
-          </a:p>
-        </p:txBody>
-      </p:sp>
-      <p:sp>
-        <p:nvSpPr>
-          <p:cNvPr id="3" name="文本占位符 2">
-            <a:extLst>
-              <a:ext uri="{FF2B5EF4-FFF2-40B4-BE49-F238E27FC236}">
-                <a16:creationId xmlns:a16="http://schemas.microsoft.com/office/drawing/2014/main" id="{3079C152-0DCD-469D-9EDA-46F7BAA22D53}"/>
-              </a:ext>
-            </a:extLst>
-          </p:cNvPr>
+            <a:endParaRPr lang="zh-CN" altLang="en-US" dirty="0"/>
+          </a:p>
+        </p:txBody>
+      </p:sp>
+      <p:sp>
+        <p:nvSpPr>
+          <p:cNvPr id="3" name="文本占位符 2"/>
           <p:cNvSpPr>
             <a:spLocks noGrp="1"/>
           </p:cNvSpPr>
@@ -1548,8 +3252,8 @@
         </p:nvSpPr>
         <p:spPr>
           <a:xfrm>
-            <a:off x="839788" y="1681163"/>
-            <a:ext cx="5157787" cy="823912"/>
+            <a:off x="609600" y="1033439"/>
+            <a:ext cx="5386917" cy="639762"/>
           </a:xfrm>
         </p:spPr>
         <p:txBody>
@@ -1603,13 +3307,7 @@
       </p:sp>
       <p:sp>
         <p:nvSpPr>
-          <p:cNvPr id="4" name="内容占位符 3">
-            <a:extLst>
-              <a:ext uri="{FF2B5EF4-FFF2-40B4-BE49-F238E27FC236}">
-                <a16:creationId xmlns:a16="http://schemas.microsoft.com/office/drawing/2014/main" id="{AA65EC54-AF64-4385-AE3C-E05949EDD6BC}"/>
-              </a:ext>
-            </a:extLst>
-          </p:cNvPr>
+          <p:cNvPr id="4" name="内容占位符 3"/>
           <p:cNvSpPr>
             <a:spLocks noGrp="1"/>
           </p:cNvSpPr>
@@ -1619,13 +3317,45 @@
         </p:nvSpPr>
         <p:spPr>
           <a:xfrm>
-            <a:off x="839788" y="2505075"/>
-            <a:ext cx="5157787" cy="3684588"/>
+            <a:off x="609600" y="1673201"/>
+            <a:ext cx="5386917" cy="4452962"/>
           </a:xfrm>
         </p:spPr>
         <p:txBody>
           <a:bodyPr/>
-          <a:lstStyle/>
+          <a:lstStyle>
+            <a:lvl1pPr marL="342900" indent="-342900">
+              <a:buFont typeface="Wingdings" panose="05000000000000000000" pitchFamily="2" charset="2"/>
+              <a:buChar char="Ø"/>
+              <a:defRPr sz="2400"/>
+            </a:lvl1pPr>
+            <a:lvl2pPr marL="742950" indent="-285750">
+              <a:buFont typeface="Wingdings" panose="05000000000000000000" pitchFamily="2" charset="2"/>
+              <a:buChar char="n"/>
+              <a:defRPr sz="2000"/>
+            </a:lvl2pPr>
+            <a:lvl3pPr>
+              <a:defRPr sz="1800"/>
+            </a:lvl3pPr>
+            <a:lvl4pPr>
+              <a:defRPr sz="1600"/>
+            </a:lvl4pPr>
+            <a:lvl5pPr>
+              <a:defRPr sz="1600"/>
+            </a:lvl5pPr>
+            <a:lvl6pPr>
+              <a:defRPr sz="1600"/>
+            </a:lvl6pPr>
+            <a:lvl7pPr>
+              <a:defRPr sz="1600"/>
+            </a:lvl7pPr>
+            <a:lvl8pPr>
+              <a:defRPr sz="1600"/>
+            </a:lvl8pPr>
+            <a:lvl9pPr>
+              <a:defRPr sz="1600"/>
+            </a:lvl9pPr>
+          </a:lstStyle>
           <a:p>
             <a:pPr lvl="0"/>
             <a:r>
@@ -1660,18 +3390,13 @@
               <a:rPr lang="zh-CN" altLang="en-US"/>
               <a:t>五级</a:t>
             </a:r>
-          </a:p>
-        </p:txBody>
-      </p:sp>
-      <p:sp>
-        <p:nvSpPr>
-          <p:cNvPr id="5" name="文本占位符 4">
-            <a:extLst>
-              <a:ext uri="{FF2B5EF4-FFF2-40B4-BE49-F238E27FC236}">
-                <a16:creationId xmlns:a16="http://schemas.microsoft.com/office/drawing/2014/main" id="{2C8CE26A-DF3F-4B3F-82E2-918622CEFC15}"/>
-              </a:ext>
-            </a:extLst>
-          </p:cNvPr>
+            <a:endParaRPr lang="zh-CN" altLang="en-US" dirty="0"/>
+          </a:p>
+        </p:txBody>
+      </p:sp>
+      <p:sp>
+        <p:nvSpPr>
+          <p:cNvPr id="5" name="文本占位符 4"/>
           <p:cNvSpPr>
             <a:spLocks noGrp="1"/>
           </p:cNvSpPr>
@@ -1681,8 +3406,8 @@
         </p:nvSpPr>
         <p:spPr>
           <a:xfrm>
-            <a:off x="6172200" y="1681163"/>
-            <a:ext cx="5183188" cy="823912"/>
+            <a:off x="6193368" y="1033439"/>
+            <a:ext cx="5389033" cy="639762"/>
           </a:xfrm>
         </p:spPr>
         <p:txBody>
@@ -1736,13 +3461,7 @@
       </p:sp>
       <p:sp>
         <p:nvSpPr>
-          <p:cNvPr id="6" name="内容占位符 5">
-            <a:extLst>
-              <a:ext uri="{FF2B5EF4-FFF2-40B4-BE49-F238E27FC236}">
-                <a16:creationId xmlns:a16="http://schemas.microsoft.com/office/drawing/2014/main" id="{FA940085-9AA5-4485-AB98-96331D5569B1}"/>
-              </a:ext>
-            </a:extLst>
-          </p:cNvPr>
+          <p:cNvPr id="6" name="内容占位符 5"/>
           <p:cNvSpPr>
             <a:spLocks noGrp="1"/>
           </p:cNvSpPr>
@@ -1752,13 +3471,45 @@
         </p:nvSpPr>
         <p:spPr>
           <a:xfrm>
-            <a:off x="6172200" y="2505075"/>
-            <a:ext cx="5183188" cy="3684588"/>
+            <a:off x="6193368" y="1673201"/>
+            <a:ext cx="5389033" cy="4452962"/>
           </a:xfrm>
         </p:spPr>
         <p:txBody>
           <a:bodyPr/>
-          <a:lstStyle/>
+          <a:lstStyle>
+            <a:lvl1pPr marL="342900" indent="-342900">
+              <a:buFont typeface="Wingdings" panose="05000000000000000000" pitchFamily="2" charset="2"/>
+              <a:buChar char="Ø"/>
+              <a:defRPr sz="2400"/>
+            </a:lvl1pPr>
+            <a:lvl2pPr marL="742950" indent="-285750">
+              <a:buFont typeface="Wingdings" panose="05000000000000000000" pitchFamily="2" charset="2"/>
+              <a:buChar char="n"/>
+              <a:defRPr sz="2000"/>
+            </a:lvl2pPr>
+            <a:lvl3pPr>
+              <a:defRPr sz="1800"/>
+            </a:lvl3pPr>
+            <a:lvl4pPr>
+              <a:defRPr sz="1600"/>
+            </a:lvl4pPr>
+            <a:lvl5pPr>
+              <a:defRPr sz="1600"/>
+            </a:lvl5pPr>
+            <a:lvl6pPr>
+              <a:defRPr sz="1600"/>
+            </a:lvl6pPr>
+            <a:lvl7pPr>
+              <a:defRPr sz="1600"/>
+            </a:lvl7pPr>
+            <a:lvl8pPr>
+              <a:defRPr sz="1600"/>
+            </a:lvl8pPr>
+            <a:lvl9pPr>
+              <a:defRPr sz="1600"/>
+            </a:lvl9pPr>
+          </a:lstStyle>
           <a:p>
             <a:pPr lvl="0"/>
             <a:r>
@@ -1793,18 +3544,13 @@
               <a:rPr lang="zh-CN" altLang="en-US"/>
               <a:t>五级</a:t>
             </a:r>
-          </a:p>
-        </p:txBody>
-      </p:sp>
-      <p:sp>
-        <p:nvSpPr>
-          <p:cNvPr id="7" name="日期占位符 6">
-            <a:extLst>
-              <a:ext uri="{FF2B5EF4-FFF2-40B4-BE49-F238E27FC236}">
-                <a16:creationId xmlns:a16="http://schemas.microsoft.com/office/drawing/2014/main" id="{BCBD8921-A219-411B-AC96-A4B8336B9ED4}"/>
-              </a:ext>
-            </a:extLst>
-          </p:cNvPr>
+            <a:endParaRPr lang="zh-CN" altLang="en-US" dirty="0"/>
+          </a:p>
+        </p:txBody>
+      </p:sp>
+      <p:sp>
+        <p:nvSpPr>
+          <p:cNvPr id="7" name="日期占位符 6"/>
           <p:cNvSpPr>
             <a:spLocks noGrp="1"/>
           </p:cNvSpPr>
@@ -1819,7 +3565,7 @@
           <a:p>
             <a:fld id="{E4140F44-E63C-4996-8BD5-D69FF40853B5}" type="datetimeFigureOut">
               <a:rPr lang="zh-CN" altLang="en-US" smtClean="0"/>
-              <a:t>2020/6/20</a:t>
+              <a:t>2020/7/11</a:t>
             </a:fld>
             <a:endParaRPr lang="zh-CN" altLang="en-US"/>
           </a:p>
@@ -1827,13 +3573,7 @@
       </p:sp>
       <p:sp>
         <p:nvSpPr>
-          <p:cNvPr id="8" name="页脚占位符 7">
-            <a:extLst>
-              <a:ext uri="{FF2B5EF4-FFF2-40B4-BE49-F238E27FC236}">
-                <a16:creationId xmlns:a16="http://schemas.microsoft.com/office/drawing/2014/main" id="{8EE16FC2-207B-4D71-BFAA-48E238599951}"/>
-              </a:ext>
-            </a:extLst>
-          </p:cNvPr>
+          <p:cNvPr id="8" name="页脚占位符 7"/>
           <p:cNvSpPr>
             <a:spLocks noGrp="1"/>
           </p:cNvSpPr>
@@ -1852,13 +3592,7 @@
       </p:sp>
       <p:sp>
         <p:nvSpPr>
-          <p:cNvPr id="9" name="灯片编号占位符 8">
-            <a:extLst>
-              <a:ext uri="{FF2B5EF4-FFF2-40B4-BE49-F238E27FC236}">
-                <a16:creationId xmlns:a16="http://schemas.microsoft.com/office/drawing/2014/main" id="{D6808F07-0FFB-4F43-BCFC-26866E93610F}"/>
-              </a:ext>
-            </a:extLst>
-          </p:cNvPr>
+          <p:cNvPr id="9" name="灯片编号占位符 8"/>
           <p:cNvSpPr>
             <a:spLocks noGrp="1"/>
           </p:cNvSpPr>
@@ -1882,7 +3616,7 @@
     </p:spTree>
     <p:extLst>
       <p:ext uri="{BB962C8B-B14F-4D97-AF65-F5344CB8AC3E}">
-        <p14:creationId xmlns:p14="http://schemas.microsoft.com/office/powerpoint/2010/main" val="780383641"/>
+        <p14:creationId xmlns:p14="http://schemas.microsoft.com/office/powerpoint/2010/main" val="3888259430"/>
       </p:ext>
     </p:extLst>
   </p:cSld>
@@ -1909,20 +3643,257 @@
           <a:chExt cx="0" cy="0"/>
         </a:xfrm>
       </p:grpSpPr>
-      <p:sp>
-        <p:nvSpPr>
-          <p:cNvPr id="2" name="标题 1">
+      <p:grpSp>
+        <p:nvGrpSpPr>
+          <p:cNvPr id="6" name="组合 5">
             <a:extLst>
               <a:ext uri="{FF2B5EF4-FFF2-40B4-BE49-F238E27FC236}">
-                <a16:creationId xmlns:a16="http://schemas.microsoft.com/office/drawing/2014/main" id="{D89184E6-15CF-4950-AFBC-042A3CA900AA}"/>
+                <a16:creationId xmlns:a16="http://schemas.microsoft.com/office/drawing/2014/main" id="{A12912D2-0DF4-4AFD-987D-E4A4BE79C44B}"/>
               </a:ext>
             </a:extLst>
           </p:cNvPr>
+          <p:cNvGrpSpPr/>
+          <p:nvPr/>
+        </p:nvGrpSpPr>
+        <p:grpSpPr>
+          <a:xfrm>
+            <a:off x="0" y="-24"/>
+            <a:ext cx="12192000" cy="863601"/>
+            <a:chOff x="0" y="-26988"/>
+            <a:chExt cx="9144000" cy="863601"/>
+          </a:xfrm>
+        </p:grpSpPr>
+        <p:sp>
+          <p:nvSpPr>
+            <p:cNvPr id="7" name="标题 3">
+              <a:extLst>
+                <a:ext uri="{FF2B5EF4-FFF2-40B4-BE49-F238E27FC236}">
+                  <a16:creationId xmlns:a16="http://schemas.microsoft.com/office/drawing/2014/main" id="{EE11A992-40E0-4E14-AC49-D270EDB90950}"/>
+                </a:ext>
+              </a:extLst>
+            </p:cNvPr>
+            <p:cNvSpPr txBox="1">
+              <a:spLocks/>
+            </p:cNvSpPr>
+            <p:nvPr/>
+          </p:nvSpPr>
+          <p:spPr>
+            <a:xfrm>
+              <a:off x="0" y="-26988"/>
+              <a:ext cx="9144000" cy="863601"/>
+            </a:xfrm>
+            <a:prstGeom prst="rect">
+              <a:avLst/>
+            </a:prstGeom>
+            <a:solidFill>
+              <a:srgbClr val="02409A"/>
+            </a:solidFill>
+            <a:ln>
+              <a:noFill/>
+            </a:ln>
+            <a:effectLst/>
+          </p:spPr>
+          <p:txBody>
+            <a:bodyPr tIns="0" bIns="0" anchor="ctr"/>
+            <a:lstStyle/>
+            <a:p>
+              <a:pPr algn="ctr">
+                <a:spcBef>
+                  <a:spcPct val="0"/>
+                </a:spcBef>
+                <a:defRPr/>
+              </a:pPr>
+              <a:endParaRPr lang="zh-CN" altLang="en-US" sz="4800" b="1" dirty="0">
+                <a:solidFill>
+                  <a:prstClr val="white"/>
+                </a:solidFill>
+                <a:latin typeface="微软雅黑" pitchFamily="34" charset="-122"/>
+                <a:ea typeface="微软雅黑" pitchFamily="34" charset="-122"/>
+              </a:endParaRPr>
+            </a:p>
+          </p:txBody>
+        </p:sp>
+        <p:cxnSp>
+          <p:nvCxnSpPr>
+            <p:cNvPr id="8" name="直接连接符 19">
+              <a:extLst>
+                <a:ext uri="{FF2B5EF4-FFF2-40B4-BE49-F238E27FC236}">
+                  <a16:creationId xmlns:a16="http://schemas.microsoft.com/office/drawing/2014/main" id="{5DFC2A33-AB71-4FEB-8310-CC5635A08721}"/>
+                </a:ext>
+              </a:extLst>
+            </p:cNvPr>
+            <p:cNvCxnSpPr>
+              <a:cxnSpLocks/>
+            </p:cNvCxnSpPr>
+            <p:nvPr/>
+          </p:nvCxnSpPr>
+          <p:spPr bwMode="auto">
+            <a:xfrm flipH="1">
+              <a:off x="449263" y="-25400"/>
+              <a:ext cx="1587" cy="841375"/>
+            </a:xfrm>
+            <a:prstGeom prst="line">
+              <a:avLst/>
+            </a:prstGeom>
+            <a:noFill/>
+            <a:ln w="28575" algn="ctr">
+              <a:solidFill>
+                <a:schemeClr val="bg1"/>
+              </a:solidFill>
+              <a:round/>
+              <a:headEnd/>
+              <a:tailEnd/>
+            </a:ln>
+            <a:effectLst/>
+            <a:extLst>
+              <a:ext uri="{909E8E84-426E-40DD-AFC4-6F175D3DCCD1}">
+                <a14:hiddenFill xmlns:a14="http://schemas.microsoft.com/office/drawing/2010/main">
+                  <a:noFill/>
+                </a14:hiddenFill>
+              </a:ext>
+            </a:extLst>
+          </p:spPr>
+        </p:cxnSp>
+        <p:cxnSp>
+          <p:nvCxnSpPr>
+            <p:cNvPr id="9" name="直接连接符 20">
+              <a:extLst>
+                <a:ext uri="{FF2B5EF4-FFF2-40B4-BE49-F238E27FC236}">
+                  <a16:creationId xmlns:a16="http://schemas.microsoft.com/office/drawing/2014/main" id="{7EDE707B-1815-4F6E-AE62-356B0843661F}"/>
+                </a:ext>
+              </a:extLst>
+            </p:cNvPr>
+            <p:cNvCxnSpPr>
+              <a:cxnSpLocks/>
+            </p:cNvCxnSpPr>
+            <p:nvPr/>
+          </p:nvCxnSpPr>
+          <p:spPr bwMode="auto">
+            <a:xfrm flipH="1">
+              <a:off x="511175" y="-26988"/>
+              <a:ext cx="1588" cy="554038"/>
+            </a:xfrm>
+            <a:prstGeom prst="line">
+              <a:avLst/>
+            </a:prstGeom>
+            <a:noFill/>
+            <a:ln w="28575" algn="ctr">
+              <a:solidFill>
+                <a:schemeClr val="bg1"/>
+              </a:solidFill>
+              <a:round/>
+              <a:headEnd/>
+              <a:tailEnd/>
+            </a:ln>
+            <a:effectLst/>
+            <a:extLst>
+              <a:ext uri="{909E8E84-426E-40DD-AFC4-6F175D3DCCD1}">
+                <a14:hiddenFill xmlns:a14="http://schemas.microsoft.com/office/drawing/2010/main">
+                  <a:noFill/>
+                </a14:hiddenFill>
+              </a:ext>
+            </a:extLst>
+          </p:spPr>
+        </p:cxnSp>
+        <p:cxnSp>
+          <p:nvCxnSpPr>
+            <p:cNvPr id="10" name="直接连接符 30">
+              <a:extLst>
+                <a:ext uri="{FF2B5EF4-FFF2-40B4-BE49-F238E27FC236}">
+                  <a16:creationId xmlns:a16="http://schemas.microsoft.com/office/drawing/2014/main" id="{503B0CE3-D7D8-4814-9D62-C1B54623C0E5}"/>
+                </a:ext>
+              </a:extLst>
+            </p:cNvPr>
+            <p:cNvCxnSpPr>
+              <a:cxnSpLocks/>
+            </p:cNvCxnSpPr>
+            <p:nvPr/>
+          </p:nvCxnSpPr>
+          <p:spPr bwMode="auto">
+            <a:xfrm>
+              <a:off x="576263" y="-26988"/>
+              <a:ext cx="0" cy="298451"/>
+            </a:xfrm>
+            <a:prstGeom prst="line">
+              <a:avLst/>
+            </a:prstGeom>
+            <a:noFill/>
+            <a:ln w="28575" algn="ctr">
+              <a:solidFill>
+                <a:schemeClr val="bg1"/>
+              </a:solidFill>
+              <a:round/>
+              <a:headEnd/>
+              <a:tailEnd/>
+            </a:ln>
+            <a:effectLst/>
+            <a:extLst>
+              <a:ext uri="{909E8E84-426E-40DD-AFC4-6F175D3DCCD1}">
+                <a14:hiddenFill xmlns:a14="http://schemas.microsoft.com/office/drawing/2010/main">
+                  <a:noFill/>
+                </a14:hiddenFill>
+              </a:ext>
+            </a:extLst>
+          </p:spPr>
+        </p:cxnSp>
+      </p:grpSp>
+      <p:sp>
+        <p:nvSpPr>
+          <p:cNvPr id="2" name="标题 1"/>
           <p:cNvSpPr>
             <a:spLocks noGrp="1"/>
           </p:cNvSpPr>
           <p:nvPr>
             <p:ph type="title"/>
+          </p:nvPr>
+        </p:nvSpPr>
+        <p:spPr>
+          <a:xfrm>
+            <a:off x="829733" y="169838"/>
+            <a:ext cx="11118683" cy="561999"/>
+          </a:xfrm>
+          <a:prstGeom prst="rect">
+            <a:avLst/>
+          </a:prstGeom>
+        </p:spPr>
+        <p:txBody>
+          <a:bodyPr vert="horz" lIns="91440" tIns="45720" rIns="91440" bIns="45720" rtlCol="0" anchor="ctr">
+            <a:normAutofit/>
+          </a:bodyPr>
+          <a:lstStyle>
+            <a:lvl1pPr algn="l">
+              <a:defRPr lang="zh-CN" altLang="en-US" sz="3000" b="1" dirty="0">
+                <a:solidFill>
+                  <a:prstClr val="white"/>
+                </a:solidFill>
+                <a:latin typeface="微软雅黑" panose="020B0503020204020204" pitchFamily="34" charset="-122"/>
+                <a:ea typeface="微软雅黑" panose="020B0503020204020204" pitchFamily="34" charset="-122"/>
+                <a:cs typeface="Arial" pitchFamily="34" charset="0"/>
+              </a:defRPr>
+            </a:lvl1pPr>
+          </a:lstStyle>
+          <a:p>
+            <a:pPr marL="0" lvl="0" algn="l" fontAlgn="base">
+              <a:spcAft>
+                <a:spcPct val="0"/>
+              </a:spcAft>
+            </a:pPr>
+            <a:r>
+              <a:rPr lang="zh-CN" altLang="en-US"/>
+              <a:t>单击此处编辑母版标题样式</a:t>
+            </a:r>
+            <a:endParaRPr lang="zh-CN" altLang="en-US" dirty="0"/>
+          </a:p>
+        </p:txBody>
+      </p:sp>
+      <p:sp>
+        <p:nvSpPr>
+          <p:cNvPr id="3" name="日期占位符 2"/>
+          <p:cNvSpPr>
+            <a:spLocks noGrp="1"/>
+          </p:cNvSpPr>
+          <p:nvPr>
+            <p:ph type="dt" sz="half" idx="10"/>
           </p:nvPr>
         </p:nvSpPr>
         <p:spPr/>
@@ -1930,27 +3901,22 @@
           <a:bodyPr/>
           <a:lstStyle/>
           <a:p>
-            <a:r>
-              <a:rPr lang="zh-CN" altLang="en-US"/>
-              <a:t>单击此处编辑母版标题样式</a:t>
-            </a:r>
-          </a:p>
-        </p:txBody>
-      </p:sp>
-      <p:sp>
-        <p:nvSpPr>
-          <p:cNvPr id="3" name="日期占位符 2">
-            <a:extLst>
-              <a:ext uri="{FF2B5EF4-FFF2-40B4-BE49-F238E27FC236}">
-                <a16:creationId xmlns:a16="http://schemas.microsoft.com/office/drawing/2014/main" id="{A59BD7C9-DB6E-44B5-A6C9-454B33463C5B}"/>
-              </a:ext>
-            </a:extLst>
-          </p:cNvPr>
-          <p:cNvSpPr>
-            <a:spLocks noGrp="1"/>
-          </p:cNvSpPr>
-          <p:nvPr>
-            <p:ph type="dt" sz="half" idx="10"/>
+            <a:fld id="{E4140F44-E63C-4996-8BD5-D69FF40853B5}" type="datetimeFigureOut">
+              <a:rPr lang="zh-CN" altLang="en-US" smtClean="0"/>
+              <a:t>2020/7/11</a:t>
+            </a:fld>
+            <a:endParaRPr lang="zh-CN" altLang="en-US"/>
+          </a:p>
+        </p:txBody>
+      </p:sp>
+      <p:sp>
+        <p:nvSpPr>
+          <p:cNvPr id="4" name="页脚占位符 3"/>
+          <p:cNvSpPr>
+            <a:spLocks noGrp="1"/>
+          </p:cNvSpPr>
+          <p:nvPr>
+            <p:ph type="ftr" sz="quarter" idx="11"/>
           </p:nvPr>
         </p:nvSpPr>
         <p:spPr/>
@@ -1958,48 +3924,13 @@
           <a:bodyPr/>
           <a:lstStyle/>
           <a:p>
-            <a:fld id="{E4140F44-E63C-4996-8BD5-D69FF40853B5}" type="datetimeFigureOut">
-              <a:rPr lang="zh-CN" altLang="en-US" smtClean="0"/>
-              <a:t>2020/6/20</a:t>
-            </a:fld>
             <a:endParaRPr lang="zh-CN" altLang="en-US"/>
           </a:p>
         </p:txBody>
       </p:sp>
       <p:sp>
         <p:nvSpPr>
-          <p:cNvPr id="4" name="页脚占位符 3">
-            <a:extLst>
-              <a:ext uri="{FF2B5EF4-FFF2-40B4-BE49-F238E27FC236}">
-                <a16:creationId xmlns:a16="http://schemas.microsoft.com/office/drawing/2014/main" id="{A4734A28-7107-4030-9980-38C558694977}"/>
-              </a:ext>
-            </a:extLst>
-          </p:cNvPr>
-          <p:cNvSpPr>
-            <a:spLocks noGrp="1"/>
-          </p:cNvSpPr>
-          <p:nvPr>
-            <p:ph type="ftr" sz="quarter" idx="11"/>
-          </p:nvPr>
-        </p:nvSpPr>
-        <p:spPr/>
-        <p:txBody>
-          <a:bodyPr/>
-          <a:lstStyle/>
-          <a:p>
-            <a:endParaRPr lang="zh-CN" altLang="en-US"/>
-          </a:p>
-        </p:txBody>
-      </p:sp>
-      <p:sp>
-        <p:nvSpPr>
-          <p:cNvPr id="5" name="灯片编号占位符 4">
-            <a:extLst>
-              <a:ext uri="{FF2B5EF4-FFF2-40B4-BE49-F238E27FC236}">
-                <a16:creationId xmlns:a16="http://schemas.microsoft.com/office/drawing/2014/main" id="{A9DB4FA5-9F5F-4BCA-BC03-177EE5C18F07}"/>
-              </a:ext>
-            </a:extLst>
-          </p:cNvPr>
+          <p:cNvPr id="5" name="灯片编号占位符 4"/>
           <p:cNvSpPr>
             <a:spLocks noGrp="1"/>
           </p:cNvSpPr>
@@ -2023,7 +3954,7 @@
     </p:spTree>
     <p:extLst>
       <p:ext uri="{BB962C8B-B14F-4D97-AF65-F5344CB8AC3E}">
-        <p14:creationId xmlns:p14="http://schemas.microsoft.com/office/powerpoint/2010/main" val="4106418812"/>
+        <p14:creationId xmlns:p14="http://schemas.microsoft.com/office/powerpoint/2010/main" val="3617670204"/>
       </p:ext>
     </p:extLst>
   </p:cSld>
@@ -2052,13 +3983,7 @@
       </p:grpSpPr>
       <p:sp>
         <p:nvSpPr>
-          <p:cNvPr id="2" name="日期占位符 1">
-            <a:extLst>
-              <a:ext uri="{FF2B5EF4-FFF2-40B4-BE49-F238E27FC236}">
-                <a16:creationId xmlns:a16="http://schemas.microsoft.com/office/drawing/2014/main" id="{61D40FA9-1C43-4AD3-800E-5C4CF536E29A}"/>
-              </a:ext>
-            </a:extLst>
-          </p:cNvPr>
+          <p:cNvPr id="2" name="日期占位符 1"/>
           <p:cNvSpPr>
             <a:spLocks noGrp="1"/>
           </p:cNvSpPr>
@@ -2073,7 +3998,7 @@
           <a:p>
             <a:fld id="{E4140F44-E63C-4996-8BD5-D69FF40853B5}" type="datetimeFigureOut">
               <a:rPr lang="zh-CN" altLang="en-US" smtClean="0"/>
-              <a:t>2020/6/20</a:t>
+              <a:t>2020/7/11</a:t>
             </a:fld>
             <a:endParaRPr lang="zh-CN" altLang="en-US"/>
           </a:p>
@@ -2081,13 +4006,7 @@
       </p:sp>
       <p:sp>
         <p:nvSpPr>
-          <p:cNvPr id="3" name="页脚占位符 2">
-            <a:extLst>
-              <a:ext uri="{FF2B5EF4-FFF2-40B4-BE49-F238E27FC236}">
-                <a16:creationId xmlns:a16="http://schemas.microsoft.com/office/drawing/2014/main" id="{B08D35D4-1159-4CA2-BC3A-98E4B0F56C3F}"/>
-              </a:ext>
-            </a:extLst>
-          </p:cNvPr>
+          <p:cNvPr id="3" name="页脚占位符 2"/>
           <p:cNvSpPr>
             <a:spLocks noGrp="1"/>
           </p:cNvSpPr>
@@ -2106,13 +4025,7 @@
       </p:sp>
       <p:sp>
         <p:nvSpPr>
-          <p:cNvPr id="4" name="灯片编号占位符 3">
-            <a:extLst>
-              <a:ext uri="{FF2B5EF4-FFF2-40B4-BE49-F238E27FC236}">
-                <a16:creationId xmlns:a16="http://schemas.microsoft.com/office/drawing/2014/main" id="{4021027F-C79F-410C-87B8-2DF1DAB6E7E5}"/>
-              </a:ext>
-            </a:extLst>
-          </p:cNvPr>
+          <p:cNvPr id="4" name="灯片编号占位符 3"/>
           <p:cNvSpPr>
             <a:spLocks noGrp="1"/>
           </p:cNvSpPr>
@@ -2136,7 +4049,7 @@
     </p:spTree>
     <p:extLst>
       <p:ext uri="{BB962C8B-B14F-4D97-AF65-F5344CB8AC3E}">
-        <p14:creationId xmlns:p14="http://schemas.microsoft.com/office/powerpoint/2010/main" val="3424534827"/>
+        <p14:creationId xmlns:p14="http://schemas.microsoft.com/office/powerpoint/2010/main" val="1858106125"/>
       </p:ext>
     </p:extLst>
   </p:cSld>
@@ -2147,6 +4060,443 @@
 </file>
 
 <file path=ppt/slideLayouts/slideLayout8.xml><?xml version="1.0" encoding="utf-8"?>
+<p:sldLayout xmlns:a="http://schemas.openxmlformats.org/drawingml/2006/main" xmlns:r="http://schemas.openxmlformats.org/officeDocument/2006/relationships" xmlns:p="http://schemas.openxmlformats.org/presentationml/2006/main" preserve="1">
+  <p:cSld name="致谢">
+    <p:spTree>
+      <p:nvGrpSpPr>
+        <p:cNvPr id="1" name=""/>
+        <p:cNvGrpSpPr/>
+        <p:nvPr/>
+      </p:nvGrpSpPr>
+      <p:grpSpPr>
+        <a:xfrm>
+          <a:off x="0" y="0"/>
+          <a:ext cx="0" cy="0"/>
+          <a:chOff x="0" y="0"/>
+          <a:chExt cx="0" cy="0"/>
+        </a:xfrm>
+      </p:grpSpPr>
+      <p:sp>
+        <p:nvSpPr>
+          <p:cNvPr id="3" name="日期占位符 2">
+            <a:extLst>
+              <a:ext uri="{FF2B5EF4-FFF2-40B4-BE49-F238E27FC236}">
+                <a16:creationId xmlns:a16="http://schemas.microsoft.com/office/drawing/2014/main" id="{4FB062C8-8753-4729-A2AC-00E51378E261}"/>
+              </a:ext>
+            </a:extLst>
+          </p:cNvPr>
+          <p:cNvSpPr>
+            <a:spLocks noGrp="1"/>
+          </p:cNvSpPr>
+          <p:nvPr>
+            <p:ph type="dt" sz="half" idx="10"/>
+          </p:nvPr>
+        </p:nvSpPr>
+        <p:spPr/>
+        <p:txBody>
+          <a:bodyPr/>
+          <a:lstStyle/>
+          <a:p>
+            <a:fld id="{E4140F44-E63C-4996-8BD5-D69FF40853B5}" type="datetimeFigureOut">
+              <a:rPr lang="zh-CN" altLang="en-US" smtClean="0"/>
+              <a:t>2020/7/11</a:t>
+            </a:fld>
+            <a:endParaRPr lang="zh-CN" altLang="en-US"/>
+          </a:p>
+        </p:txBody>
+      </p:sp>
+      <p:sp>
+        <p:nvSpPr>
+          <p:cNvPr id="4" name="页脚占位符 3">
+            <a:extLst>
+              <a:ext uri="{FF2B5EF4-FFF2-40B4-BE49-F238E27FC236}">
+                <a16:creationId xmlns:a16="http://schemas.microsoft.com/office/drawing/2014/main" id="{FB0B1FA3-89C5-42E1-BC99-5A18B6AA9534}"/>
+              </a:ext>
+            </a:extLst>
+          </p:cNvPr>
+          <p:cNvSpPr>
+            <a:spLocks noGrp="1"/>
+          </p:cNvSpPr>
+          <p:nvPr>
+            <p:ph type="ftr" sz="quarter" idx="11"/>
+          </p:nvPr>
+        </p:nvSpPr>
+        <p:spPr/>
+        <p:txBody>
+          <a:bodyPr/>
+          <a:lstStyle/>
+          <a:p>
+            <a:endParaRPr lang="zh-CN" altLang="en-US"/>
+          </a:p>
+        </p:txBody>
+      </p:sp>
+      <p:sp>
+        <p:nvSpPr>
+          <p:cNvPr id="5" name="灯片编号占位符 4">
+            <a:extLst>
+              <a:ext uri="{FF2B5EF4-FFF2-40B4-BE49-F238E27FC236}">
+                <a16:creationId xmlns:a16="http://schemas.microsoft.com/office/drawing/2014/main" id="{6372A1CF-E4C3-4C1D-9AA9-A3422C5D4CA1}"/>
+              </a:ext>
+            </a:extLst>
+          </p:cNvPr>
+          <p:cNvSpPr>
+            <a:spLocks noGrp="1"/>
+          </p:cNvSpPr>
+          <p:nvPr>
+            <p:ph type="sldNum" sz="quarter" idx="12"/>
+          </p:nvPr>
+        </p:nvSpPr>
+        <p:spPr/>
+        <p:txBody>
+          <a:bodyPr/>
+          <a:lstStyle/>
+          <a:p>
+            <a:fld id="{663165EE-DD66-4923-B28B-FD2CB543D439}" type="slidenum">
+              <a:rPr lang="zh-CN" altLang="en-US" smtClean="0"/>
+              <a:t>‹#›</a:t>
+            </a:fld>
+            <a:endParaRPr lang="zh-CN" altLang="en-US"/>
+          </a:p>
+        </p:txBody>
+      </p:sp>
+      <p:sp>
+        <p:nvSpPr>
+          <p:cNvPr id="6" name="标题 3">
+            <a:extLst>
+              <a:ext uri="{FF2B5EF4-FFF2-40B4-BE49-F238E27FC236}">
+                <a16:creationId xmlns:a16="http://schemas.microsoft.com/office/drawing/2014/main" id="{FC290AC1-FD36-4F3C-A293-1435AA3E4C39}"/>
+              </a:ext>
+            </a:extLst>
+          </p:cNvPr>
+          <p:cNvSpPr txBox="1">
+            <a:spLocks/>
+          </p:cNvSpPr>
+          <p:nvPr/>
+        </p:nvSpPr>
+        <p:spPr>
+          <a:xfrm>
+            <a:off x="0" y="2277691"/>
+            <a:ext cx="12192000" cy="1943844"/>
+          </a:xfrm>
+          <a:prstGeom prst="rect">
+            <a:avLst/>
+          </a:prstGeom>
+          <a:solidFill>
+            <a:srgbClr val="02409A"/>
+          </a:solidFill>
+          <a:ln>
+            <a:noFill/>
+          </a:ln>
+          <a:effectLst>
+            <a:outerShdw blurRad="44450" dist="27940" dir="5400000" algn="ctr">
+              <a:srgbClr val="000000">
+                <a:alpha val="32000"/>
+              </a:srgbClr>
+            </a:outerShdw>
+          </a:effectLst>
+        </p:spPr>
+        <p:txBody>
+          <a:bodyPr tIns="0" bIns="0" anchor="ctr"/>
+          <a:lstStyle/>
+          <a:p>
+            <a:pPr algn="ctr">
+              <a:spcBef>
+                <a:spcPct val="0"/>
+              </a:spcBef>
+              <a:defRPr/>
+            </a:pPr>
+            <a:endParaRPr lang="zh-CN" altLang="en-US" sz="4800" b="1" dirty="0">
+              <a:solidFill>
+                <a:prstClr val="white"/>
+              </a:solidFill>
+              <a:latin typeface="微软雅黑" pitchFamily="34" charset="-122"/>
+              <a:ea typeface="微软雅黑" pitchFamily="34" charset="-122"/>
+            </a:endParaRPr>
+          </a:p>
+        </p:txBody>
+      </p:sp>
+      <p:sp>
+        <p:nvSpPr>
+          <p:cNvPr id="7" name="TextBox 4">
+            <a:extLst>
+              <a:ext uri="{FF2B5EF4-FFF2-40B4-BE49-F238E27FC236}">
+                <a16:creationId xmlns:a16="http://schemas.microsoft.com/office/drawing/2014/main" id="{C8842466-337A-4916-8970-BB531A1FEC01}"/>
+              </a:ext>
+            </a:extLst>
+          </p:cNvPr>
+          <p:cNvSpPr txBox="1"/>
+          <p:nvPr/>
+        </p:nvSpPr>
+        <p:spPr>
+          <a:xfrm>
+            <a:off x="1524000" y="2464783"/>
+            <a:ext cx="9144000" cy="1569660"/>
+          </a:xfrm>
+          <a:prstGeom prst="rect">
+            <a:avLst/>
+          </a:prstGeom>
+          <a:noFill/>
+        </p:spPr>
+        <p:txBody>
+          <a:bodyPr wrap="square">
+            <a:spAutoFit/>
+          </a:bodyPr>
+          <a:lstStyle/>
+          <a:p>
+            <a:pPr algn="ctr">
+              <a:defRPr/>
+            </a:pPr>
+            <a:r>
+              <a:rPr lang="zh-CN" altLang="en-US" sz="4800" b="1" dirty="0">
+                <a:solidFill>
+                  <a:prstClr val="white"/>
+                </a:solidFill>
+                <a:effectLst>
+                  <a:outerShdw blurRad="38100" dist="38100" dir="2700000" algn="tl">
+                    <a:srgbClr val="000000">
+                      <a:alpha val="43137"/>
+                    </a:srgbClr>
+                  </a:outerShdw>
+                </a:effectLst>
+                <a:latin typeface="微软雅黑" panose="020B0503020204020204" pitchFamily="34" charset="-122"/>
+                <a:ea typeface="微软雅黑" panose="020B0503020204020204" pitchFamily="34" charset="-122"/>
+              </a:rPr>
+              <a:t>  感谢各位老师和同学！</a:t>
+            </a:r>
+          </a:p>
+          <a:p>
+            <a:pPr algn="ctr">
+              <a:defRPr/>
+            </a:pPr>
+            <a:r>
+              <a:rPr lang="zh-CN" altLang="en-US" sz="4800" b="1" dirty="0">
+                <a:solidFill>
+                  <a:prstClr val="white"/>
+                </a:solidFill>
+                <a:effectLst>
+                  <a:outerShdw blurRad="38100" dist="38100" dir="2700000" algn="tl">
+                    <a:srgbClr val="000000">
+                      <a:alpha val="43137"/>
+                    </a:srgbClr>
+                  </a:outerShdw>
+                </a:effectLst>
+                <a:latin typeface="微软雅黑" panose="020B0503020204020204" pitchFamily="34" charset="-122"/>
+                <a:ea typeface="微软雅黑" panose="020B0503020204020204" pitchFamily="34" charset="-122"/>
+              </a:rPr>
+              <a:t>  请大家提出宝贵意见！</a:t>
+            </a:r>
+          </a:p>
+        </p:txBody>
+      </p:sp>
+      <p:pic>
+        <p:nvPicPr>
+          <p:cNvPr id="8" name="Picture 5">
+            <a:extLst>
+              <a:ext uri="{FF2B5EF4-FFF2-40B4-BE49-F238E27FC236}">
+                <a16:creationId xmlns:a16="http://schemas.microsoft.com/office/drawing/2014/main" id="{E45B8ADE-1A65-4AC9-9F73-9F3D7441831A}"/>
+              </a:ext>
+            </a:extLst>
+          </p:cNvPr>
+          <p:cNvPicPr>
+            <a:picLocks noChangeAspect="1" noChangeArrowheads="1"/>
+          </p:cNvPicPr>
+          <p:nvPr/>
+        </p:nvPicPr>
+        <p:blipFill>
+          <a:blip r:embed="rId2" cstate="print">
+            <a:extLst>
+              <a:ext uri="{28A0092B-C50C-407E-A947-70E740481C1C}">
+                <a14:useLocalDpi xmlns:a14="http://schemas.microsoft.com/office/drawing/2010/main" val="0"/>
+              </a:ext>
+            </a:extLst>
+          </a:blip>
+          <a:srcRect/>
+          <a:stretch>
+            <a:fillRect/>
+          </a:stretch>
+        </p:blipFill>
+        <p:spPr bwMode="auto">
+          <a:xfrm>
+            <a:off x="180306" y="355983"/>
+            <a:ext cx="2303462" cy="766762"/>
+          </a:xfrm>
+          <a:prstGeom prst="rect">
+            <a:avLst/>
+          </a:prstGeom>
+          <a:noFill/>
+          <a:ln>
+            <a:noFill/>
+          </a:ln>
+          <a:extLst>
+            <a:ext uri="{909E8E84-426E-40DD-AFC4-6F175D3DCCD1}">
+              <a14:hiddenFill xmlns:a14="http://schemas.microsoft.com/office/drawing/2010/main">
+                <a:solidFill>
+                  <a:srgbClr val="FFFFFF"/>
+                </a:solidFill>
+              </a14:hiddenFill>
+            </a:ext>
+            <a:ext uri="{91240B29-F687-4F45-9708-019B960494DF}">
+              <a14:hiddenLine xmlns:a14="http://schemas.microsoft.com/office/drawing/2010/main" w="9525">
+                <a:solidFill>
+                  <a:srgbClr val="000000"/>
+                </a:solidFill>
+                <a:miter lim="800000"/>
+                <a:headEnd/>
+                <a:tailEnd/>
+              </a14:hiddenLine>
+            </a:ext>
+          </a:extLst>
+        </p:spPr>
+      </p:pic>
+    </p:spTree>
+    <p:extLst>
+      <p:ext uri="{BB962C8B-B14F-4D97-AF65-F5344CB8AC3E}">
+        <p14:creationId xmlns:p14="http://schemas.microsoft.com/office/powerpoint/2010/main" val="571722713"/>
+      </p:ext>
+    </p:extLst>
+  </p:cSld>
+  <p:clrMapOvr>
+    <a:masterClrMapping/>
+  </p:clrMapOvr>
+  <p:timing>
+    <p:tnLst>
+      <p:par>
+        <p:cTn id="1" dur="indefinite" restart="never" nodeType="tmRoot">
+          <p:childTnLst>
+            <p:seq concurrent="1" nextAc="seek">
+              <p:cTn id="2" dur="indefinite" nodeType="mainSeq">
+                <p:childTnLst>
+                  <p:par>
+                    <p:cTn id="3" fill="hold">
+                      <p:stCondLst>
+                        <p:cond delay="indefinite"/>
+                        <p:cond evt="onBegin" delay="0">
+                          <p:tn val="2"/>
+                        </p:cond>
+                      </p:stCondLst>
+                      <p:childTnLst>
+                        <p:par>
+                          <p:cTn id="4" fill="hold">
+                            <p:stCondLst>
+                              <p:cond delay="0"/>
+                            </p:stCondLst>
+                            <p:childTnLst>
+                              <p:par>
+                                <p:cTn id="5" presetID="53" presetClass="entr" presetSubtype="16" fill="hold" grpId="0" nodeType="withEffect">
+                                  <p:stCondLst>
+                                    <p:cond delay="0"/>
+                                  </p:stCondLst>
+                                  <p:childTnLst>
+                                    <p:set>
+                                      <p:cBhvr>
+                                        <p:cTn id="6" dur="1" fill="hold">
+                                          <p:stCondLst>
+                                            <p:cond delay="0"/>
+                                          </p:stCondLst>
+                                        </p:cTn>
+                                        <p:tgtEl>
+                                          <p:spTgt spid="7"/>
+                                        </p:tgtEl>
+                                        <p:attrNameLst>
+                                          <p:attrName>style.visibility</p:attrName>
+                                        </p:attrNameLst>
+                                      </p:cBhvr>
+                                      <p:to>
+                                        <p:strVal val="visible"/>
+                                      </p:to>
+                                    </p:set>
+                                    <p:anim calcmode="lin" valueType="num">
+                                      <p:cBhvr>
+                                        <p:cTn id="7" dur="500" fill="hold"/>
+                                        <p:tgtEl>
+                                          <p:spTgt spid="7"/>
+                                        </p:tgtEl>
+                                        <p:attrNameLst>
+                                          <p:attrName>ppt_w</p:attrName>
+                                        </p:attrNameLst>
+                                      </p:cBhvr>
+                                      <p:tavLst>
+                                        <p:tav tm="0">
+                                          <p:val>
+                                            <p:fltVal val="0"/>
+                                          </p:val>
+                                        </p:tav>
+                                        <p:tav tm="100000">
+                                          <p:val>
+                                            <p:strVal val="#ppt_w"/>
+                                          </p:val>
+                                        </p:tav>
+                                      </p:tavLst>
+                                    </p:anim>
+                                    <p:anim calcmode="lin" valueType="num">
+                                      <p:cBhvr>
+                                        <p:cTn id="8" dur="500" fill="hold"/>
+                                        <p:tgtEl>
+                                          <p:spTgt spid="7"/>
+                                        </p:tgtEl>
+                                        <p:attrNameLst>
+                                          <p:attrName>ppt_h</p:attrName>
+                                        </p:attrNameLst>
+                                      </p:cBhvr>
+                                      <p:tavLst>
+                                        <p:tav tm="0">
+                                          <p:val>
+                                            <p:fltVal val="0"/>
+                                          </p:val>
+                                        </p:tav>
+                                        <p:tav tm="100000">
+                                          <p:val>
+                                            <p:strVal val="#ppt_h"/>
+                                          </p:val>
+                                        </p:tav>
+                                      </p:tavLst>
+                                    </p:anim>
+                                    <p:animEffect transition="in" filter="fade">
+                                      <p:cBhvr>
+                                        <p:cTn id="9" dur="500"/>
+                                        <p:tgtEl>
+                                          <p:spTgt spid="7"/>
+                                        </p:tgtEl>
+                                      </p:cBhvr>
+                                    </p:animEffect>
+                                  </p:childTnLst>
+                                </p:cTn>
+                              </p:par>
+                            </p:childTnLst>
+                          </p:cTn>
+                        </p:par>
+                      </p:childTnLst>
+                    </p:cTn>
+                  </p:par>
+                </p:childTnLst>
+              </p:cTn>
+              <p:prevCondLst>
+                <p:cond evt="onPrev" delay="0">
+                  <p:tgtEl>
+                    <p:sldTgt/>
+                  </p:tgtEl>
+                </p:cond>
+              </p:prevCondLst>
+              <p:nextCondLst>
+                <p:cond evt="onNext" delay="0">
+                  <p:tgtEl>
+                    <p:sldTgt/>
+                  </p:tgtEl>
+                </p:cond>
+              </p:nextCondLst>
+            </p:seq>
+          </p:childTnLst>
+        </p:cTn>
+      </p:par>
+    </p:tnLst>
+    <p:bldLst>
+      <p:bldP spid="7" grpId="0"/>
+    </p:bldLst>
+  </p:timing>
+</p:sldLayout>
+</file>
+
+<file path=ppt/slideLayouts/slideLayout9.xml><?xml version="1.0" encoding="utf-8"?>
 <p:sldLayout xmlns:a="http://schemas.openxmlformats.org/drawingml/2006/main" xmlns:r="http://schemas.openxmlformats.org/officeDocument/2006/relationships" xmlns:p="http://schemas.openxmlformats.org/presentationml/2006/main" type="objTx" preserve="1">
   <p:cSld name="内容与标题">
     <p:spTree>
@@ -2163,15 +4513,203 @@
           <a:chExt cx="0" cy="0"/>
         </a:xfrm>
       </p:grpSpPr>
-      <p:sp>
-        <p:nvSpPr>
-          <p:cNvPr id="2" name="标题 1">
+      <p:grpSp>
+        <p:nvGrpSpPr>
+          <p:cNvPr id="8" name="组合 7">
             <a:extLst>
               <a:ext uri="{FF2B5EF4-FFF2-40B4-BE49-F238E27FC236}">
-                <a16:creationId xmlns:a16="http://schemas.microsoft.com/office/drawing/2014/main" id="{DE87D2B9-AABE-4811-AAE9-E349C86B2492}"/>
+                <a16:creationId xmlns:a16="http://schemas.microsoft.com/office/drawing/2014/main" id="{3239D7E3-952F-4DFC-A6A0-4C11CFBB9ECC}"/>
               </a:ext>
             </a:extLst>
           </p:cNvPr>
+          <p:cNvGrpSpPr/>
+          <p:nvPr/>
+        </p:nvGrpSpPr>
+        <p:grpSpPr>
+          <a:xfrm>
+            <a:off x="0" y="-24"/>
+            <a:ext cx="4766733" cy="6237336"/>
+            <a:chOff x="0" y="-26988"/>
+            <a:chExt cx="3575050" cy="6237336"/>
+          </a:xfrm>
+        </p:grpSpPr>
+        <p:sp>
+          <p:nvSpPr>
+            <p:cNvPr id="9" name="标题 3">
+              <a:extLst>
+                <a:ext uri="{FF2B5EF4-FFF2-40B4-BE49-F238E27FC236}">
+                  <a16:creationId xmlns:a16="http://schemas.microsoft.com/office/drawing/2014/main" id="{7ED03D04-5254-4133-8E60-869A42A49C69}"/>
+                </a:ext>
+              </a:extLst>
+            </p:cNvPr>
+            <p:cNvSpPr txBox="1">
+              <a:spLocks/>
+            </p:cNvSpPr>
+            <p:nvPr/>
+          </p:nvSpPr>
+          <p:spPr>
+            <a:xfrm>
+              <a:off x="0" y="-26988"/>
+              <a:ext cx="3575050" cy="6237336"/>
+            </a:xfrm>
+            <a:prstGeom prst="rect">
+              <a:avLst/>
+            </a:prstGeom>
+            <a:solidFill>
+              <a:srgbClr val="02409A"/>
+            </a:solidFill>
+            <a:ln>
+              <a:noFill/>
+            </a:ln>
+            <a:effectLst/>
+          </p:spPr>
+          <p:txBody>
+            <a:bodyPr tIns="0" bIns="0" anchor="ctr"/>
+            <a:lstStyle/>
+            <a:p>
+              <a:pPr algn="ctr">
+                <a:spcBef>
+                  <a:spcPct val="0"/>
+                </a:spcBef>
+                <a:defRPr/>
+              </a:pPr>
+              <a:endParaRPr lang="zh-CN" altLang="en-US" sz="4800" b="1" dirty="0">
+                <a:solidFill>
+                  <a:prstClr val="white"/>
+                </a:solidFill>
+                <a:latin typeface="微软雅黑" pitchFamily="34" charset="-122"/>
+                <a:ea typeface="微软雅黑" pitchFamily="34" charset="-122"/>
+              </a:endParaRPr>
+            </a:p>
+          </p:txBody>
+        </p:sp>
+        <p:cxnSp>
+          <p:nvCxnSpPr>
+            <p:cNvPr id="10" name="直接连接符 19">
+              <a:extLst>
+                <a:ext uri="{FF2B5EF4-FFF2-40B4-BE49-F238E27FC236}">
+                  <a16:creationId xmlns:a16="http://schemas.microsoft.com/office/drawing/2014/main" id="{2B907581-060F-4C52-B91A-13D97D4B12D2}"/>
+                </a:ext>
+              </a:extLst>
+            </p:cNvPr>
+            <p:cNvCxnSpPr>
+              <a:cxnSpLocks/>
+            </p:cNvCxnSpPr>
+            <p:nvPr/>
+          </p:nvCxnSpPr>
+          <p:spPr bwMode="auto">
+            <a:xfrm flipH="1">
+              <a:off x="449263" y="-25400"/>
+              <a:ext cx="1587" cy="841375"/>
+            </a:xfrm>
+            <a:prstGeom prst="line">
+              <a:avLst/>
+            </a:prstGeom>
+            <a:noFill/>
+            <a:ln w="28575" algn="ctr">
+              <a:solidFill>
+                <a:schemeClr val="bg1"/>
+              </a:solidFill>
+              <a:round/>
+              <a:headEnd/>
+              <a:tailEnd/>
+            </a:ln>
+            <a:effectLst/>
+            <a:extLst>
+              <a:ext uri="{909E8E84-426E-40DD-AFC4-6F175D3DCCD1}">
+                <a14:hiddenFill xmlns:a14="http://schemas.microsoft.com/office/drawing/2010/main">
+                  <a:noFill/>
+                </a14:hiddenFill>
+              </a:ext>
+            </a:extLst>
+          </p:spPr>
+        </p:cxnSp>
+        <p:cxnSp>
+          <p:nvCxnSpPr>
+            <p:cNvPr id="11" name="直接连接符 20">
+              <a:extLst>
+                <a:ext uri="{FF2B5EF4-FFF2-40B4-BE49-F238E27FC236}">
+                  <a16:creationId xmlns:a16="http://schemas.microsoft.com/office/drawing/2014/main" id="{F1C2E4E4-0EDE-4C0B-8343-2920F8B43D74}"/>
+                </a:ext>
+              </a:extLst>
+            </p:cNvPr>
+            <p:cNvCxnSpPr>
+              <a:cxnSpLocks/>
+            </p:cNvCxnSpPr>
+            <p:nvPr/>
+          </p:nvCxnSpPr>
+          <p:spPr bwMode="auto">
+            <a:xfrm flipH="1">
+              <a:off x="511175" y="-26988"/>
+              <a:ext cx="1588" cy="554038"/>
+            </a:xfrm>
+            <a:prstGeom prst="line">
+              <a:avLst/>
+            </a:prstGeom>
+            <a:noFill/>
+            <a:ln w="28575" algn="ctr">
+              <a:solidFill>
+                <a:schemeClr val="bg1"/>
+              </a:solidFill>
+              <a:round/>
+              <a:headEnd/>
+              <a:tailEnd/>
+            </a:ln>
+            <a:effectLst/>
+            <a:extLst>
+              <a:ext uri="{909E8E84-426E-40DD-AFC4-6F175D3DCCD1}">
+                <a14:hiddenFill xmlns:a14="http://schemas.microsoft.com/office/drawing/2010/main">
+                  <a:noFill/>
+                </a14:hiddenFill>
+              </a:ext>
+            </a:extLst>
+          </p:spPr>
+        </p:cxnSp>
+        <p:cxnSp>
+          <p:nvCxnSpPr>
+            <p:cNvPr id="12" name="直接连接符 30">
+              <a:extLst>
+                <a:ext uri="{FF2B5EF4-FFF2-40B4-BE49-F238E27FC236}">
+                  <a16:creationId xmlns:a16="http://schemas.microsoft.com/office/drawing/2014/main" id="{6BFC0A1C-1BD8-4541-8818-56E847A9B65F}"/>
+                </a:ext>
+              </a:extLst>
+            </p:cNvPr>
+            <p:cNvCxnSpPr>
+              <a:cxnSpLocks/>
+            </p:cNvCxnSpPr>
+            <p:nvPr/>
+          </p:nvCxnSpPr>
+          <p:spPr bwMode="auto">
+            <a:xfrm>
+              <a:off x="576263" y="-26988"/>
+              <a:ext cx="0" cy="298451"/>
+            </a:xfrm>
+            <a:prstGeom prst="line">
+              <a:avLst/>
+            </a:prstGeom>
+            <a:noFill/>
+            <a:ln w="28575" algn="ctr">
+              <a:solidFill>
+                <a:schemeClr val="bg1"/>
+              </a:solidFill>
+              <a:round/>
+              <a:headEnd/>
+              <a:tailEnd/>
+            </a:ln>
+            <a:effectLst/>
+            <a:extLst>
+              <a:ext uri="{909E8E84-426E-40DD-AFC4-6F175D3DCCD1}">
+                <a14:hiddenFill xmlns:a14="http://schemas.microsoft.com/office/drawing/2010/main">
+                  <a:noFill/>
+                </a14:hiddenFill>
+              </a:ext>
+            </a:extLst>
+          </p:spPr>
+        </p:cxnSp>
+      </p:grpSp>
+      <p:sp>
+        <p:nvSpPr>
+          <p:cNvPr id="2" name="标题 1"/>
           <p:cNvSpPr>
             <a:spLocks noGrp="1"/>
           </p:cNvSpPr>
@@ -2181,54 +4719,62 @@
         </p:nvSpPr>
         <p:spPr>
           <a:xfrm>
-            <a:off x="839788" y="457200"/>
-            <a:ext cx="3932237" cy="1600200"/>
+            <a:off x="609601" y="273050"/>
+            <a:ext cx="4011084" cy="1162050"/>
+          </a:xfrm>
+          <a:prstGeom prst="rect">
+            <a:avLst/>
+          </a:prstGeom>
+        </p:spPr>
+        <p:txBody>
+          <a:bodyPr anchor="b"/>
+          <a:lstStyle>
+            <a:lvl1pPr algn="l">
+              <a:defRPr sz="2000" b="1">
+                <a:solidFill>
+                  <a:schemeClr val="bg1"/>
+                </a:solidFill>
+                <a:latin typeface="微软雅黑" panose="020B0503020204020204" pitchFamily="34" charset="-122"/>
+                <a:ea typeface="微软雅黑" panose="020B0503020204020204" pitchFamily="34" charset="-122"/>
+              </a:defRPr>
+            </a:lvl1pPr>
+          </a:lstStyle>
+          <a:p>
+            <a:r>
+              <a:rPr lang="zh-CN" altLang="en-US"/>
+              <a:t>单击此处编辑母版标题样式</a:t>
+            </a:r>
+            <a:endParaRPr lang="zh-CN" altLang="en-US" dirty="0"/>
+          </a:p>
+        </p:txBody>
+      </p:sp>
+      <p:sp>
+        <p:nvSpPr>
+          <p:cNvPr id="3" name="内容占位符 2"/>
+          <p:cNvSpPr>
+            <a:spLocks noGrp="1"/>
+          </p:cNvSpPr>
+          <p:nvPr>
+            <p:ph idx="1"/>
+          </p:nvPr>
+        </p:nvSpPr>
+        <p:spPr>
+          <a:xfrm>
+            <a:off x="4766733" y="273051"/>
+            <a:ext cx="6815667" cy="5853113"/>
           </a:xfrm>
         </p:spPr>
         <p:txBody>
-          <a:bodyPr anchor="b"/>
+          <a:bodyPr/>
           <a:lstStyle>
-            <a:lvl1pPr>
+            <a:lvl1pPr marL="342900" indent="-342900">
+              <a:buFont typeface="Wingdings" panose="05000000000000000000" pitchFamily="2" charset="2"/>
+              <a:buChar char="Ø"/>
               <a:defRPr sz="3200"/>
             </a:lvl1pPr>
-          </a:lstStyle>
-          <a:p>
-            <a:r>
-              <a:rPr lang="zh-CN" altLang="en-US"/>
-              <a:t>单击此处编辑母版标题样式</a:t>
-            </a:r>
-          </a:p>
-        </p:txBody>
-      </p:sp>
-      <p:sp>
-        <p:nvSpPr>
-          <p:cNvPr id="3" name="内容占位符 2">
-            <a:extLst>
-              <a:ext uri="{FF2B5EF4-FFF2-40B4-BE49-F238E27FC236}">
-                <a16:creationId xmlns:a16="http://schemas.microsoft.com/office/drawing/2014/main" id="{2B38DF8A-FF8F-4086-9E34-5A7D4BF28EB1}"/>
-              </a:ext>
-            </a:extLst>
-          </p:cNvPr>
-          <p:cNvSpPr>
-            <a:spLocks noGrp="1"/>
-          </p:cNvSpPr>
-          <p:nvPr>
-            <p:ph idx="1"/>
-          </p:nvPr>
-        </p:nvSpPr>
-        <p:spPr>
-          <a:xfrm>
-            <a:off x="5183188" y="987425"/>
-            <a:ext cx="6172200" cy="4873625"/>
-          </a:xfrm>
-        </p:spPr>
-        <p:txBody>
-          <a:bodyPr/>
-          <a:lstStyle>
-            <a:lvl1pPr>
-              <a:defRPr sz="3200"/>
-            </a:lvl1pPr>
-            <a:lvl2pPr>
+            <a:lvl2pPr marL="742950" indent="-285750">
+              <a:buFont typeface="Wingdings" panose="05000000000000000000" pitchFamily="2" charset="2"/>
+              <a:buChar char="n"/>
               <a:defRPr sz="2800"/>
             </a:lvl2pPr>
             <a:lvl3pPr>
@@ -2287,18 +4833,13 @@
               <a:rPr lang="zh-CN" altLang="en-US"/>
               <a:t>五级</a:t>
             </a:r>
-          </a:p>
-        </p:txBody>
-      </p:sp>
-      <p:sp>
-        <p:nvSpPr>
-          <p:cNvPr id="4" name="文本占位符 3">
-            <a:extLst>
-              <a:ext uri="{FF2B5EF4-FFF2-40B4-BE49-F238E27FC236}">
-                <a16:creationId xmlns:a16="http://schemas.microsoft.com/office/drawing/2014/main" id="{2E8C57DC-A3D5-4F51-BC8F-367E26D461AB}"/>
-              </a:ext>
-            </a:extLst>
-          </p:cNvPr>
+            <a:endParaRPr lang="zh-CN" altLang="en-US" dirty="0"/>
+          </a:p>
+        </p:txBody>
+      </p:sp>
+      <p:sp>
+        <p:nvSpPr>
+          <p:cNvPr id="4" name="文本占位符 3"/>
           <p:cNvSpPr>
             <a:spLocks noGrp="1"/>
           </p:cNvSpPr>
@@ -2308,8 +4849,8 @@
         </p:nvSpPr>
         <p:spPr>
           <a:xfrm>
-            <a:off x="839788" y="2057400"/>
-            <a:ext cx="3932237" cy="3811588"/>
+            <a:off x="609601" y="1435101"/>
+            <a:ext cx="4011084" cy="4691063"/>
           </a:xfrm>
         </p:spPr>
         <p:txBody>
@@ -2317,39 +4858,43 @@
           <a:lstStyle>
             <a:lvl1pPr marL="0" indent="0">
               <a:buNone/>
-              <a:defRPr sz="1600"/>
+              <a:defRPr sz="1400">
+                <a:solidFill>
+                  <a:schemeClr val="bg1"/>
+                </a:solidFill>
+              </a:defRPr>
             </a:lvl1pPr>
             <a:lvl2pPr marL="457200" indent="0">
               <a:buNone/>
-              <a:defRPr sz="1400"/>
+              <a:defRPr sz="1200"/>
             </a:lvl2pPr>
             <a:lvl3pPr marL="914400" indent="0">
               <a:buNone/>
-              <a:defRPr sz="1200"/>
+              <a:defRPr sz="1000"/>
             </a:lvl3pPr>
             <a:lvl4pPr marL="1371600" indent="0">
               <a:buNone/>
-              <a:defRPr sz="1000"/>
+              <a:defRPr sz="900"/>
             </a:lvl4pPr>
             <a:lvl5pPr marL="1828800" indent="0">
               <a:buNone/>
-              <a:defRPr sz="1000"/>
+              <a:defRPr sz="900"/>
             </a:lvl5pPr>
             <a:lvl6pPr marL="2286000" indent="0">
               <a:buNone/>
-              <a:defRPr sz="1000"/>
+              <a:defRPr sz="900"/>
             </a:lvl6pPr>
             <a:lvl7pPr marL="2743200" indent="0">
               <a:buNone/>
-              <a:defRPr sz="1000"/>
+              <a:defRPr sz="900"/>
             </a:lvl7pPr>
             <a:lvl8pPr marL="3200400" indent="0">
               <a:buNone/>
-              <a:defRPr sz="1000"/>
+              <a:defRPr sz="900"/>
             </a:lvl8pPr>
             <a:lvl9pPr marL="3657600" indent="0">
               <a:buNone/>
-              <a:defRPr sz="1000"/>
+              <a:defRPr sz="900"/>
             </a:lvl9pPr>
           </a:lstStyle>
           <a:p>
@@ -2363,13 +4908,7 @@
       </p:sp>
       <p:sp>
         <p:nvSpPr>
-          <p:cNvPr id="5" name="日期占位符 4">
-            <a:extLst>
-              <a:ext uri="{FF2B5EF4-FFF2-40B4-BE49-F238E27FC236}">
-                <a16:creationId xmlns:a16="http://schemas.microsoft.com/office/drawing/2014/main" id="{DCE3FCD2-1025-4F98-9037-0791AA3F0D18}"/>
-              </a:ext>
-            </a:extLst>
-          </p:cNvPr>
+          <p:cNvPr id="5" name="日期占位符 4"/>
           <p:cNvSpPr>
             <a:spLocks noGrp="1"/>
           </p:cNvSpPr>
@@ -2384,7 +4923,7 @@
           <a:p>
             <a:fld id="{E4140F44-E63C-4996-8BD5-D69FF40853B5}" type="datetimeFigureOut">
               <a:rPr lang="zh-CN" altLang="en-US" smtClean="0"/>
-              <a:t>2020/6/20</a:t>
+              <a:t>2020/7/11</a:t>
             </a:fld>
             <a:endParaRPr lang="zh-CN" altLang="en-US"/>
           </a:p>
@@ -2392,13 +4931,7 @@
       </p:sp>
       <p:sp>
         <p:nvSpPr>
-          <p:cNvPr id="6" name="页脚占位符 5">
-            <a:extLst>
-              <a:ext uri="{FF2B5EF4-FFF2-40B4-BE49-F238E27FC236}">
-                <a16:creationId xmlns:a16="http://schemas.microsoft.com/office/drawing/2014/main" id="{F2DC5172-CC05-4514-B7BE-0F5024806390}"/>
-              </a:ext>
-            </a:extLst>
-          </p:cNvPr>
+          <p:cNvPr id="6" name="页脚占位符 5"/>
           <p:cNvSpPr>
             <a:spLocks noGrp="1"/>
           </p:cNvSpPr>
@@ -2417,13 +4950,7 @@
       </p:sp>
       <p:sp>
         <p:nvSpPr>
-          <p:cNvPr id="7" name="灯片编号占位符 6">
-            <a:extLst>
-              <a:ext uri="{FF2B5EF4-FFF2-40B4-BE49-F238E27FC236}">
-                <a16:creationId xmlns:a16="http://schemas.microsoft.com/office/drawing/2014/main" id="{3A0355C5-A2D9-4A63-84D3-7C98A9759338}"/>
-              </a:ext>
-            </a:extLst>
-          </p:cNvPr>
+          <p:cNvPr id="7" name="灯片编号占位符 6"/>
           <p:cNvSpPr>
             <a:spLocks noGrp="1"/>
           </p:cNvSpPr>
@@ -2447,295 +4974,7 @@
     </p:spTree>
     <p:extLst>
       <p:ext uri="{BB962C8B-B14F-4D97-AF65-F5344CB8AC3E}">
-        <p14:creationId xmlns:p14="http://schemas.microsoft.com/office/powerpoint/2010/main" val="3399784969"/>
-      </p:ext>
-    </p:extLst>
-  </p:cSld>
-  <p:clrMapOvr>
-    <a:masterClrMapping/>
-  </p:clrMapOvr>
-</p:sldLayout>
-</file>
-
-<file path=ppt/slideLayouts/slideLayout9.xml><?xml version="1.0" encoding="utf-8"?>
-<p:sldLayout xmlns:a="http://schemas.openxmlformats.org/drawingml/2006/main" xmlns:r="http://schemas.openxmlformats.org/officeDocument/2006/relationships" xmlns:p="http://schemas.openxmlformats.org/presentationml/2006/main" type="picTx" preserve="1">
-  <p:cSld name="图片与标题">
-    <p:spTree>
-      <p:nvGrpSpPr>
-        <p:cNvPr id="1" name=""/>
-        <p:cNvGrpSpPr/>
-        <p:nvPr/>
-      </p:nvGrpSpPr>
-      <p:grpSpPr>
-        <a:xfrm>
-          <a:off x="0" y="0"/>
-          <a:ext cx="0" cy="0"/>
-          <a:chOff x="0" y="0"/>
-          <a:chExt cx="0" cy="0"/>
-        </a:xfrm>
-      </p:grpSpPr>
-      <p:sp>
-        <p:nvSpPr>
-          <p:cNvPr id="2" name="标题 1">
-            <a:extLst>
-              <a:ext uri="{FF2B5EF4-FFF2-40B4-BE49-F238E27FC236}">
-                <a16:creationId xmlns:a16="http://schemas.microsoft.com/office/drawing/2014/main" id="{2017A128-2FDE-4893-B235-9A27FAED3653}"/>
-              </a:ext>
-            </a:extLst>
-          </p:cNvPr>
-          <p:cNvSpPr>
-            <a:spLocks noGrp="1"/>
-          </p:cNvSpPr>
-          <p:nvPr>
-            <p:ph type="title"/>
-          </p:nvPr>
-        </p:nvSpPr>
-        <p:spPr>
-          <a:xfrm>
-            <a:off x="839788" y="457200"/>
-            <a:ext cx="3932237" cy="1600200"/>
-          </a:xfrm>
-        </p:spPr>
-        <p:txBody>
-          <a:bodyPr anchor="b"/>
-          <a:lstStyle>
-            <a:lvl1pPr>
-              <a:defRPr sz="3200"/>
-            </a:lvl1pPr>
-          </a:lstStyle>
-          <a:p>
-            <a:r>
-              <a:rPr lang="zh-CN" altLang="en-US"/>
-              <a:t>单击此处编辑母版标题样式</a:t>
-            </a:r>
-          </a:p>
-        </p:txBody>
-      </p:sp>
-      <p:sp>
-        <p:nvSpPr>
-          <p:cNvPr id="3" name="图片占位符 2">
-            <a:extLst>
-              <a:ext uri="{FF2B5EF4-FFF2-40B4-BE49-F238E27FC236}">
-                <a16:creationId xmlns:a16="http://schemas.microsoft.com/office/drawing/2014/main" id="{20065541-1677-48E2-BED6-6889BE74F9C0}"/>
-              </a:ext>
-            </a:extLst>
-          </p:cNvPr>
-          <p:cNvSpPr>
-            <a:spLocks noGrp="1"/>
-          </p:cNvSpPr>
-          <p:nvPr>
-            <p:ph type="pic" idx="1"/>
-          </p:nvPr>
-        </p:nvSpPr>
-        <p:spPr>
-          <a:xfrm>
-            <a:off x="5183188" y="987425"/>
-            <a:ext cx="6172200" cy="4873625"/>
-          </a:xfrm>
-        </p:spPr>
-        <p:txBody>
-          <a:bodyPr/>
-          <a:lstStyle>
-            <a:lvl1pPr marL="0" indent="0">
-              <a:buNone/>
-              <a:defRPr sz="3200"/>
-            </a:lvl1pPr>
-            <a:lvl2pPr marL="457200" indent="0">
-              <a:buNone/>
-              <a:defRPr sz="2800"/>
-            </a:lvl2pPr>
-            <a:lvl3pPr marL="914400" indent="0">
-              <a:buNone/>
-              <a:defRPr sz="2400"/>
-            </a:lvl3pPr>
-            <a:lvl4pPr marL="1371600" indent="0">
-              <a:buNone/>
-              <a:defRPr sz="2000"/>
-            </a:lvl4pPr>
-            <a:lvl5pPr marL="1828800" indent="0">
-              <a:buNone/>
-              <a:defRPr sz="2000"/>
-            </a:lvl5pPr>
-            <a:lvl6pPr marL="2286000" indent="0">
-              <a:buNone/>
-              <a:defRPr sz="2000"/>
-            </a:lvl6pPr>
-            <a:lvl7pPr marL="2743200" indent="0">
-              <a:buNone/>
-              <a:defRPr sz="2000"/>
-            </a:lvl7pPr>
-            <a:lvl8pPr marL="3200400" indent="0">
-              <a:buNone/>
-              <a:defRPr sz="2000"/>
-            </a:lvl8pPr>
-            <a:lvl9pPr marL="3657600" indent="0">
-              <a:buNone/>
-              <a:defRPr sz="2000"/>
-            </a:lvl9pPr>
-          </a:lstStyle>
-          <a:p>
-            <a:endParaRPr lang="zh-CN" altLang="en-US"/>
-          </a:p>
-        </p:txBody>
-      </p:sp>
-      <p:sp>
-        <p:nvSpPr>
-          <p:cNvPr id="4" name="文本占位符 3">
-            <a:extLst>
-              <a:ext uri="{FF2B5EF4-FFF2-40B4-BE49-F238E27FC236}">
-                <a16:creationId xmlns:a16="http://schemas.microsoft.com/office/drawing/2014/main" id="{027954E1-1679-4BC7-9598-C0569ED36345}"/>
-              </a:ext>
-            </a:extLst>
-          </p:cNvPr>
-          <p:cNvSpPr>
-            <a:spLocks noGrp="1"/>
-          </p:cNvSpPr>
-          <p:nvPr>
-            <p:ph type="body" sz="half" idx="2"/>
-          </p:nvPr>
-        </p:nvSpPr>
-        <p:spPr>
-          <a:xfrm>
-            <a:off x="839788" y="2057400"/>
-            <a:ext cx="3932237" cy="3811588"/>
-          </a:xfrm>
-        </p:spPr>
-        <p:txBody>
-          <a:bodyPr/>
-          <a:lstStyle>
-            <a:lvl1pPr marL="0" indent="0">
-              <a:buNone/>
-              <a:defRPr sz="1600"/>
-            </a:lvl1pPr>
-            <a:lvl2pPr marL="457200" indent="0">
-              <a:buNone/>
-              <a:defRPr sz="1400"/>
-            </a:lvl2pPr>
-            <a:lvl3pPr marL="914400" indent="0">
-              <a:buNone/>
-              <a:defRPr sz="1200"/>
-            </a:lvl3pPr>
-            <a:lvl4pPr marL="1371600" indent="0">
-              <a:buNone/>
-              <a:defRPr sz="1000"/>
-            </a:lvl4pPr>
-            <a:lvl5pPr marL="1828800" indent="0">
-              <a:buNone/>
-              <a:defRPr sz="1000"/>
-            </a:lvl5pPr>
-            <a:lvl6pPr marL="2286000" indent="0">
-              <a:buNone/>
-              <a:defRPr sz="1000"/>
-            </a:lvl6pPr>
-            <a:lvl7pPr marL="2743200" indent="0">
-              <a:buNone/>
-              <a:defRPr sz="1000"/>
-            </a:lvl7pPr>
-            <a:lvl8pPr marL="3200400" indent="0">
-              <a:buNone/>
-              <a:defRPr sz="1000"/>
-            </a:lvl8pPr>
-            <a:lvl9pPr marL="3657600" indent="0">
-              <a:buNone/>
-              <a:defRPr sz="1000"/>
-            </a:lvl9pPr>
-          </a:lstStyle>
-          <a:p>
-            <a:pPr lvl="0"/>
-            <a:r>
-              <a:rPr lang="zh-CN" altLang="en-US"/>
-              <a:t>单击此处编辑母版文本样式</a:t>
-            </a:r>
-          </a:p>
-        </p:txBody>
-      </p:sp>
-      <p:sp>
-        <p:nvSpPr>
-          <p:cNvPr id="5" name="日期占位符 4">
-            <a:extLst>
-              <a:ext uri="{FF2B5EF4-FFF2-40B4-BE49-F238E27FC236}">
-                <a16:creationId xmlns:a16="http://schemas.microsoft.com/office/drawing/2014/main" id="{241EB17A-A179-46B6-A0EB-9B868752CDC2}"/>
-              </a:ext>
-            </a:extLst>
-          </p:cNvPr>
-          <p:cNvSpPr>
-            <a:spLocks noGrp="1"/>
-          </p:cNvSpPr>
-          <p:nvPr>
-            <p:ph type="dt" sz="half" idx="10"/>
-          </p:nvPr>
-        </p:nvSpPr>
-        <p:spPr/>
-        <p:txBody>
-          <a:bodyPr/>
-          <a:lstStyle/>
-          <a:p>
-            <a:fld id="{E4140F44-E63C-4996-8BD5-D69FF40853B5}" type="datetimeFigureOut">
-              <a:rPr lang="zh-CN" altLang="en-US" smtClean="0"/>
-              <a:t>2020/6/20</a:t>
-            </a:fld>
-            <a:endParaRPr lang="zh-CN" altLang="en-US"/>
-          </a:p>
-        </p:txBody>
-      </p:sp>
-      <p:sp>
-        <p:nvSpPr>
-          <p:cNvPr id="6" name="页脚占位符 5">
-            <a:extLst>
-              <a:ext uri="{FF2B5EF4-FFF2-40B4-BE49-F238E27FC236}">
-                <a16:creationId xmlns:a16="http://schemas.microsoft.com/office/drawing/2014/main" id="{90A4E444-2F93-4FA9-8698-A05DB52270E8}"/>
-              </a:ext>
-            </a:extLst>
-          </p:cNvPr>
-          <p:cNvSpPr>
-            <a:spLocks noGrp="1"/>
-          </p:cNvSpPr>
-          <p:nvPr>
-            <p:ph type="ftr" sz="quarter" idx="11"/>
-          </p:nvPr>
-        </p:nvSpPr>
-        <p:spPr/>
-        <p:txBody>
-          <a:bodyPr/>
-          <a:lstStyle/>
-          <a:p>
-            <a:endParaRPr lang="zh-CN" altLang="en-US"/>
-          </a:p>
-        </p:txBody>
-      </p:sp>
-      <p:sp>
-        <p:nvSpPr>
-          <p:cNvPr id="7" name="灯片编号占位符 6">
-            <a:extLst>
-              <a:ext uri="{FF2B5EF4-FFF2-40B4-BE49-F238E27FC236}">
-                <a16:creationId xmlns:a16="http://schemas.microsoft.com/office/drawing/2014/main" id="{7955AC08-4092-44C3-A2B8-5F03C1623D52}"/>
-              </a:ext>
-            </a:extLst>
-          </p:cNvPr>
-          <p:cNvSpPr>
-            <a:spLocks noGrp="1"/>
-          </p:cNvSpPr>
-          <p:nvPr>
-            <p:ph type="sldNum" sz="quarter" idx="12"/>
-          </p:nvPr>
-        </p:nvSpPr>
-        <p:spPr/>
-        <p:txBody>
-          <a:bodyPr/>
-          <a:lstStyle/>
-          <a:p>
-            <a:fld id="{663165EE-DD66-4923-B28B-FD2CB543D439}" type="slidenum">
-              <a:rPr lang="zh-CN" altLang="en-US" smtClean="0"/>
-              <a:t>‹#›</a:t>
-            </a:fld>
-            <a:endParaRPr lang="zh-CN" altLang="en-US"/>
-          </a:p>
-        </p:txBody>
-      </p:sp>
-    </p:spTree>
-    <p:extLst>
-      <p:ext uri="{BB962C8B-B14F-4D97-AF65-F5344CB8AC3E}">
-        <p14:creationId xmlns:p14="http://schemas.microsoft.com/office/powerpoint/2010/main" val="2019276551"/>
+        <p14:creationId xmlns:p14="http://schemas.microsoft.com/office/powerpoint/2010/main" val="978917916"/>
       </p:ext>
     </p:extLst>
   </p:cSld>
@@ -2769,13 +5008,7 @@
       </p:grpSpPr>
       <p:sp>
         <p:nvSpPr>
-          <p:cNvPr id="2" name="标题占位符 1">
-            <a:extLst>
-              <a:ext uri="{FF2B5EF4-FFF2-40B4-BE49-F238E27FC236}">
-                <a16:creationId xmlns:a16="http://schemas.microsoft.com/office/drawing/2014/main" id="{5EE0FE47-E058-447D-8ADF-F901072A1794}"/>
-              </a:ext>
-            </a:extLst>
-          </p:cNvPr>
+          <p:cNvPr id="2" name="标题占位符 1"/>
           <p:cNvSpPr>
             <a:spLocks noGrp="1"/>
           </p:cNvSpPr>
@@ -2785,8 +5018,8 @@
         </p:nvSpPr>
         <p:spPr>
           <a:xfrm>
-            <a:off x="838200" y="365125"/>
-            <a:ext cx="10515600" cy="1325563"/>
+            <a:off x="609600" y="274638"/>
+            <a:ext cx="10972800" cy="1143000"/>
           </a:xfrm>
           <a:prstGeom prst="rect">
             <a:avLst/>
@@ -2799,7 +5032,7 @@
           <a:lstStyle/>
           <a:p>
             <a:r>
-              <a:rPr lang="zh-CN" altLang="en-US"/>
+              <a:rPr lang="zh-CN" altLang="en-US" dirty="0"/>
               <a:t>单击此处编辑母版标题样式</a:t>
             </a:r>
           </a:p>
@@ -2807,13 +5040,7 @@
       </p:sp>
       <p:sp>
         <p:nvSpPr>
-          <p:cNvPr id="3" name="文本占位符 2">
-            <a:extLst>
-              <a:ext uri="{FF2B5EF4-FFF2-40B4-BE49-F238E27FC236}">
-                <a16:creationId xmlns:a16="http://schemas.microsoft.com/office/drawing/2014/main" id="{D8D1272F-D4FC-453D-849D-F95056F41C3D}"/>
-              </a:ext>
-            </a:extLst>
-          </p:cNvPr>
+          <p:cNvPr id="3" name="文本占位符 2"/>
           <p:cNvSpPr>
             <a:spLocks noGrp="1"/>
           </p:cNvSpPr>
@@ -2823,8 +5050,8 @@
         </p:nvSpPr>
         <p:spPr>
           <a:xfrm>
-            <a:off x="838200" y="1825625"/>
-            <a:ext cx="10515600" cy="4351338"/>
+            <a:off x="609600" y="1600201"/>
+            <a:ext cx="10972800" cy="4525963"/>
           </a:xfrm>
           <a:prstGeom prst="rect">
             <a:avLst/>
@@ -2846,41 +5073,35 @@
             <a:pPr lvl="1"/>
             <a:r>
               <a:rPr lang="zh-CN" altLang="en-US"/>
-              <a:t>二级</a:t>
+              <a:t>第二级</a:t>
             </a:r>
           </a:p>
           <a:p>
             <a:pPr lvl="2"/>
             <a:r>
               <a:rPr lang="zh-CN" altLang="en-US"/>
-              <a:t>三级</a:t>
+              <a:t>第三级</a:t>
             </a:r>
           </a:p>
           <a:p>
             <a:pPr lvl="3"/>
             <a:r>
               <a:rPr lang="zh-CN" altLang="en-US"/>
-              <a:t>四级</a:t>
+              <a:t>第四级</a:t>
             </a:r>
           </a:p>
           <a:p>
             <a:pPr lvl="4"/>
             <a:r>
               <a:rPr lang="zh-CN" altLang="en-US"/>
-              <a:t>五级</a:t>
-            </a:r>
-          </a:p>
-        </p:txBody>
-      </p:sp>
-      <p:sp>
-        <p:nvSpPr>
-          <p:cNvPr id="4" name="日期占位符 3">
-            <a:extLst>
-              <a:ext uri="{FF2B5EF4-FFF2-40B4-BE49-F238E27FC236}">
-                <a16:creationId xmlns:a16="http://schemas.microsoft.com/office/drawing/2014/main" id="{745298CF-BD0A-434F-8E55-A3D4F31228E5}"/>
-              </a:ext>
-            </a:extLst>
-          </p:cNvPr>
+              <a:t>第五级</a:t>
+            </a:r>
+          </a:p>
+        </p:txBody>
+      </p:sp>
+      <p:sp>
+        <p:nvSpPr>
+          <p:cNvPr id="4" name="日期占位符 3"/>
           <p:cNvSpPr>
             <a:spLocks noGrp="1"/>
           </p:cNvSpPr>
@@ -2890,8 +5111,8 @@
         </p:nvSpPr>
         <p:spPr>
           <a:xfrm>
-            <a:off x="838200" y="6356350"/>
-            <a:ext cx="2743200" cy="365125"/>
+            <a:off x="609600" y="6356351"/>
+            <a:ext cx="2844800" cy="365125"/>
           </a:xfrm>
           <a:prstGeom prst="rect">
             <a:avLst/>
@@ -2913,7 +5134,7 @@
           <a:p>
             <a:fld id="{E4140F44-E63C-4996-8BD5-D69FF40853B5}" type="datetimeFigureOut">
               <a:rPr lang="zh-CN" altLang="en-US" smtClean="0"/>
-              <a:t>2020/6/20</a:t>
+              <a:t>2020/7/11</a:t>
             </a:fld>
             <a:endParaRPr lang="zh-CN" altLang="en-US"/>
           </a:p>
@@ -2921,13 +5142,7 @@
       </p:sp>
       <p:sp>
         <p:nvSpPr>
-          <p:cNvPr id="5" name="页脚占位符 4">
-            <a:extLst>
-              <a:ext uri="{FF2B5EF4-FFF2-40B4-BE49-F238E27FC236}">
-                <a16:creationId xmlns:a16="http://schemas.microsoft.com/office/drawing/2014/main" id="{7CCD5205-876A-4E1C-918B-77940A46A82C}"/>
-              </a:ext>
-            </a:extLst>
-          </p:cNvPr>
+          <p:cNvPr id="5" name="页脚占位符 4"/>
           <p:cNvSpPr>
             <a:spLocks noGrp="1"/>
           </p:cNvSpPr>
@@ -2937,8 +5152,8 @@
         </p:nvSpPr>
         <p:spPr>
           <a:xfrm>
-            <a:off x="4038600" y="6356350"/>
-            <a:ext cx="4114800" cy="365125"/>
+            <a:off x="4165600" y="6356351"/>
+            <a:ext cx="3860800" cy="365125"/>
           </a:xfrm>
           <a:prstGeom prst="rect">
             <a:avLst/>
@@ -2964,13 +5179,7 @@
       </p:sp>
       <p:sp>
         <p:nvSpPr>
-          <p:cNvPr id="6" name="灯片编号占位符 5">
-            <a:extLst>
-              <a:ext uri="{FF2B5EF4-FFF2-40B4-BE49-F238E27FC236}">
-                <a16:creationId xmlns:a16="http://schemas.microsoft.com/office/drawing/2014/main" id="{C913C427-EF2A-415F-8E29-4B400F828B34}"/>
-              </a:ext>
-            </a:extLst>
-          </p:cNvPr>
+          <p:cNvPr id="6" name="灯片编号占位符 5"/>
           <p:cNvSpPr>
             <a:spLocks noGrp="1"/>
           </p:cNvSpPr>
@@ -2980,8 +5189,8 @@
         </p:nvSpPr>
         <p:spPr>
           <a:xfrm>
-            <a:off x="8610600" y="6356350"/>
-            <a:ext cx="2743200" cy="365125"/>
+            <a:off x="8737600" y="6356351"/>
+            <a:ext cx="2844800" cy="365125"/>
           </a:xfrm>
           <a:prstGeom prst="rect">
             <a:avLst/>
@@ -3012,30 +5221,28 @@
     </p:spTree>
     <p:extLst>
       <p:ext uri="{BB962C8B-B14F-4D97-AF65-F5344CB8AC3E}">
-        <p14:creationId xmlns:p14="http://schemas.microsoft.com/office/powerpoint/2010/main" val="3266452375"/>
+        <p14:creationId xmlns:p14="http://schemas.microsoft.com/office/powerpoint/2010/main" val="3149068424"/>
       </p:ext>
     </p:extLst>
   </p:cSld>
   <p:clrMap bg1="lt1" tx1="dk1" bg2="lt2" tx2="dk2" accent1="accent1" accent2="accent2" accent3="accent3" accent4="accent4" accent5="accent5" accent6="accent6" hlink="hlink" folHlink="folHlink"/>
   <p:sldLayoutIdLst>
-    <p:sldLayoutId id="2147483649" r:id="rId1"/>
-    <p:sldLayoutId id="2147483650" r:id="rId2"/>
-    <p:sldLayoutId id="2147483651" r:id="rId3"/>
-    <p:sldLayoutId id="2147483652" r:id="rId4"/>
-    <p:sldLayoutId id="2147483653" r:id="rId5"/>
-    <p:sldLayoutId id="2147483654" r:id="rId6"/>
-    <p:sldLayoutId id="2147483655" r:id="rId7"/>
-    <p:sldLayoutId id="2147483656" r:id="rId8"/>
-    <p:sldLayoutId id="2147483657" r:id="rId9"/>
-    <p:sldLayoutId id="2147483658" r:id="rId10"/>
-    <p:sldLayoutId id="2147483659" r:id="rId11"/>
+    <p:sldLayoutId id="2147483661" r:id="rId1"/>
+    <p:sldLayoutId id="2147483662" r:id="rId2"/>
+    <p:sldLayoutId id="2147483663" r:id="rId3"/>
+    <p:sldLayoutId id="2147483664" r:id="rId4"/>
+    <p:sldLayoutId id="2147483665" r:id="rId5"/>
+    <p:sldLayoutId id="2147483666" r:id="rId6"/>
+    <p:sldLayoutId id="2147483667" r:id="rId7"/>
+    <p:sldLayoutId id="2147483668" r:id="rId8"/>
+    <p:sldLayoutId id="2147483669" r:id="rId9"/>
+    <p:sldLayoutId id="2147483670" r:id="rId10"/>
+    <p:sldLayoutId id="2147483671" r:id="rId11"/>
+    <p:sldLayoutId id="2147483672" r:id="rId12"/>
   </p:sldLayoutIdLst>
   <p:txStyles>
     <p:titleStyle>
-      <a:lvl1pPr algn="l" defTabSz="914400" rtl="0" eaLnBrk="1" latinLnBrk="0" hangingPunct="1">
-        <a:lnSpc>
-          <a:spcPct val="90000"/>
-        </a:lnSpc>
+      <a:lvl1pPr algn="ctr" defTabSz="914400" rtl="0" eaLnBrk="1" latinLnBrk="0" hangingPunct="1">
         <a:spcBef>
           <a:spcPct val="0"/>
         </a:spcBef>
@@ -3051,15 +5258,27 @@
       </a:lvl1pPr>
     </p:titleStyle>
     <p:bodyStyle>
-      <a:lvl1pPr marL="228600" indent="-228600" algn="l" defTabSz="914400" rtl="0" eaLnBrk="1" latinLnBrk="0" hangingPunct="1">
-        <a:lnSpc>
-          <a:spcPct val="90000"/>
-        </a:lnSpc>
+      <a:lvl1pPr marL="342900" indent="-342900" algn="l" defTabSz="914400" rtl="0" eaLnBrk="1" latinLnBrk="0" hangingPunct="1">
         <a:spcBef>
-          <a:spcPts val="1000"/>
+          <a:spcPct val="20000"/>
         </a:spcBef>
-        <a:buFont typeface="Arial" panose="020B0604020202020204" pitchFamily="34" charset="0"/>
+        <a:buFont typeface="Arial" pitchFamily="34" charset="0"/>
         <a:buChar char="•"/>
+        <a:defRPr sz="3200" kern="1200">
+          <a:solidFill>
+            <a:schemeClr val="tx1"/>
+          </a:solidFill>
+          <a:latin typeface="+mn-lt"/>
+          <a:ea typeface="+mn-ea"/>
+          <a:cs typeface="+mn-cs"/>
+        </a:defRPr>
+      </a:lvl1pPr>
+      <a:lvl2pPr marL="742950" indent="-285750" algn="l" defTabSz="914400" rtl="0" eaLnBrk="1" latinLnBrk="0" hangingPunct="1">
+        <a:spcBef>
+          <a:spcPct val="20000"/>
+        </a:spcBef>
+        <a:buFont typeface="Arial" pitchFamily="34" charset="0"/>
+        <a:buChar char="–"/>
         <a:defRPr sz="2800" kern="1200">
           <a:solidFill>
             <a:schemeClr val="tx1"/>
@@ -3068,15 +5287,12 @@
           <a:ea typeface="+mn-ea"/>
           <a:cs typeface="+mn-cs"/>
         </a:defRPr>
-      </a:lvl1pPr>
-      <a:lvl2pPr marL="685800" indent="-228600" algn="l" defTabSz="914400" rtl="0" eaLnBrk="1" latinLnBrk="0" hangingPunct="1">
-        <a:lnSpc>
-          <a:spcPct val="90000"/>
-        </a:lnSpc>
+      </a:lvl2pPr>
+      <a:lvl3pPr marL="1143000" indent="-228600" algn="l" defTabSz="914400" rtl="0" eaLnBrk="1" latinLnBrk="0" hangingPunct="1">
         <a:spcBef>
-          <a:spcPts val="500"/>
+          <a:spcPct val="20000"/>
         </a:spcBef>
-        <a:buFont typeface="Arial" panose="020B0604020202020204" pitchFamily="34" charset="0"/>
+        <a:buFont typeface="Arial" pitchFamily="34" charset="0"/>
         <a:buChar char="•"/>
         <a:defRPr sz="2400" kern="1200">
           <a:solidFill>
@@ -3086,15 +5302,42 @@
           <a:ea typeface="+mn-ea"/>
           <a:cs typeface="+mn-cs"/>
         </a:defRPr>
-      </a:lvl2pPr>
-      <a:lvl3pPr marL="1143000" indent="-228600" algn="l" defTabSz="914400" rtl="0" eaLnBrk="1" latinLnBrk="0" hangingPunct="1">
-        <a:lnSpc>
-          <a:spcPct val="90000"/>
-        </a:lnSpc>
+      </a:lvl3pPr>
+      <a:lvl4pPr marL="1600200" indent="-228600" algn="l" defTabSz="914400" rtl="0" eaLnBrk="1" latinLnBrk="0" hangingPunct="1">
         <a:spcBef>
-          <a:spcPts val="500"/>
+          <a:spcPct val="20000"/>
         </a:spcBef>
-        <a:buFont typeface="Arial" panose="020B0604020202020204" pitchFamily="34" charset="0"/>
+        <a:buFont typeface="Arial" pitchFamily="34" charset="0"/>
+        <a:buChar char="–"/>
+        <a:defRPr sz="2000" kern="1200">
+          <a:solidFill>
+            <a:schemeClr val="tx1"/>
+          </a:solidFill>
+          <a:latin typeface="+mn-lt"/>
+          <a:ea typeface="+mn-ea"/>
+          <a:cs typeface="+mn-cs"/>
+        </a:defRPr>
+      </a:lvl4pPr>
+      <a:lvl5pPr marL="2057400" indent="-228600" algn="l" defTabSz="914400" rtl="0" eaLnBrk="1" latinLnBrk="0" hangingPunct="1">
+        <a:spcBef>
+          <a:spcPct val="20000"/>
+        </a:spcBef>
+        <a:buFont typeface="Arial" pitchFamily="34" charset="0"/>
+        <a:buChar char="»"/>
+        <a:defRPr sz="2000" kern="1200">
+          <a:solidFill>
+            <a:schemeClr val="tx1"/>
+          </a:solidFill>
+          <a:latin typeface="+mn-lt"/>
+          <a:ea typeface="+mn-ea"/>
+          <a:cs typeface="+mn-cs"/>
+        </a:defRPr>
+      </a:lvl5pPr>
+      <a:lvl6pPr marL="2514600" indent="-228600" algn="l" defTabSz="914400" rtl="0" eaLnBrk="1" latinLnBrk="0" hangingPunct="1">
+        <a:spcBef>
+          <a:spcPct val="20000"/>
+        </a:spcBef>
+        <a:buFont typeface="Arial" pitchFamily="34" charset="0"/>
         <a:buChar char="•"/>
         <a:defRPr sz="2000" kern="1200">
           <a:solidFill>
@@ -3104,71 +5347,14 @@
           <a:ea typeface="+mn-ea"/>
           <a:cs typeface="+mn-cs"/>
         </a:defRPr>
-      </a:lvl3pPr>
-      <a:lvl4pPr marL="1600200" indent="-228600" algn="l" defTabSz="914400" rtl="0" eaLnBrk="1" latinLnBrk="0" hangingPunct="1">
-        <a:lnSpc>
-          <a:spcPct val="90000"/>
-        </a:lnSpc>
-        <a:spcBef>
-          <a:spcPts val="500"/>
-        </a:spcBef>
-        <a:buFont typeface="Arial" panose="020B0604020202020204" pitchFamily="34" charset="0"/>
-        <a:buChar char="•"/>
-        <a:defRPr sz="1800" kern="1200">
-          <a:solidFill>
-            <a:schemeClr val="tx1"/>
-          </a:solidFill>
-          <a:latin typeface="+mn-lt"/>
-          <a:ea typeface="+mn-ea"/>
-          <a:cs typeface="+mn-cs"/>
-        </a:defRPr>
-      </a:lvl4pPr>
-      <a:lvl5pPr marL="2057400" indent="-228600" algn="l" defTabSz="914400" rtl="0" eaLnBrk="1" latinLnBrk="0" hangingPunct="1">
-        <a:lnSpc>
-          <a:spcPct val="90000"/>
-        </a:lnSpc>
-        <a:spcBef>
-          <a:spcPts val="500"/>
-        </a:spcBef>
-        <a:buFont typeface="Arial" panose="020B0604020202020204" pitchFamily="34" charset="0"/>
-        <a:buChar char="•"/>
-        <a:defRPr sz="1800" kern="1200">
-          <a:solidFill>
-            <a:schemeClr val="tx1"/>
-          </a:solidFill>
-          <a:latin typeface="+mn-lt"/>
-          <a:ea typeface="+mn-ea"/>
-          <a:cs typeface="+mn-cs"/>
-        </a:defRPr>
-      </a:lvl5pPr>
-      <a:lvl6pPr marL="2514600" indent="-228600" algn="l" defTabSz="914400" rtl="0" eaLnBrk="1" latinLnBrk="0" hangingPunct="1">
-        <a:lnSpc>
-          <a:spcPct val="90000"/>
-        </a:lnSpc>
-        <a:spcBef>
-          <a:spcPts val="500"/>
-        </a:spcBef>
-        <a:buFont typeface="Arial" panose="020B0604020202020204" pitchFamily="34" charset="0"/>
-        <a:buChar char="•"/>
-        <a:defRPr sz="1800" kern="1200">
-          <a:solidFill>
-            <a:schemeClr val="tx1"/>
-          </a:solidFill>
-          <a:latin typeface="+mn-lt"/>
-          <a:ea typeface="+mn-ea"/>
-          <a:cs typeface="+mn-cs"/>
-        </a:defRPr>
       </a:lvl6pPr>
       <a:lvl7pPr marL="2971800" indent="-228600" algn="l" defTabSz="914400" rtl="0" eaLnBrk="1" latinLnBrk="0" hangingPunct="1">
-        <a:lnSpc>
-          <a:spcPct val="90000"/>
-        </a:lnSpc>
         <a:spcBef>
-          <a:spcPts val="500"/>
+          <a:spcPct val="20000"/>
         </a:spcBef>
-        <a:buFont typeface="Arial" panose="020B0604020202020204" pitchFamily="34" charset="0"/>
+        <a:buFont typeface="Arial" pitchFamily="34" charset="0"/>
         <a:buChar char="•"/>
-        <a:defRPr sz="1800" kern="1200">
+        <a:defRPr sz="2000" kern="1200">
           <a:solidFill>
             <a:schemeClr val="tx1"/>
           </a:solidFill>
@@ -3178,15 +5364,12 @@
         </a:defRPr>
       </a:lvl7pPr>
       <a:lvl8pPr marL="3429000" indent="-228600" algn="l" defTabSz="914400" rtl="0" eaLnBrk="1" latinLnBrk="0" hangingPunct="1">
-        <a:lnSpc>
-          <a:spcPct val="90000"/>
-        </a:lnSpc>
         <a:spcBef>
-          <a:spcPts val="500"/>
+          <a:spcPct val="20000"/>
         </a:spcBef>
-        <a:buFont typeface="Arial" panose="020B0604020202020204" pitchFamily="34" charset="0"/>
+        <a:buFont typeface="Arial" pitchFamily="34" charset="0"/>
         <a:buChar char="•"/>
-        <a:defRPr sz="1800" kern="1200">
+        <a:defRPr sz="2000" kern="1200">
           <a:solidFill>
             <a:schemeClr val="tx1"/>
           </a:solidFill>
@@ -3196,15 +5379,12 @@
         </a:defRPr>
       </a:lvl8pPr>
       <a:lvl9pPr marL="3886200" indent="-228600" algn="l" defTabSz="914400" rtl="0" eaLnBrk="1" latinLnBrk="0" hangingPunct="1">
-        <a:lnSpc>
-          <a:spcPct val="90000"/>
-        </a:lnSpc>
         <a:spcBef>
-          <a:spcPts val="500"/>
+          <a:spcPct val="20000"/>
         </a:spcBef>
-        <a:buFont typeface="Arial" panose="020B0604020202020204" pitchFamily="34" charset="0"/>
+        <a:buFont typeface="Arial" pitchFamily="34" charset="0"/>
         <a:buChar char="•"/>
-        <a:defRPr sz="1800" kern="1200">
+        <a:defRPr sz="2000" kern="1200">
           <a:solidFill>
             <a:schemeClr val="tx1"/>
           </a:solidFill>
@@ -3377,7 +5557,9 @@
         </p:nvSpPr>
         <p:spPr/>
         <p:txBody>
-          <a:bodyPr/>
+          <a:bodyPr>
+            <a:normAutofit/>
+          </a:bodyPr>
           <a:lstStyle/>
           <a:p>
             <a:endParaRPr lang="zh-CN" altLang="en-US"/>
@@ -3950,7 +6132,7 @@
         <p:spPr/>
         <p:txBody>
           <a:bodyPr>
-            <a:normAutofit/>
+            <a:normAutofit fontScale="92500"/>
           </a:bodyPr>
           <a:lstStyle/>
           <a:p>
@@ -5102,7 +7284,7 @@
 </file>
 
 <file path=ppt/theme/theme1.xml><?xml version="1.0" encoding="utf-8"?>
-<a:theme xmlns:a="http://schemas.openxmlformats.org/drawingml/2006/main" name="Office 主题​​">
+<a:theme xmlns:a="http://schemas.openxmlformats.org/drawingml/2006/main" name="Office 主题">
   <a:themeElements>
     <a:clrScheme name="Office">
       <a:dk1>
@@ -5112,44 +7294,44 @@
         <a:sysClr val="window" lastClr="FFFFFF"/>
       </a:lt1>
       <a:dk2>
-        <a:srgbClr val="44546A"/>
+        <a:srgbClr val="1F497D"/>
       </a:dk2>
       <a:lt2>
-        <a:srgbClr val="E7E6E6"/>
+        <a:srgbClr val="EEECE1"/>
       </a:lt2>
       <a:accent1>
-        <a:srgbClr val="4472C4"/>
+        <a:srgbClr val="4F81BD"/>
       </a:accent1>
       <a:accent2>
-        <a:srgbClr val="ED7D31"/>
+        <a:srgbClr val="C0504D"/>
       </a:accent2>
       <a:accent3>
-        <a:srgbClr val="A5A5A5"/>
+        <a:srgbClr val="9BBB59"/>
       </a:accent3>
       <a:accent4>
-        <a:srgbClr val="FFC000"/>
+        <a:srgbClr val="8064A2"/>
       </a:accent4>
       <a:accent5>
-        <a:srgbClr val="5B9BD5"/>
+        <a:srgbClr val="4BACC6"/>
       </a:accent5>
       <a:accent6>
-        <a:srgbClr val="70AD47"/>
+        <a:srgbClr val="F79646"/>
       </a:accent6>
       <a:hlink>
-        <a:srgbClr val="0563C1"/>
+        <a:srgbClr val="0000FF"/>
       </a:hlink>
       <a:folHlink>
-        <a:srgbClr val="954F72"/>
+        <a:srgbClr val="800080"/>
       </a:folHlink>
     </a:clrScheme>
     <a:fontScheme name="Office">
       <a:majorFont>
-        <a:latin typeface="等线 Light" panose="020F0302020204030204"/>
+        <a:latin typeface="Calibri"/>
         <a:ea typeface=""/>
         <a:cs typeface=""/>
-        <a:font script="Jpan" typeface="游ゴシック Light"/>
+        <a:font script="Jpan" typeface="ＭＳ Ｐゴシック"/>
         <a:font script="Hang" typeface="맑은 고딕"/>
-        <a:font script="Hans" typeface="等线 Light"/>
+        <a:font script="Hans" typeface="宋体"/>
         <a:font script="Hant" typeface="新細明體"/>
         <a:font script="Arab" typeface="Times New Roman"/>
         <a:font script="Hebr" typeface="Times New Roman"/>
@@ -5176,32 +7358,14 @@
         <a:font script="Mong" typeface="Mongolian Baiti"/>
         <a:font script="Viet" typeface="Times New Roman"/>
         <a:font script="Uigh" typeface="Microsoft Uighur"/>
-        <a:font script="Geor" typeface="Sylfaen"/>
-        <a:font script="Armn" typeface="Arial"/>
-        <a:font script="Bugi" typeface="Leelawadee UI"/>
-        <a:font script="Bopo" typeface="Microsoft JhengHei"/>
-        <a:font script="Java" typeface="Javanese Text"/>
-        <a:font script="Lisu" typeface="Segoe UI"/>
-        <a:font script="Mymr" typeface="Myanmar Text"/>
-        <a:font script="Nkoo" typeface="Ebrima"/>
-        <a:font script="Olck" typeface="Nirmala UI"/>
-        <a:font script="Osma" typeface="Ebrima"/>
-        <a:font script="Phag" typeface="Phagspa"/>
-        <a:font script="Syrn" typeface="Estrangelo Edessa"/>
-        <a:font script="Syrj" typeface="Estrangelo Edessa"/>
-        <a:font script="Syre" typeface="Estrangelo Edessa"/>
-        <a:font script="Sora" typeface="Nirmala UI"/>
-        <a:font script="Tale" typeface="Microsoft Tai Le"/>
-        <a:font script="Talu" typeface="Microsoft New Tai Lue"/>
-        <a:font script="Tfng" typeface="Ebrima"/>
       </a:majorFont>
       <a:minorFont>
-        <a:latin typeface="等线" panose="020F0502020204030204"/>
+        <a:latin typeface="Calibri"/>
         <a:ea typeface=""/>
         <a:cs typeface=""/>
-        <a:font script="Jpan" typeface="游ゴシック"/>
+        <a:font script="Jpan" typeface="ＭＳ Ｐゴシック"/>
         <a:font script="Hang" typeface="맑은 고딕"/>
-        <a:font script="Hans" typeface="等线"/>
+        <a:font script="Hans" typeface="宋体"/>
         <a:font script="Hant" typeface="新細明體"/>
         <a:font script="Arab" typeface="Arial"/>
         <a:font script="Hebr" typeface="Arial"/>
@@ -5228,24 +7392,6 @@
         <a:font script="Mong" typeface="Mongolian Baiti"/>
         <a:font script="Viet" typeface="Arial"/>
         <a:font script="Uigh" typeface="Microsoft Uighur"/>
-        <a:font script="Geor" typeface="Sylfaen"/>
-        <a:font script="Armn" typeface="Arial"/>
-        <a:font script="Bugi" typeface="Leelawadee UI"/>
-        <a:font script="Bopo" typeface="Microsoft JhengHei"/>
-        <a:font script="Java" typeface="Javanese Text"/>
-        <a:font script="Lisu" typeface="Segoe UI"/>
-        <a:font script="Mymr" typeface="Myanmar Text"/>
-        <a:font script="Nkoo" typeface="Ebrima"/>
-        <a:font script="Olck" typeface="Nirmala UI"/>
-        <a:font script="Osma" typeface="Ebrima"/>
-        <a:font script="Phag" typeface="Phagspa"/>
-        <a:font script="Syrn" typeface="Estrangelo Edessa"/>
-        <a:font script="Syrj" typeface="Estrangelo Edessa"/>
-        <a:font script="Syre" typeface="Estrangelo Edessa"/>
-        <a:font script="Sora" typeface="Nirmala UI"/>
-        <a:font script="Tale" typeface="Microsoft Tai Le"/>
-        <a:font script="Talu" typeface="Microsoft New Tai Lue"/>
-        <a:font script="Tfng" typeface="Ebrima"/>
       </a:minorFont>
     </a:fontScheme>
     <a:fmtScheme name="Office">
@@ -5257,141 +7403,165 @@
           <a:gsLst>
             <a:gs pos="0">
               <a:schemeClr val="phClr">
-                <a:lumMod val="110000"/>
-                <a:satMod val="105000"/>
-                <a:tint val="67000"/>
+                <a:tint val="50000"/>
+                <a:satMod val="300000"/>
               </a:schemeClr>
             </a:gs>
-            <a:gs pos="50000">
+            <a:gs pos="35000">
               <a:schemeClr val="phClr">
-                <a:lumMod val="105000"/>
-                <a:satMod val="103000"/>
-                <a:tint val="73000"/>
+                <a:tint val="37000"/>
+                <a:satMod val="300000"/>
               </a:schemeClr>
             </a:gs>
             <a:gs pos="100000">
               <a:schemeClr val="phClr">
-                <a:lumMod val="105000"/>
-                <a:satMod val="109000"/>
-                <a:tint val="81000"/>
+                <a:tint val="15000"/>
+                <a:satMod val="350000"/>
               </a:schemeClr>
             </a:gs>
           </a:gsLst>
-          <a:lin ang="5400000" scaled="0"/>
+          <a:lin ang="16200000" scaled="1"/>
         </a:gradFill>
         <a:gradFill rotWithShape="1">
           <a:gsLst>
             <a:gs pos="0">
               <a:schemeClr val="phClr">
-                <a:satMod val="103000"/>
-                <a:lumMod val="102000"/>
-                <a:tint val="94000"/>
+                <a:shade val="51000"/>
+                <a:satMod val="130000"/>
               </a:schemeClr>
             </a:gs>
-            <a:gs pos="50000">
+            <a:gs pos="80000">
               <a:schemeClr val="phClr">
-                <a:satMod val="110000"/>
-                <a:lumMod val="100000"/>
-                <a:shade val="100000"/>
+                <a:shade val="93000"/>
+                <a:satMod val="130000"/>
               </a:schemeClr>
             </a:gs>
             <a:gs pos="100000">
               <a:schemeClr val="phClr">
-                <a:lumMod val="99000"/>
-                <a:satMod val="120000"/>
-                <a:shade val="78000"/>
+                <a:shade val="94000"/>
+                <a:satMod val="135000"/>
               </a:schemeClr>
             </a:gs>
           </a:gsLst>
-          <a:lin ang="5400000" scaled="0"/>
+          <a:lin ang="16200000" scaled="0"/>
         </a:gradFill>
       </a:fillStyleLst>
       <a:lnStyleLst>
-        <a:ln w="6350" cap="flat" cmpd="sng" algn="ctr">
+        <a:ln w="9525" cap="flat" cmpd="sng" algn="ctr">
+          <a:solidFill>
+            <a:schemeClr val="phClr">
+              <a:shade val="95000"/>
+              <a:satMod val="105000"/>
+            </a:schemeClr>
+          </a:solidFill>
+          <a:prstDash val="solid"/>
+        </a:ln>
+        <a:ln w="25400" cap="flat" cmpd="sng" algn="ctr">
           <a:solidFill>
             <a:schemeClr val="phClr"/>
           </a:solidFill>
           <a:prstDash val="solid"/>
-          <a:miter lim="800000"/>
         </a:ln>
-        <a:ln w="12700" cap="flat" cmpd="sng" algn="ctr">
+        <a:ln w="38100" cap="flat" cmpd="sng" algn="ctr">
           <a:solidFill>
             <a:schemeClr val="phClr"/>
           </a:solidFill>
           <a:prstDash val="solid"/>
-          <a:miter lim="800000"/>
-        </a:ln>
-        <a:ln w="19050" cap="flat" cmpd="sng" algn="ctr">
-          <a:solidFill>
-            <a:schemeClr val="phClr"/>
-          </a:solidFill>
-          <a:prstDash val="solid"/>
-          <a:miter lim="800000"/>
         </a:ln>
       </a:lnStyleLst>
       <a:effectStyleLst>
         <a:effectStyle>
-          <a:effectLst/>
-        </a:effectStyle>
-        <a:effectStyle>
-          <a:effectLst/>
+          <a:effectLst>
+            <a:outerShdw blurRad="40000" dist="20000" dir="5400000" rotWithShape="0">
+              <a:srgbClr val="000000">
+                <a:alpha val="38000"/>
+              </a:srgbClr>
+            </a:outerShdw>
+          </a:effectLst>
         </a:effectStyle>
         <a:effectStyle>
           <a:effectLst>
-            <a:outerShdw blurRad="57150" dist="19050" dir="5400000" algn="ctr" rotWithShape="0">
+            <a:outerShdw blurRad="40000" dist="23000" dir="5400000" rotWithShape="0">
               <a:srgbClr val="000000">
-                <a:alpha val="63000"/>
+                <a:alpha val="35000"/>
               </a:srgbClr>
             </a:outerShdw>
           </a:effectLst>
+        </a:effectStyle>
+        <a:effectStyle>
+          <a:effectLst>
+            <a:outerShdw blurRad="40000" dist="23000" dir="5400000" rotWithShape="0">
+              <a:srgbClr val="000000">
+                <a:alpha val="35000"/>
+              </a:srgbClr>
+            </a:outerShdw>
+          </a:effectLst>
+          <a:scene3d>
+            <a:camera prst="orthographicFront">
+              <a:rot lat="0" lon="0" rev="0"/>
+            </a:camera>
+            <a:lightRig rig="threePt" dir="t">
+              <a:rot lat="0" lon="0" rev="1200000"/>
+            </a:lightRig>
+          </a:scene3d>
+          <a:sp3d>
+            <a:bevelT w="63500" h="25400"/>
+          </a:sp3d>
         </a:effectStyle>
       </a:effectStyleLst>
       <a:bgFillStyleLst>
         <a:solidFill>
           <a:schemeClr val="phClr"/>
         </a:solidFill>
-        <a:solidFill>
-          <a:schemeClr val="phClr">
-            <a:tint val="95000"/>
-            <a:satMod val="170000"/>
-          </a:schemeClr>
-        </a:solidFill>
         <a:gradFill rotWithShape="1">
           <a:gsLst>
             <a:gs pos="0">
               <a:schemeClr val="phClr">
-                <a:tint val="93000"/>
-                <a:satMod val="150000"/>
-                <a:shade val="98000"/>
-                <a:lumMod val="102000"/>
+                <a:tint val="40000"/>
+                <a:satMod val="350000"/>
               </a:schemeClr>
             </a:gs>
-            <a:gs pos="50000">
+            <a:gs pos="40000">
               <a:schemeClr val="phClr">
-                <a:tint val="98000"/>
-                <a:satMod val="130000"/>
-                <a:shade val="90000"/>
-                <a:lumMod val="103000"/>
+                <a:tint val="45000"/>
+                <a:shade val="99000"/>
+                <a:satMod val="350000"/>
               </a:schemeClr>
             </a:gs>
             <a:gs pos="100000">
               <a:schemeClr val="phClr">
-                <a:shade val="63000"/>
-                <a:satMod val="120000"/>
+                <a:shade val="20000"/>
+                <a:satMod val="255000"/>
               </a:schemeClr>
             </a:gs>
           </a:gsLst>
-          <a:lin ang="5400000" scaled="0"/>
+          <a:path path="circle">
+            <a:fillToRect l="50000" t="-80000" r="50000" b="180000"/>
+          </a:path>
+        </a:gradFill>
+        <a:gradFill rotWithShape="1">
+          <a:gsLst>
+            <a:gs pos="0">
+              <a:schemeClr val="phClr">
+                <a:tint val="80000"/>
+                <a:satMod val="300000"/>
+              </a:schemeClr>
+            </a:gs>
+            <a:gs pos="100000">
+              <a:schemeClr val="phClr">
+                <a:shade val="30000"/>
+                <a:satMod val="200000"/>
+              </a:schemeClr>
+            </a:gs>
+          </a:gsLst>
+          <a:path path="circle">
+            <a:fillToRect l="50000" t="50000" r="50000" b="50000"/>
+          </a:path>
         </a:gradFill>
       </a:bgFillStyleLst>
     </a:fmtScheme>
   </a:themeElements>
   <a:objectDefaults/>
   <a:extraClrSchemeLst/>
-  <a:extLst>
-    <a:ext uri="{05A4C25C-085E-4340-85A3-A5531E510DB2}">
-      <thm15:themeFamily xmlns:thm15="http://schemas.microsoft.com/office/thememl/2012/main" name="Office Theme" id="{62F939B6-93AF-4DB8-9C6B-D6C7DFDC589F}" vid="{4A3C46E8-61CC-4603-A589-7422A47A8E4A}"/>
-    </a:ext>
-  </a:extLst>
 </a:theme>
 </file>